--- a/Projeto_Reducao_Inadimplencia_Pod_Bank.pptx
+++ b/Projeto_Reducao_Inadimplencia_Pod_Bank.pptx
@@ -14253,13 +14253,13 @@
           <p:nvPr>
             <p:extLst>
               <p:ext uri="{D42A27DB-BD31-4B8C-83A1-F6EECF244321}">
-                <p14:modId xmlns:p14="http://schemas.microsoft.com/office/powerpoint/2010/main" val="653934207"/>
+                <p14:modId xmlns:p14="http://schemas.microsoft.com/office/powerpoint/2010/main" val="4222663158"/>
               </p:ext>
             </p:extLst>
           </p:nvPr>
         </p:nvGraphicFramePr>
         <p:xfrm>
-          <a:off x="994800" y="2135180"/>
+          <a:off x="994800" y="2828327"/>
           <a:ext cx="10919293" cy="2587640"/>
         </p:xfrm>
         <a:graphic>
@@ -14806,7 +14806,7 @@
                     <a:p>
                       <a:pPr algn="ctr" fontAlgn="ctr"/>
                       <a:r>
-                        <a:rPr lang="pt-BR" sz="1200" b="0" i="0" u="none" strike="noStrike">
+                        <a:rPr lang="pt-BR" sz="1200" b="0" i="0" u="none" strike="noStrike" dirty="0">
                           <a:solidFill>
                             <a:srgbClr val="000000"/>
                           </a:solidFill>
@@ -15705,7 +15705,7 @@
                     <a:p>
                       <a:pPr algn="ctr" fontAlgn="ctr"/>
                       <a:r>
-                        <a:rPr lang="pt-BR" sz="1200" b="0" i="0" u="none" strike="noStrike">
+                        <a:rPr lang="pt-BR" sz="1200" b="0" i="0" u="none" strike="noStrike" dirty="0">
                           <a:solidFill>
                             <a:srgbClr val="000000"/>
                           </a:solidFill>
@@ -16150,6 +16150,293 @@
           </a:graphicData>
         </a:graphic>
       </p:graphicFrame>
+      <p:graphicFrame>
+        <p:nvGraphicFramePr>
+          <p:cNvPr id="4" name="Tabela 3">
+            <a:extLst>
+              <a:ext uri="{FF2B5EF4-FFF2-40B4-BE49-F238E27FC236}">
+                <a16:creationId xmlns:a16="http://schemas.microsoft.com/office/drawing/2014/main" id="{5B64AA49-C7D8-4484-9004-9CBC12572303}"/>
+              </a:ext>
+            </a:extLst>
+          </p:cNvPr>
+          <p:cNvGraphicFramePr>
+            <a:graphicFrameLocks noGrp="1"/>
+          </p:cNvGraphicFramePr>
+          <p:nvPr>
+            <p:extLst>
+              <p:ext uri="{D42A27DB-BD31-4B8C-83A1-F6EECF244321}">
+                <p14:modId xmlns:p14="http://schemas.microsoft.com/office/powerpoint/2010/main" val="3073471355"/>
+              </p:ext>
+            </p:extLst>
+          </p:nvPr>
+        </p:nvGraphicFramePr>
+        <p:xfrm>
+          <a:off x="1183059" y="2108233"/>
+          <a:ext cx="8579506" cy="381000"/>
+        </p:xfrm>
+        <a:graphic>
+          <a:graphicData uri="http://schemas.openxmlformats.org/drawingml/2006/table">
+            <a:tbl>
+              <a:tblPr/>
+              <a:tblGrid>
+                <a:gridCol w="2683458">
+                  <a:extLst>
+                    <a:ext uri="{9D8B030D-6E8A-4147-A177-3AD203B41FA5}">
+                      <a16:colId xmlns:a16="http://schemas.microsoft.com/office/drawing/2014/main" val="3695593553"/>
+                    </a:ext>
+                  </a:extLst>
+                </a:gridCol>
+                <a:gridCol w="2966922">
+                  <a:extLst>
+                    <a:ext uri="{9D8B030D-6E8A-4147-A177-3AD203B41FA5}">
+                      <a16:colId xmlns:a16="http://schemas.microsoft.com/office/drawing/2014/main" val="3944598674"/>
+                    </a:ext>
+                  </a:extLst>
+                </a:gridCol>
+                <a:gridCol w="2929126">
+                  <a:extLst>
+                    <a:ext uri="{9D8B030D-6E8A-4147-A177-3AD203B41FA5}">
+                      <a16:colId xmlns:a16="http://schemas.microsoft.com/office/drawing/2014/main" val="1181706695"/>
+                    </a:ext>
+                  </a:extLst>
+                </a:gridCol>
+              </a:tblGrid>
+              <a:tr h="182880">
+                <a:tc>
+                  <a:txBody>
+                    <a:bodyPr/>
+                    <a:lstStyle/>
+                    <a:p>
+                      <a:pPr algn="l" fontAlgn="b"/>
+                      <a:r>
+                        <a:rPr lang="pt-BR" sz="1200" b="0" i="0" u="none" strike="noStrike">
+                          <a:solidFill>
+                            <a:srgbClr val="000000"/>
+                          </a:solidFill>
+                          <a:effectLst/>
+                          <a:latin typeface="Calibri" panose="020F0502020204030204" pitchFamily="34" charset="0"/>
+                        </a:rPr>
+                        <a:t>Clientes Cash Loans = 91%</a:t>
+                      </a:r>
+                    </a:p>
+                  </a:txBody>
+                  <a:tcPr marL="7620" marR="7620" marT="7620" marB="0" anchor="b">
+                    <a:lnL>
+                      <a:noFill/>
+                    </a:lnL>
+                    <a:lnR>
+                      <a:noFill/>
+                    </a:lnR>
+                    <a:lnT>
+                      <a:noFill/>
+                    </a:lnT>
+                    <a:lnB>
+                      <a:noFill/>
+                    </a:lnB>
+                  </a:tcPr>
+                </a:tc>
+                <a:tc>
+                  <a:txBody>
+                    <a:bodyPr/>
+                    <a:lstStyle/>
+                    <a:p>
+                      <a:pPr algn="l" fontAlgn="b"/>
+                      <a:r>
+                        <a:rPr lang="pt-BR" sz="1200" b="0" i="0" u="none" strike="noStrike">
+                          <a:solidFill>
+                            <a:srgbClr val="000000"/>
+                          </a:solidFill>
+                          <a:effectLst/>
+                          <a:latin typeface="Calibri" panose="020F0502020204030204" pitchFamily="34" charset="0"/>
+                        </a:rPr>
+                        <a:t>Valor méd Empréstimo = 599.496</a:t>
+                      </a:r>
+                    </a:p>
+                  </a:txBody>
+                  <a:tcPr marL="7620" marR="7620" marT="7620" marB="0" anchor="b">
+                    <a:lnL>
+                      <a:noFill/>
+                    </a:lnL>
+                    <a:lnR>
+                      <a:noFill/>
+                    </a:lnR>
+                    <a:lnT>
+                      <a:noFill/>
+                    </a:lnT>
+                    <a:lnB>
+                      <a:noFill/>
+                    </a:lnB>
+                  </a:tcPr>
+                </a:tc>
+                <a:tc>
+                  <a:txBody>
+                    <a:bodyPr/>
+                    <a:lstStyle/>
+                    <a:p>
+                      <a:pPr algn="l" fontAlgn="b"/>
+                      <a:r>
+                        <a:rPr lang="en-US" sz="1200" b="0" i="0" u="none" strike="noStrike">
+                          <a:solidFill>
+                            <a:srgbClr val="000000"/>
+                          </a:solidFill>
+                          <a:effectLst/>
+                          <a:latin typeface="Calibri" panose="020F0502020204030204" pitchFamily="34" charset="0"/>
+                        </a:rPr>
+                        <a:t>Tx. Juros - Cash Loans = 22%</a:t>
+                      </a:r>
+                    </a:p>
+                  </a:txBody>
+                  <a:tcPr marL="7620" marR="7620" marT="7620" marB="0" anchor="b">
+                    <a:lnL>
+                      <a:noFill/>
+                    </a:lnL>
+                    <a:lnR>
+                      <a:noFill/>
+                    </a:lnR>
+                    <a:lnT>
+                      <a:noFill/>
+                    </a:lnT>
+                    <a:lnB>
+                      <a:noFill/>
+                    </a:lnB>
+                  </a:tcPr>
+                </a:tc>
+                <a:extLst>
+                  <a:ext uri="{0D108BD9-81ED-4DB2-BD59-A6C34878D82A}">
+                    <a16:rowId xmlns:a16="http://schemas.microsoft.com/office/drawing/2014/main" val="2591128312"/>
+                  </a:ext>
+                </a:extLst>
+              </a:tr>
+              <a:tr h="182880">
+                <a:tc>
+                  <a:txBody>
+                    <a:bodyPr/>
+                    <a:lstStyle/>
+                    <a:p>
+                      <a:pPr algn="l" fontAlgn="b"/>
+                      <a:r>
+                        <a:rPr lang="pt-BR" sz="1200" b="0" i="0" u="none" strike="noStrike">
+                          <a:solidFill>
+                            <a:srgbClr val="000000"/>
+                          </a:solidFill>
+                          <a:effectLst/>
+                          <a:latin typeface="Calibri" panose="020F0502020204030204" pitchFamily="34" charset="0"/>
+                        </a:rPr>
+                        <a:t>Clientes Revolving Loans = 9%</a:t>
+                      </a:r>
+                    </a:p>
+                  </a:txBody>
+                  <a:tcPr marL="7620" marR="7620" marT="7620" marB="0" anchor="b">
+                    <a:lnL>
+                      <a:noFill/>
+                    </a:lnL>
+                    <a:lnR>
+                      <a:noFill/>
+                    </a:lnR>
+                    <a:lnT>
+                      <a:noFill/>
+                    </a:lnT>
+                    <a:lnB>
+                      <a:noFill/>
+                    </a:lnB>
+                  </a:tcPr>
+                </a:tc>
+                <a:tc>
+                  <a:txBody>
+                    <a:bodyPr/>
+                    <a:lstStyle/>
+                    <a:p>
+                      <a:pPr algn="l" fontAlgn="b"/>
+                      <a:r>
+                        <a:rPr lang="pt-BR" sz="1200" b="0" i="0" u="none" strike="noStrike">
+                          <a:solidFill>
+                            <a:srgbClr val="000000"/>
+                          </a:solidFill>
+                          <a:effectLst/>
+                          <a:latin typeface="Calibri" panose="020F0502020204030204" pitchFamily="34" charset="0"/>
+                        </a:rPr>
+                        <a:t>Qtde Empréstimo = 43.052</a:t>
+                      </a:r>
+                    </a:p>
+                  </a:txBody>
+                  <a:tcPr marL="7620" marR="7620" marT="7620" marB="0" anchor="b">
+                    <a:lnL>
+                      <a:noFill/>
+                    </a:lnL>
+                    <a:lnR>
+                      <a:noFill/>
+                    </a:lnR>
+                    <a:lnT>
+                      <a:noFill/>
+                    </a:lnT>
+                    <a:lnB>
+                      <a:noFill/>
+                    </a:lnB>
+                  </a:tcPr>
+                </a:tc>
+                <a:tc>
+                  <a:txBody>
+                    <a:bodyPr/>
+                    <a:lstStyle/>
+                    <a:p>
+                      <a:pPr algn="l" fontAlgn="b"/>
+                      <a:r>
+                        <a:rPr lang="en-US" sz="1200" b="0" i="0" u="none" strike="noStrike" dirty="0">
+                          <a:solidFill>
+                            <a:srgbClr val="000000"/>
+                          </a:solidFill>
+                          <a:effectLst/>
+                          <a:latin typeface="Calibri" panose="020F0502020204030204" pitchFamily="34" charset="0"/>
+                        </a:rPr>
+                        <a:t>Tx. </a:t>
+                      </a:r>
+                      <a:r>
+                        <a:rPr lang="en-US" sz="1200" b="0" i="0" u="none" strike="noStrike" dirty="0" err="1">
+                          <a:solidFill>
+                            <a:srgbClr val="000000"/>
+                          </a:solidFill>
+                          <a:effectLst/>
+                          <a:latin typeface="Calibri" panose="020F0502020204030204" pitchFamily="34" charset="0"/>
+                        </a:rPr>
+                        <a:t>Juros</a:t>
+                      </a:r>
+                      <a:r>
+                        <a:rPr lang="en-US" sz="1200" b="0" i="0" u="none" strike="noStrike" dirty="0">
+                          <a:solidFill>
+                            <a:srgbClr val="000000"/>
+                          </a:solidFill>
+                          <a:effectLst/>
+                          <a:latin typeface="Calibri" panose="020F0502020204030204" pitchFamily="34" charset="0"/>
+                        </a:rPr>
+                        <a:t> - Revolving Loans = 49%</a:t>
+                      </a:r>
+                    </a:p>
+                  </a:txBody>
+                  <a:tcPr marL="7620" marR="7620" marT="7620" marB="0" anchor="b">
+                    <a:lnL>
+                      <a:noFill/>
+                    </a:lnL>
+                    <a:lnR>
+                      <a:noFill/>
+                    </a:lnR>
+                    <a:lnT>
+                      <a:noFill/>
+                    </a:lnT>
+                    <a:lnB>
+                      <a:noFill/>
+                    </a:lnB>
+                  </a:tcPr>
+                </a:tc>
+                <a:extLst>
+                  <a:ext uri="{0D108BD9-81ED-4DB2-BD59-A6C34878D82A}">
+                    <a16:rowId xmlns:a16="http://schemas.microsoft.com/office/drawing/2014/main" val="4162872213"/>
+                  </a:ext>
+                </a:extLst>
+              </a:tr>
+            </a:tbl>
+          </a:graphicData>
+        </a:graphic>
+      </p:graphicFrame>
     </p:spTree>
     <p:extLst>
       <p:ext uri="{BB962C8B-B14F-4D97-AF65-F5344CB8AC3E}">

--- a/Projeto_Reducao_Inadimplencia_Pod_Bank.pptx
+++ b/Projeto_Reducao_Inadimplencia_Pod_Bank.pptx
@@ -294,7 +294,7 @@
           <c:order val="0"/>
           <c:tx>
             <c:strRef>
-              <c:f>Planilha3!$F$7</c:f>
+              <c:f>Metricas!$F$7</c:f>
               <c:strCache>
                 <c:ptCount val="1"/>
                 <c:pt idx="0">
@@ -324,9 +324,7 @@
               <a:effectLst/>
             </c:spPr>
             <c:txPr>
-              <a:bodyPr rot="0" spcFirstLastPara="1" vertOverflow="ellipsis" vert="horz" wrap="square" lIns="38100" tIns="19050" rIns="38100" bIns="19050" anchor="ctr" anchorCtr="1">
-                <a:spAutoFit/>
-              </a:bodyPr>
+              <a:bodyPr rot="0" spcFirstLastPara="1" vertOverflow="ellipsis" vert="horz" wrap="square" anchor="ctr" anchorCtr="1"/>
               <a:lstStyle/>
               <a:p>
                 <a:pPr>
@@ -371,7 +369,7 @@
           </c:dLbls>
           <c:cat>
             <c:strRef>
-              <c:f>Planilha3!$E$8:$E$10</c:f>
+              <c:f>Metricas!$E$8:$E$10</c:f>
               <c:strCache>
                 <c:ptCount val="3"/>
                 <c:pt idx="0">
@@ -388,25 +386,25 @@
           </c:cat>
           <c:val>
             <c:numRef>
-              <c:f>Planilha3!$F$8:$F$10</c:f>
+              <c:f>Metricas!$F$8:$F$10</c:f>
               <c:numCache>
                 <c:formatCode>0.00%</c:formatCode>
                 <c:ptCount val="3"/>
                 <c:pt idx="0">
-                  <c:v>0.73722600000000005</c:v>
+                  <c:v>0.74048899999999995</c:v>
                 </c:pt>
                 <c:pt idx="1">
-                  <c:v>0.47445300000000001</c:v>
+                  <c:v>0.48097800000000002</c:v>
                 </c:pt>
                 <c:pt idx="2">
-                  <c:v>0.35178500000000001</c:v>
+                  <c:v>0.36107400000000001</c:v>
                 </c:pt>
               </c:numCache>
             </c:numRef>
           </c:val>
           <c:extLst>
             <c:ext xmlns:c16="http://schemas.microsoft.com/office/drawing/2014/chart" uri="{C3380CC4-5D6E-409C-BE32-E72D297353CC}">
-              <c16:uniqueId val="{00000000-28A0-46B0-8502-02290E4CB8C8}"/>
+              <c16:uniqueId val="{00000000-6D9C-43B7-A65B-8162B2A58CCA}"/>
             </c:ext>
           </c:extLst>
         </c:ser>
@@ -415,7 +413,7 @@
           <c:order val="1"/>
           <c:tx>
             <c:strRef>
-              <c:f>Planilha3!$G$7</c:f>
+              <c:f>Metricas!$G$7</c:f>
               <c:strCache>
                 <c:ptCount val="1"/>
                 <c:pt idx="0">
@@ -445,9 +443,7 @@
               <a:effectLst/>
             </c:spPr>
             <c:txPr>
-              <a:bodyPr rot="0" spcFirstLastPara="1" vertOverflow="ellipsis" vert="horz" wrap="square" lIns="38100" tIns="19050" rIns="38100" bIns="19050" anchor="ctr" anchorCtr="1">
-                <a:spAutoFit/>
-              </a:bodyPr>
+              <a:bodyPr rot="0" spcFirstLastPara="1" vertOverflow="ellipsis" vert="horz" wrap="square" anchor="ctr" anchorCtr="1"/>
               <a:lstStyle/>
               <a:p>
                 <a:pPr>
@@ -492,7 +488,7 @@
           </c:dLbls>
           <c:cat>
             <c:strRef>
-              <c:f>Planilha3!$E$8:$E$10</c:f>
+              <c:f>Metricas!$E$8:$E$10</c:f>
               <c:strCache>
                 <c:ptCount val="3"/>
                 <c:pt idx="0">
@@ -509,25 +505,25 @@
           </c:cat>
           <c:val>
             <c:numRef>
-              <c:f>Planilha3!$G$8:$G$10</c:f>
+              <c:f>Metricas!$G$8:$G$10</c:f>
               <c:numCache>
                 <c:formatCode>0.00%</c:formatCode>
                 <c:ptCount val="3"/>
                 <c:pt idx="0">
-                  <c:v>0.73009400000000002</c:v>
+                  <c:v>0.73572700000000002</c:v>
                 </c:pt>
                 <c:pt idx="1">
-                  <c:v>0.46018799999999999</c:v>
+                  <c:v>0.47145399999999998</c:v>
                 </c:pt>
                 <c:pt idx="2">
-                  <c:v>0.33865400000000001</c:v>
+                  <c:v>0.34753499999999998</c:v>
                 </c:pt>
               </c:numCache>
             </c:numRef>
           </c:val>
           <c:extLst>
             <c:ext xmlns:c16="http://schemas.microsoft.com/office/drawing/2014/chart" uri="{C3380CC4-5D6E-409C-BE32-E72D297353CC}">
-              <c16:uniqueId val="{00000001-28A0-46B0-8502-02290E4CB8C8}"/>
+              <c16:uniqueId val="{00000001-6D9C-43B7-A65B-8162B2A58CCA}"/>
             </c:ext>
           </c:extLst>
         </c:ser>
@@ -603,7 +599,10 @@
           <c:spPr>
             <a:ln w="9525" cap="flat" cmpd="sng" algn="ctr">
               <a:solidFill>
-                <a:srgbClr val="E5E5E5"/>
+                <a:schemeClr val="tx1">
+                  <a:lumMod val="15000"/>
+                  <a:lumOff val="85000"/>
+                </a:schemeClr>
               </a:solidFill>
               <a:round/>
             </a:ln>
@@ -718,7 +717,7 @@
           <c:order val="0"/>
           <c:tx>
             <c:strRef>
-              <c:f>Planilha1!$H$3</c:f>
+              <c:f>'DECIL 10'!$H$3</c:f>
               <c:strCache>
                 <c:ptCount val="1"/>
                 <c:pt idx="0">
@@ -740,21 +739,6 @@
           </c:spPr>
           <c:invertIfNegative val="0"/>
           <c:dLbls>
-            <c:dLbl>
-              <c:idx val="0"/>
-              <c:showLegendKey val="0"/>
-              <c:showVal val="1"/>
-              <c:showCatName val="0"/>
-              <c:showSerName val="0"/>
-              <c:showPercent val="0"/>
-              <c:showBubbleSize val="0"/>
-              <c:extLst>
-                <c:ext xmlns:c15="http://schemas.microsoft.com/office/drawing/2012/chart" uri="{CE6537A1-D6FC-4f65-9D91-7224C49458BB}"/>
-                <c:ext xmlns:c16="http://schemas.microsoft.com/office/drawing/2014/chart" uri="{C3380CC4-5D6E-409C-BE32-E72D297353CC}">
-                  <c16:uniqueId val="{00000004-CB9A-446B-A995-63FD3D2F80BD}"/>
-                </c:ext>
-              </c:extLst>
-            </c:dLbl>
             <c:spPr>
               <a:noFill/>
               <a:ln>
@@ -782,11 +766,12 @@
               </a:p>
             </c:txPr>
             <c:showLegendKey val="0"/>
-            <c:showVal val="0"/>
+            <c:showVal val="1"/>
             <c:showCatName val="0"/>
             <c:showSerName val="0"/>
             <c:showPercent val="0"/>
             <c:showBubbleSize val="0"/>
+            <c:showLeaderLines val="0"/>
             <c:extLst>
               <c:ext xmlns:c15="http://schemas.microsoft.com/office/drawing/2012/chart" uri="{CE6537A1-D6FC-4f65-9D91-7224C49458BB}">
                 <c15:showLeaderLines val="1"/>
@@ -809,64 +794,46 @@
           </c:dLbls>
           <c:val>
             <c:numRef>
-              <c:f>Planilha1!$H$4:$H$19</c:f>
+              <c:f>'DECIL 10'!$H$4:$H$13</c:f>
               <c:numCache>
                 <c:formatCode>0%</c:formatCode>
-                <c:ptCount val="16"/>
+                <c:ptCount val="10"/>
                 <c:pt idx="0">
-                  <c:v>0.27718300000000001</c:v>
+                  <c:v>0.25021599999999999</c:v>
                 </c:pt>
                 <c:pt idx="1">
-                  <c:v>0.18320900000000001</c:v>
+                  <c:v>0.14810599999999999</c:v>
                 </c:pt>
                 <c:pt idx="2">
-                  <c:v>0.147588</c:v>
+                  <c:v>0.105883</c:v>
                 </c:pt>
                 <c:pt idx="3">
-                  <c:v>0.116381</c:v>
+                  <c:v>8.2352999999999996E-2</c:v>
                 </c:pt>
                 <c:pt idx="4">
-                  <c:v>9.6002000000000004E-2</c:v>
+                  <c:v>6.3930000000000001E-2</c:v>
                 </c:pt>
                 <c:pt idx="5">
-                  <c:v>8.1063999999999997E-2</c:v>
+                  <c:v>5.0358E-2</c:v>
                 </c:pt>
                 <c:pt idx="6">
-                  <c:v>7.4172000000000002E-2</c:v>
+                  <c:v>3.8871999999999997E-2</c:v>
                 </c:pt>
                 <c:pt idx="7">
-                  <c:v>5.8811000000000002E-2</c:v>
+                  <c:v>3.2086999999999997E-2</c:v>
                 </c:pt>
                 <c:pt idx="8">
-                  <c:v>5.6093999999999998E-2</c:v>
+                  <c:v>2.1038999999999999E-2</c:v>
                 </c:pt>
                 <c:pt idx="9">
-                  <c:v>4.5458999999999999E-2</c:v>
-                </c:pt>
-                <c:pt idx="10">
-                  <c:v>3.7468000000000001E-2</c:v>
-                </c:pt>
-                <c:pt idx="11">
-                  <c:v>3.1747999999999998E-2</c:v>
-                </c:pt>
-                <c:pt idx="12">
-                  <c:v>3.0806E-2</c:v>
-                </c:pt>
-                <c:pt idx="13">
-                  <c:v>2.5090999999999999E-2</c:v>
-                </c:pt>
-                <c:pt idx="14">
-                  <c:v>1.7765E-2</c:v>
-                </c:pt>
-                <c:pt idx="15">
-                  <c:v>1.4695E-2</c:v>
+                  <c:v>1.567E-2</c:v>
                 </c:pt>
               </c:numCache>
             </c:numRef>
           </c:val>
           <c:extLst>
             <c:ext xmlns:c16="http://schemas.microsoft.com/office/drawing/2014/chart" uri="{C3380CC4-5D6E-409C-BE32-E72D297353CC}">
-              <c16:uniqueId val="{00000000-CB9A-446B-A995-63FD3D2F80BD}"/>
+              <c16:uniqueId val="{00000000-1202-4FB8-95F8-B5E9013D661E}"/>
             </c:ext>
           </c:extLst>
         </c:ser>
@@ -875,7 +842,7 @@
           <c:order val="1"/>
           <c:tx>
             <c:strRef>
-              <c:f>Planilha1!$I$3</c:f>
+              <c:f>'DECIL 10'!$I$3</c:f>
               <c:strCache>
                 <c:ptCount val="1"/>
                 <c:pt idx="0">
@@ -897,27 +864,6 @@
           </c:spPr>
           <c:invertIfNegative val="0"/>
           <c:dLbls>
-            <c:dLbl>
-              <c:idx val="0"/>
-              <c:layout>
-                <c:manualLayout>
-                  <c:x val="1.3753663131144969E-2"/>
-                  <c:y val="-2.637581188449468E-19"/>
-                </c:manualLayout>
-              </c:layout>
-              <c:showLegendKey val="0"/>
-              <c:showVal val="1"/>
-              <c:showCatName val="0"/>
-              <c:showSerName val="0"/>
-              <c:showPercent val="0"/>
-              <c:showBubbleSize val="0"/>
-              <c:extLst>
-                <c:ext xmlns:c15="http://schemas.microsoft.com/office/drawing/2012/chart" uri="{CE6537A1-D6FC-4f65-9D91-7224C49458BB}"/>
-                <c:ext xmlns:c16="http://schemas.microsoft.com/office/drawing/2014/chart" uri="{C3380CC4-5D6E-409C-BE32-E72D297353CC}">
-                  <c16:uniqueId val="{00000003-CB9A-446B-A995-63FD3D2F80BD}"/>
-                </c:ext>
-              </c:extLst>
-            </c:dLbl>
             <c:spPr>
               <a:noFill/>
               <a:ln>
@@ -945,11 +891,12 @@
               </a:p>
             </c:txPr>
             <c:showLegendKey val="0"/>
-            <c:showVal val="0"/>
+            <c:showVal val="1"/>
             <c:showCatName val="0"/>
             <c:showSerName val="0"/>
             <c:showPercent val="0"/>
             <c:showBubbleSize val="0"/>
+            <c:showLeaderLines val="0"/>
             <c:extLst>
               <c:ext xmlns:c15="http://schemas.microsoft.com/office/drawing/2012/chart" uri="{CE6537A1-D6FC-4f65-9D91-7224C49458BB}">
                 <c15:showLeaderLines val="1"/>
@@ -972,64 +919,46 @@
           </c:dLbls>
           <c:val>
             <c:numRef>
-              <c:f>Planilha1!$I$4:$I$19</c:f>
+              <c:f>'DECIL 10'!$I$4:$I$13</c:f>
               <c:numCache>
                 <c:formatCode>0%</c:formatCode>
-                <c:ptCount val="16"/>
+                <c:ptCount val="10"/>
                 <c:pt idx="0">
-                  <c:v>0.268202</c:v>
+                  <c:v>0.24702099999999999</c:v>
                 </c:pt>
                 <c:pt idx="1">
-                  <c:v>0.18253800000000001</c:v>
+                  <c:v>0.14382900000000001</c:v>
                 </c:pt>
                 <c:pt idx="2">
-                  <c:v>0.143459</c:v>
+                  <c:v>0.106617</c:v>
                 </c:pt>
                 <c:pt idx="3">
-                  <c:v>0.109456</c:v>
+                  <c:v>8.2109000000000001E-2</c:v>
                 </c:pt>
                 <c:pt idx="4">
-                  <c:v>9.7363000000000005E-2</c:v>
+                  <c:v>6.336E-2</c:v>
                 </c:pt>
                 <c:pt idx="5">
-                  <c:v>8.3085999999999993E-2</c:v>
+                  <c:v>5.3039999999999997E-2</c:v>
                 </c:pt>
                 <c:pt idx="6">
-                  <c:v>7.7227000000000004E-2</c:v>
+                  <c:v>4.0974999999999998E-2</c:v>
                 </c:pt>
                 <c:pt idx="7">
-                  <c:v>6.4370999999999998E-2</c:v>
+                  <c:v>3.2759000000000003E-2</c:v>
                 </c:pt>
                 <c:pt idx="8">
-                  <c:v>5.8722000000000003E-2</c:v>
+                  <c:v>2.1375000000000002E-2</c:v>
                 </c:pt>
                 <c:pt idx="9">
-                  <c:v>4.6940999999999997E-2</c:v>
-                </c:pt>
-                <c:pt idx="10">
-                  <c:v>3.7128000000000001E-2</c:v>
-                </c:pt>
-                <c:pt idx="11">
-                  <c:v>3.3576000000000002E-2</c:v>
-                </c:pt>
-                <c:pt idx="12">
-                  <c:v>2.8528999999999999E-2</c:v>
-                </c:pt>
-                <c:pt idx="13">
-                  <c:v>2.5812999999999999E-2</c:v>
-                </c:pt>
-                <c:pt idx="14">
-                  <c:v>2.0797E-2</c:v>
-                </c:pt>
-                <c:pt idx="15">
-                  <c:v>1.5526999999999999E-2</c:v>
+                  <c:v>1.7002E-2</c:v>
                 </c:pt>
               </c:numCache>
             </c:numRef>
           </c:val>
           <c:extLst>
             <c:ext xmlns:c16="http://schemas.microsoft.com/office/drawing/2014/chart" uri="{C3380CC4-5D6E-409C-BE32-E72D297353CC}">
-              <c16:uniqueId val="{00000001-CB9A-446B-A995-63FD3D2F80BD}"/>
+              <c16:uniqueId val="{00000001-1202-4FB8-95F8-B5E9013D661E}"/>
             </c:ext>
           </c:extLst>
         </c:ser>
@@ -1043,11 +972,11 @@
         </c:dLbls>
         <c:gapWidth val="219"/>
         <c:overlap val="-27"/>
-        <c:axId val="658417024"/>
-        <c:axId val="658419648"/>
+        <c:axId val="611054776"/>
+        <c:axId val="611050184"/>
       </c:barChart>
       <c:catAx>
-        <c:axId val="658417024"/>
+        <c:axId val="611054776"/>
         <c:scaling>
           <c:orientation val="minMax"/>
         </c:scaling>
@@ -1086,7 +1015,7 @@
             <a:endParaRPr lang="pt-BR"/>
           </a:p>
         </c:txPr>
-        <c:crossAx val="658419648"/>
+        <c:crossAx val="611050184"/>
         <c:crosses val="autoZero"/>
         <c:auto val="1"/>
         <c:lblAlgn val="ctr"/>
@@ -1094,7 +1023,7 @@
         <c:noMultiLvlLbl val="0"/>
       </c:catAx>
       <c:valAx>
-        <c:axId val="658419648"/>
+        <c:axId val="611050184"/>
         <c:scaling>
           <c:orientation val="minMax"/>
         </c:scaling>
@@ -1115,10 +1044,10 @@
           </c:spPr>
         </c:majorGridlines>
         <c:numFmt formatCode="0%" sourceLinked="1"/>
-        <c:majorTickMark val="out"/>
+        <c:majorTickMark val="none"/>
         <c:minorTickMark val="none"/>
         <c:tickLblPos val="nextTo"/>
-        <c:crossAx val="658417024"/>
+        <c:crossAx val="611054776"/>
         <c:crosses val="autoZero"/>
         <c:crossBetween val="between"/>
       </c:valAx>
@@ -1222,7 +1151,7 @@
           <c:order val="0"/>
           <c:tx>
             <c:strRef>
-              <c:f>Planilha3!$O$7</c:f>
+              <c:f>Metricas!$O$7</c:f>
               <c:strCache>
                 <c:ptCount val="1"/>
                 <c:pt idx="0">
@@ -1299,7 +1228,7 @@
           </c:dLbls>
           <c:cat>
             <c:strRef>
-              <c:f>Planilha3!$E$8:$E$10</c:f>
+              <c:f>Metricas!$E$8:$E$10</c:f>
               <c:strCache>
                 <c:ptCount val="3"/>
                 <c:pt idx="0">
@@ -1316,25 +1245,25 @@
           </c:cat>
           <c:val>
             <c:numRef>
-              <c:f>Planilha3!$O$8:$O$10</c:f>
+              <c:f>Metricas!$O$8:$O$10</c:f>
               <c:numCache>
                 <c:formatCode>0.00%</c:formatCode>
                 <c:ptCount val="3"/>
                 <c:pt idx="0">
-                  <c:v>0.77051999999999998</c:v>
+                  <c:v>0.75330900000000001</c:v>
                 </c:pt>
                 <c:pt idx="1">
-                  <c:v>0.54103999999999997</c:v>
+                  <c:v>0.50661800000000001</c:v>
                 </c:pt>
                 <c:pt idx="2">
-                  <c:v>0.402532</c:v>
+                  <c:v>0.37703300000000001</c:v>
                 </c:pt>
               </c:numCache>
             </c:numRef>
           </c:val>
           <c:extLst>
             <c:ext xmlns:c16="http://schemas.microsoft.com/office/drawing/2014/chart" uri="{C3380CC4-5D6E-409C-BE32-E72D297353CC}">
-              <c16:uniqueId val="{00000000-F466-49E1-8163-F8383E865A4A}"/>
+              <c16:uniqueId val="{00000000-65D3-443A-A106-6A8684808B21}"/>
             </c:ext>
           </c:extLst>
         </c:ser>
@@ -1343,7 +1272,7 @@
           <c:order val="1"/>
           <c:tx>
             <c:strRef>
-              <c:f>Planilha3!$P$7</c:f>
+              <c:f>Metricas!$P$7</c:f>
               <c:strCache>
                 <c:ptCount val="1"/>
                 <c:pt idx="0">
@@ -1420,7 +1349,7 @@
           </c:dLbls>
           <c:cat>
             <c:strRef>
-              <c:f>Planilha3!$E$8:$E$10</c:f>
+              <c:f>Metricas!$E$8:$E$10</c:f>
               <c:strCache>
                 <c:ptCount val="3"/>
                 <c:pt idx="0">
@@ -1437,25 +1366,25 @@
           </c:cat>
           <c:val>
             <c:numRef>
-              <c:f>Planilha3!$P$8:$P$10</c:f>
+              <c:f>Metricas!$P$8:$P$10</c:f>
               <c:numCache>
                 <c:formatCode>0.00%</c:formatCode>
                 <c:ptCount val="3"/>
                 <c:pt idx="0">
-                  <c:v>0.74233700000000002</c:v>
+                  <c:v>0.74231899999999995</c:v>
                 </c:pt>
                 <c:pt idx="1">
-                  <c:v>0.48467399999999999</c:v>
+                  <c:v>0.48463899999999999</c:v>
                 </c:pt>
                 <c:pt idx="2">
-                  <c:v>0.36078199999999999</c:v>
+                  <c:v>0.36247200000000002</c:v>
                 </c:pt>
               </c:numCache>
             </c:numRef>
           </c:val>
           <c:extLst>
             <c:ext xmlns:c16="http://schemas.microsoft.com/office/drawing/2014/chart" uri="{C3380CC4-5D6E-409C-BE32-E72D297353CC}">
-              <c16:uniqueId val="{00000001-F466-49E1-8163-F8383E865A4A}"/>
+              <c16:uniqueId val="{00000001-65D3-443A-A106-6A8684808B21}"/>
             </c:ext>
           </c:extLst>
         </c:ser>
@@ -1639,7 +1568,17 @@
   <c:chart>
     <c:autoTitleDeleted val="1"/>
     <c:plotArea>
-      <c:layout/>
+      <c:layout>
+        <c:manualLayout>
+          <c:layoutTarget val="inner"/>
+          <c:xMode val="edge"/>
+          <c:yMode val="edge"/>
+          <c:x val="1.3815012141783756E-2"/>
+          <c:y val="3.9401647761678982E-2"/>
+          <c:w val="0.97236997571643247"/>
+          <c:h val="0.64974614564733069"/>
+        </c:manualLayout>
+      </c:layout>
       <c:barChart>
         <c:barDir val="col"/>
         <c:grouping val="clustered"/>
@@ -1649,7 +1588,7 @@
           <c:order val="0"/>
           <c:tx>
             <c:strRef>
-              <c:f>Planilha1!$S$3</c:f>
+              <c:f>'DECIL 10'!$S$3</c:f>
               <c:strCache>
                 <c:ptCount val="1"/>
                 <c:pt idx="0">
@@ -1671,21 +1610,6 @@
           </c:spPr>
           <c:invertIfNegative val="0"/>
           <c:dLbls>
-            <c:dLbl>
-              <c:idx val="0"/>
-              <c:showLegendKey val="0"/>
-              <c:showVal val="1"/>
-              <c:showCatName val="0"/>
-              <c:showSerName val="0"/>
-              <c:showPercent val="0"/>
-              <c:showBubbleSize val="0"/>
-              <c:extLst>
-                <c:ext xmlns:c15="http://schemas.microsoft.com/office/drawing/2012/chart" uri="{CE6537A1-D6FC-4f65-9D91-7224C49458BB}"/>
-                <c:ext xmlns:c16="http://schemas.microsoft.com/office/drawing/2014/chart" uri="{C3380CC4-5D6E-409C-BE32-E72D297353CC}">
-                  <c16:uniqueId val="{00000004-893C-441A-B57A-BA969DFA8036}"/>
-                </c:ext>
-              </c:extLst>
-            </c:dLbl>
             <c:spPr>
               <a:noFill/>
               <a:ln>
@@ -1698,7 +1622,7 @@
               <a:lstStyle/>
               <a:p>
                 <a:pPr>
-                  <a:defRPr sz="2000" b="0" i="0" u="none" strike="noStrike" kern="1200" baseline="0">
+                  <a:defRPr sz="1500" b="0" i="0" u="none" strike="noStrike" kern="1200" baseline="0">
                     <a:solidFill>
                       <a:schemeClr val="tx1"/>
                     </a:solidFill>
@@ -1711,11 +1635,12 @@
               </a:p>
             </c:txPr>
             <c:showLegendKey val="0"/>
-            <c:showVal val="0"/>
+            <c:showVal val="1"/>
             <c:showCatName val="0"/>
             <c:showSerName val="0"/>
             <c:showPercent val="0"/>
             <c:showBubbleSize val="0"/>
+            <c:showLeaderLines val="0"/>
             <c:extLst>
               <c:ext xmlns:c15="http://schemas.microsoft.com/office/drawing/2012/chart" uri="{CE6537A1-D6FC-4f65-9D91-7224C49458BB}">
                 <c15:showLeaderLines val="1"/>
@@ -1738,64 +1663,46 @@
           </c:dLbls>
           <c:val>
             <c:numRef>
-              <c:f>Planilha1!$S$4:$S$19</c:f>
+              <c:f>'DECIL 10'!$S$4:$S$13</c:f>
               <c:numCache>
                 <c:formatCode>0%</c:formatCode>
-                <c:ptCount val="16"/>
+                <c:ptCount val="10"/>
                 <c:pt idx="0">
-                  <c:v>0.31599100000000002</c:v>
+                  <c:v>0.261017</c:v>
                 </c:pt>
                 <c:pt idx="1">
-                  <c:v>0.19539100000000001</c:v>
+                  <c:v>0.15124799999999999</c:v>
                 </c:pt>
                 <c:pt idx="2">
-                  <c:v>0.1512</c:v>
+                  <c:v>0.106318</c:v>
                 </c:pt>
                 <c:pt idx="3">
-                  <c:v>0.117978</c:v>
+                  <c:v>8.0296999999999993E-2</c:v>
                 </c:pt>
                 <c:pt idx="4">
-                  <c:v>9.9819000000000005E-2</c:v>
+                  <c:v>6.3915E-2</c:v>
                 </c:pt>
                 <c:pt idx="5">
-                  <c:v>8.2289000000000001E-2</c:v>
+                  <c:v>4.9180000000000001E-2</c:v>
                 </c:pt>
                 <c:pt idx="6">
-                  <c:v>6.4989000000000005E-2</c:v>
+                  <c:v>3.6435000000000002E-2</c:v>
                 </c:pt>
                 <c:pt idx="7">
-                  <c:v>5.8611000000000003E-2</c:v>
+                  <c:v>3.0395999999999999E-2</c:v>
                 </c:pt>
                 <c:pt idx="8">
-                  <c:v>4.8634999999999998E-2</c:v>
+                  <c:v>1.772E-2</c:v>
                 </c:pt>
                 <c:pt idx="9">
-                  <c:v>4.0140000000000002E-2</c:v>
-                </c:pt>
-                <c:pt idx="10">
-                  <c:v>3.7693999999999998E-2</c:v>
-                </c:pt>
-                <c:pt idx="11">
-                  <c:v>2.5911E-2</c:v>
-                </c:pt>
-                <c:pt idx="12">
-                  <c:v>2.1132000000000001E-2</c:v>
-                </c:pt>
-                <c:pt idx="13">
-                  <c:v>1.6032999999999999E-2</c:v>
-                </c:pt>
-                <c:pt idx="14">
-                  <c:v>1.2531E-2</c:v>
-                </c:pt>
-                <c:pt idx="15">
-                  <c:v>5.7340000000000004E-3</c:v>
+                  <c:v>1.2278000000000001E-2</c:v>
                 </c:pt>
               </c:numCache>
             </c:numRef>
           </c:val>
           <c:extLst>
             <c:ext xmlns:c16="http://schemas.microsoft.com/office/drawing/2014/chart" uri="{C3380CC4-5D6E-409C-BE32-E72D297353CC}">
-              <c16:uniqueId val="{00000000-893C-441A-B57A-BA969DFA8036}"/>
+              <c16:uniqueId val="{00000000-BE96-4915-BDDA-F7C9A73F4F6F}"/>
             </c:ext>
           </c:extLst>
         </c:ser>
@@ -1804,7 +1711,7 @@
           <c:order val="1"/>
           <c:tx>
             <c:strRef>
-              <c:f>Planilha1!$T$3</c:f>
+              <c:f>'DECIL 10'!$T$3</c:f>
               <c:strCache>
                 <c:ptCount val="1"/>
                 <c:pt idx="0">
@@ -1826,27 +1733,6 @@
           </c:spPr>
           <c:invertIfNegative val="0"/>
           <c:dLbls>
-            <c:dLbl>
-              <c:idx val="0"/>
-              <c:layout>
-                <c:manualLayout>
-                  <c:x val="2.4118876374216204E-2"/>
-                  <c:y val="-3.5196688518175151E-3"/>
-                </c:manualLayout>
-              </c:layout>
-              <c:showLegendKey val="0"/>
-              <c:showVal val="1"/>
-              <c:showCatName val="0"/>
-              <c:showSerName val="0"/>
-              <c:showPercent val="0"/>
-              <c:showBubbleSize val="0"/>
-              <c:extLst>
-                <c:ext xmlns:c15="http://schemas.microsoft.com/office/drawing/2012/chart" uri="{CE6537A1-D6FC-4f65-9D91-7224C49458BB}"/>
-                <c:ext xmlns:c16="http://schemas.microsoft.com/office/drawing/2014/chart" uri="{C3380CC4-5D6E-409C-BE32-E72D297353CC}">
-                  <c16:uniqueId val="{00000003-893C-441A-B57A-BA969DFA8036}"/>
-                </c:ext>
-              </c:extLst>
-            </c:dLbl>
             <c:spPr>
               <a:noFill/>
               <a:ln>
@@ -1859,7 +1745,7 @@
               <a:lstStyle/>
               <a:p>
                 <a:pPr>
-                  <a:defRPr sz="2000" b="0" i="0" u="none" strike="noStrike" kern="1200" baseline="0">
+                  <a:defRPr sz="1500" b="0" i="0" u="none" strike="noStrike" kern="1200" baseline="0">
                     <a:solidFill>
                       <a:schemeClr val="tx1"/>
                     </a:solidFill>
@@ -1872,11 +1758,12 @@
               </a:p>
             </c:txPr>
             <c:showLegendKey val="0"/>
-            <c:showVal val="0"/>
+            <c:showVal val="1"/>
             <c:showCatName val="0"/>
             <c:showSerName val="0"/>
             <c:showPercent val="0"/>
             <c:showBubbleSize val="0"/>
+            <c:showLeaderLines val="0"/>
             <c:extLst>
               <c:ext xmlns:c15="http://schemas.microsoft.com/office/drawing/2012/chart" uri="{CE6537A1-D6FC-4f65-9D91-7224C49458BB}">
                 <c15:showLeaderLines val="1"/>
@@ -1899,64 +1786,46 @@
           </c:dLbls>
           <c:val>
             <c:numRef>
-              <c:f>Planilha1!$T$4:$T$19</c:f>
+              <c:f>'DECIL 10'!$T$4:$T$13</c:f>
               <c:numCache>
                 <c:formatCode>0%</c:formatCode>
-                <c:ptCount val="16"/>
+                <c:ptCount val="10"/>
                 <c:pt idx="0">
-                  <c:v>0.29799399999999998</c:v>
+                  <c:v>0.25580700000000001</c:v>
                 </c:pt>
                 <c:pt idx="1">
-                  <c:v>0.184589</c:v>
+                  <c:v>0.14756900000000001</c:v>
                 </c:pt>
                 <c:pt idx="2">
-                  <c:v>0.14147699999999999</c:v>
+                  <c:v>0.105296</c:v>
                 </c:pt>
                 <c:pt idx="3">
-                  <c:v>0.11397400000000001</c:v>
+                  <c:v>7.8673999999999994E-2</c:v>
                 </c:pt>
                 <c:pt idx="4">
-                  <c:v>9.0188000000000004E-2</c:v>
+                  <c:v>6.4726000000000006E-2</c:v>
                 </c:pt>
                 <c:pt idx="5">
-                  <c:v>8.3499000000000004E-2</c:v>
+                  <c:v>4.8932000000000003E-2</c:v>
                 </c:pt>
                 <c:pt idx="6">
-                  <c:v>6.9623000000000004E-2</c:v>
+                  <c:v>3.8098E-2</c:v>
                 </c:pt>
                 <c:pt idx="7">
-                  <c:v>6.2190000000000002E-2</c:v>
+                  <c:v>3.0505000000000001E-2</c:v>
                 </c:pt>
                 <c:pt idx="8">
-                  <c:v>4.5589999999999999E-2</c:v>
+                  <c:v>2.2914E-2</c:v>
                 </c:pt>
                 <c:pt idx="9">
-                  <c:v>4.7323999999999998E-2</c:v>
-                </c:pt>
-                <c:pt idx="10">
-                  <c:v>3.6173999999999998E-2</c:v>
-                </c:pt>
-                <c:pt idx="11">
-                  <c:v>3.1961999999999997E-2</c:v>
-                </c:pt>
-                <c:pt idx="12">
-                  <c:v>2.998E-2</c:v>
-                </c:pt>
-                <c:pt idx="13">
-                  <c:v>2.5767999999999999E-2</c:v>
-                </c:pt>
-                <c:pt idx="14">
-                  <c:v>1.7592E-2</c:v>
-                </c:pt>
-                <c:pt idx="15">
-                  <c:v>1.6596E-2</c:v>
+                  <c:v>1.6570999999999999E-2</c:v>
                 </c:pt>
               </c:numCache>
             </c:numRef>
           </c:val>
           <c:extLst>
             <c:ext xmlns:c16="http://schemas.microsoft.com/office/drawing/2014/chart" uri="{C3380CC4-5D6E-409C-BE32-E72D297353CC}">
-              <c16:uniqueId val="{00000001-893C-441A-B57A-BA969DFA8036}"/>
+              <c16:uniqueId val="{00000001-BE96-4915-BDDA-F7C9A73F4F6F}"/>
             </c:ext>
           </c:extLst>
         </c:ser>
@@ -1970,11 +1839,11 @@
         </c:dLbls>
         <c:gapWidth val="219"/>
         <c:overlap val="-27"/>
-        <c:axId val="732287144"/>
-        <c:axId val="732289440"/>
+        <c:axId val="610955248"/>
+        <c:axId val="610955576"/>
       </c:barChart>
       <c:catAx>
-        <c:axId val="732287144"/>
+        <c:axId val="610955248"/>
         <c:scaling>
           <c:orientation val="minMax"/>
         </c:scaling>
@@ -2013,7 +1882,7 @@
             <a:endParaRPr lang="pt-BR"/>
           </a:p>
         </c:txPr>
-        <c:crossAx val="732289440"/>
+        <c:crossAx val="610955576"/>
         <c:crosses val="autoZero"/>
         <c:auto val="1"/>
         <c:lblAlgn val="ctr"/>
@@ -2021,7 +1890,7 @@
         <c:noMultiLvlLbl val="0"/>
       </c:catAx>
       <c:valAx>
-        <c:axId val="732289440"/>
+        <c:axId val="610955576"/>
         <c:scaling>
           <c:orientation val="minMax"/>
         </c:scaling>
@@ -2042,10 +1911,10 @@
           </c:spPr>
         </c:majorGridlines>
         <c:numFmt formatCode="0%" sourceLinked="1"/>
-        <c:majorTickMark val="out"/>
+        <c:majorTickMark val="none"/>
         <c:minorTickMark val="none"/>
         <c:tickLblPos val="nextTo"/>
-        <c:crossAx val="732287144"/>
+        <c:crossAx val="610955248"/>
         <c:crosses val="autoZero"/>
         <c:crossBetween val="between"/>
       </c:valAx>
@@ -2149,7 +2018,7 @@
           <c:order val="0"/>
           <c:tx>
             <c:strRef>
-              <c:f>Planilha3!$U$7</c:f>
+              <c:f>Metricas!$U$7</c:f>
               <c:strCache>
                 <c:ptCount val="1"/>
                 <c:pt idx="0">
@@ -2226,7 +2095,7 @@
           </c:dLbls>
           <c:cat>
             <c:strRef>
-              <c:f>Planilha3!$E$8:$E$10</c:f>
+              <c:f>Metricas!$E$8:$E$10</c:f>
               <c:strCache>
                 <c:ptCount val="3"/>
                 <c:pt idx="0">
@@ -2243,25 +2112,25 @@
           </c:cat>
           <c:val>
             <c:numRef>
-              <c:f>Planilha3!$U$8:$U$10</c:f>
+              <c:f>Metricas!$U$8:$U$10</c:f>
               <c:numCache>
                 <c:formatCode>0.00%</c:formatCode>
                 <c:ptCount val="3"/>
                 <c:pt idx="0">
-                  <c:v>0.73009400000000002</c:v>
+                  <c:v>0.73572700000000002</c:v>
                 </c:pt>
                 <c:pt idx="1">
-                  <c:v>0.46018799999999999</c:v>
+                  <c:v>0.47145399999999998</c:v>
                 </c:pt>
                 <c:pt idx="2">
-                  <c:v>0.33865400000000001</c:v>
+                  <c:v>0.34753499999999998</c:v>
                 </c:pt>
               </c:numCache>
             </c:numRef>
           </c:val>
           <c:extLst>
             <c:ext xmlns:c16="http://schemas.microsoft.com/office/drawing/2014/chart" uri="{C3380CC4-5D6E-409C-BE32-E72D297353CC}">
-              <c16:uniqueId val="{00000000-F730-45F0-93C7-3C9F1EB57ED8}"/>
+              <c16:uniqueId val="{00000000-60E1-44A5-8E4D-0E8FE2DF47D2}"/>
             </c:ext>
           </c:extLst>
         </c:ser>
@@ -2270,7 +2139,7 @@
           <c:order val="1"/>
           <c:tx>
             <c:strRef>
-              <c:f>Planilha3!$V$7</c:f>
+              <c:f>Metricas!$V$7</c:f>
               <c:strCache>
                 <c:ptCount val="1"/>
                 <c:pt idx="0">
@@ -2347,7 +2216,7 @@
           </c:dLbls>
           <c:cat>
             <c:strRef>
-              <c:f>Planilha3!$E$8:$E$10</c:f>
+              <c:f>Metricas!$E$8:$E$10</c:f>
               <c:strCache>
                 <c:ptCount val="3"/>
                 <c:pt idx="0">
@@ -2364,25 +2233,25 @@
           </c:cat>
           <c:val>
             <c:numRef>
-              <c:f>Planilha3!$V$8:$V$10</c:f>
+              <c:f>Metricas!$V$8:$V$10</c:f>
               <c:numCache>
                 <c:formatCode>0.00%</c:formatCode>
                 <c:ptCount val="3"/>
                 <c:pt idx="0">
-                  <c:v>0.74233700000000002</c:v>
+                  <c:v>0.74231899999999995</c:v>
                 </c:pt>
                 <c:pt idx="1">
-                  <c:v>0.48467399999999999</c:v>
+                  <c:v>0.48463899999999999</c:v>
                 </c:pt>
                 <c:pt idx="2">
-                  <c:v>0.36078199999999999</c:v>
+                  <c:v>0.36247200000000002</c:v>
                 </c:pt>
               </c:numCache>
             </c:numRef>
           </c:val>
           <c:extLst>
             <c:ext xmlns:c16="http://schemas.microsoft.com/office/drawing/2014/chart" uri="{C3380CC4-5D6E-409C-BE32-E72D297353CC}">
-              <c16:uniqueId val="{00000001-F730-45F0-93C7-3C9F1EB57ED8}"/>
+              <c16:uniqueId val="{00000001-60E1-44A5-8E4D-0E8FE2DF47D2}"/>
             </c:ext>
           </c:extLst>
         </c:ser>
@@ -2566,7 +2435,17 @@
   <c:chart>
     <c:autoTitleDeleted val="1"/>
     <c:plotArea>
-      <c:layout/>
+      <c:layout>
+        <c:manualLayout>
+          <c:layoutTarget val="inner"/>
+          <c:xMode val="edge"/>
+          <c:yMode val="edge"/>
+          <c:x val="1.391369129134393E-2"/>
+          <c:y val="4.5640275566640194E-2"/>
+          <c:w val="0.97217261741731209"/>
+          <c:h val="0.65091837578118539"/>
+        </c:manualLayout>
+      </c:layout>
       <c:barChart>
         <c:barDir val="col"/>
         <c:grouping val="clustered"/>
@@ -2576,7 +2455,7 @@
           <c:order val="0"/>
           <c:tx>
             <c:strRef>
-              <c:f>Planilha1!$W$3</c:f>
+              <c:f>'DECIL 10'!$W$3</c:f>
               <c:strCache>
                 <c:ptCount val="1"/>
                 <c:pt idx="0">
@@ -2598,21 +2477,6 @@
           </c:spPr>
           <c:invertIfNegative val="0"/>
           <c:dLbls>
-            <c:dLbl>
-              <c:idx val="0"/>
-              <c:showLegendKey val="0"/>
-              <c:showVal val="1"/>
-              <c:showCatName val="0"/>
-              <c:showSerName val="0"/>
-              <c:showPercent val="0"/>
-              <c:showBubbleSize val="0"/>
-              <c:extLst>
-                <c:ext xmlns:c15="http://schemas.microsoft.com/office/drawing/2012/chart" uri="{CE6537A1-D6FC-4f65-9D91-7224C49458BB}"/>
-                <c:ext xmlns:c16="http://schemas.microsoft.com/office/drawing/2014/chart" uri="{C3380CC4-5D6E-409C-BE32-E72D297353CC}">
-                  <c16:uniqueId val="{00000004-D7FB-400D-8B23-A095EB2F9093}"/>
-                </c:ext>
-              </c:extLst>
-            </c:dLbl>
             <c:spPr>
               <a:noFill/>
               <a:ln>
@@ -2627,7 +2491,7 @@
               <a:lstStyle/>
               <a:p>
                 <a:pPr>
-                  <a:defRPr sz="2000" b="0" i="0" u="none" strike="noStrike" kern="1200" baseline="0">
+                  <a:defRPr sz="1500" b="0" i="0" u="none" strike="noStrike" kern="1200" baseline="0">
                     <a:solidFill>
                       <a:schemeClr val="tx1"/>
                     </a:solidFill>
@@ -2640,11 +2504,12 @@
               </a:p>
             </c:txPr>
             <c:showLegendKey val="0"/>
-            <c:showVal val="0"/>
+            <c:showVal val="1"/>
             <c:showCatName val="0"/>
             <c:showSerName val="0"/>
             <c:showPercent val="0"/>
             <c:showBubbleSize val="0"/>
+            <c:showLeaderLines val="0"/>
             <c:extLst>
               <c:ext xmlns:c15="http://schemas.microsoft.com/office/drawing/2012/chart" uri="{CE6537A1-D6FC-4f65-9D91-7224C49458BB}">
                 <c15:showLeaderLines val="1"/>
@@ -2667,64 +2532,46 @@
           </c:dLbls>
           <c:val>
             <c:numRef>
-              <c:f>Planilha1!$W$4:$W$19</c:f>
+              <c:f>'DECIL 10'!$W$4:$W$13</c:f>
               <c:numCache>
                 <c:formatCode>0%</c:formatCode>
-                <c:ptCount val="16"/>
+                <c:ptCount val="10"/>
                 <c:pt idx="0">
-                  <c:v>0.268202</c:v>
+                  <c:v>0.24702099999999999</c:v>
                 </c:pt>
                 <c:pt idx="1">
-                  <c:v>0.18253800000000001</c:v>
+                  <c:v>0.14382900000000001</c:v>
                 </c:pt>
                 <c:pt idx="2">
-                  <c:v>0.143459</c:v>
+                  <c:v>0.106617</c:v>
                 </c:pt>
                 <c:pt idx="3">
-                  <c:v>0.109456</c:v>
+                  <c:v>8.2109000000000001E-2</c:v>
                 </c:pt>
                 <c:pt idx="4">
-                  <c:v>9.7363000000000005E-2</c:v>
+                  <c:v>6.336E-2</c:v>
                 </c:pt>
                 <c:pt idx="5">
-                  <c:v>8.3085999999999993E-2</c:v>
+                  <c:v>5.3039999999999997E-2</c:v>
                 </c:pt>
                 <c:pt idx="6">
-                  <c:v>7.7227000000000004E-2</c:v>
+                  <c:v>4.0974999999999998E-2</c:v>
                 </c:pt>
                 <c:pt idx="7">
-                  <c:v>6.4370999999999998E-2</c:v>
+                  <c:v>3.2759000000000003E-2</c:v>
                 </c:pt>
                 <c:pt idx="8">
-                  <c:v>5.8722000000000003E-2</c:v>
+                  <c:v>2.1375000000000002E-2</c:v>
                 </c:pt>
                 <c:pt idx="9">
-                  <c:v>4.6940999999999997E-2</c:v>
-                </c:pt>
-                <c:pt idx="10">
-                  <c:v>3.7128000000000001E-2</c:v>
-                </c:pt>
-                <c:pt idx="11">
-                  <c:v>3.3576000000000002E-2</c:v>
-                </c:pt>
-                <c:pt idx="12">
-                  <c:v>2.8528999999999999E-2</c:v>
-                </c:pt>
-                <c:pt idx="13">
-                  <c:v>2.5812999999999999E-2</c:v>
-                </c:pt>
-                <c:pt idx="14">
-                  <c:v>2.0797E-2</c:v>
-                </c:pt>
-                <c:pt idx="15">
-                  <c:v>1.5526999999999999E-2</c:v>
+                  <c:v>1.7002E-2</c:v>
                 </c:pt>
               </c:numCache>
             </c:numRef>
           </c:val>
           <c:extLst>
             <c:ext xmlns:c16="http://schemas.microsoft.com/office/drawing/2014/chart" uri="{C3380CC4-5D6E-409C-BE32-E72D297353CC}">
-              <c16:uniqueId val="{00000000-D7FB-400D-8B23-A095EB2F9093}"/>
+              <c16:uniqueId val="{00000000-D969-4F02-9FA3-C2B8D7C91E77}"/>
             </c:ext>
           </c:extLst>
         </c:ser>
@@ -2733,7 +2580,7 @@
           <c:order val="1"/>
           <c:tx>
             <c:strRef>
-              <c:f>Planilha1!$X$3</c:f>
+              <c:f>'DECIL 10'!$X$3</c:f>
               <c:strCache>
                 <c:ptCount val="1"/>
                 <c:pt idx="0">
@@ -2755,21 +2602,6 @@
           </c:spPr>
           <c:invertIfNegative val="0"/>
           <c:dLbls>
-            <c:dLbl>
-              <c:idx val="0"/>
-              <c:showLegendKey val="0"/>
-              <c:showVal val="1"/>
-              <c:showCatName val="0"/>
-              <c:showSerName val="0"/>
-              <c:showPercent val="0"/>
-              <c:showBubbleSize val="0"/>
-              <c:extLst>
-                <c:ext xmlns:c15="http://schemas.microsoft.com/office/drawing/2012/chart" uri="{CE6537A1-D6FC-4f65-9D91-7224C49458BB}"/>
-                <c:ext xmlns:c16="http://schemas.microsoft.com/office/drawing/2014/chart" uri="{C3380CC4-5D6E-409C-BE32-E72D297353CC}">
-                  <c16:uniqueId val="{00000003-D7FB-400D-8B23-A095EB2F9093}"/>
-                </c:ext>
-              </c:extLst>
-            </c:dLbl>
             <c:spPr>
               <a:noFill/>
               <a:ln>
@@ -2784,7 +2616,7 @@
               <a:lstStyle/>
               <a:p>
                 <a:pPr>
-                  <a:defRPr sz="2000" b="0" i="0" u="none" strike="noStrike" kern="1200" baseline="0">
+                  <a:defRPr sz="1500" b="0" i="0" u="none" strike="noStrike" kern="1200" baseline="0">
                     <a:solidFill>
                       <a:schemeClr val="tx1"/>
                     </a:solidFill>
@@ -2797,11 +2629,12 @@
               </a:p>
             </c:txPr>
             <c:showLegendKey val="0"/>
-            <c:showVal val="0"/>
+            <c:showVal val="1"/>
             <c:showCatName val="0"/>
             <c:showSerName val="0"/>
             <c:showPercent val="0"/>
             <c:showBubbleSize val="0"/>
+            <c:showLeaderLines val="0"/>
             <c:extLst>
               <c:ext xmlns:c15="http://schemas.microsoft.com/office/drawing/2012/chart" uri="{CE6537A1-D6FC-4f65-9D91-7224C49458BB}">
                 <c15:showLeaderLines val="1"/>
@@ -2824,64 +2657,46 @@
           </c:dLbls>
           <c:val>
             <c:numRef>
-              <c:f>Planilha1!$X$4:$X$19</c:f>
+              <c:f>'DECIL 10'!$X$4:$X$13</c:f>
               <c:numCache>
                 <c:formatCode>0%</c:formatCode>
-                <c:ptCount val="16"/>
+                <c:ptCount val="10"/>
                 <c:pt idx="0">
-                  <c:v>0.29799399999999998</c:v>
+                  <c:v>0.25580700000000001</c:v>
                 </c:pt>
                 <c:pt idx="1">
-                  <c:v>0.184589</c:v>
+                  <c:v>0.14756900000000001</c:v>
                 </c:pt>
                 <c:pt idx="2">
-                  <c:v>0.14147699999999999</c:v>
+                  <c:v>0.105296</c:v>
                 </c:pt>
                 <c:pt idx="3">
-                  <c:v>0.11397400000000001</c:v>
+                  <c:v>7.8673999999999994E-2</c:v>
                 </c:pt>
                 <c:pt idx="4">
-                  <c:v>9.0188000000000004E-2</c:v>
+                  <c:v>6.4726000000000006E-2</c:v>
                 </c:pt>
                 <c:pt idx="5">
-                  <c:v>8.3499000000000004E-2</c:v>
+                  <c:v>4.8932000000000003E-2</c:v>
                 </c:pt>
                 <c:pt idx="6">
-                  <c:v>6.9623000000000004E-2</c:v>
+                  <c:v>3.8098E-2</c:v>
                 </c:pt>
                 <c:pt idx="7">
-                  <c:v>6.2190000000000002E-2</c:v>
+                  <c:v>3.0505000000000001E-2</c:v>
                 </c:pt>
                 <c:pt idx="8">
-                  <c:v>4.5589999999999999E-2</c:v>
+                  <c:v>2.2914E-2</c:v>
                 </c:pt>
                 <c:pt idx="9">
-                  <c:v>4.7323999999999998E-2</c:v>
-                </c:pt>
-                <c:pt idx="10">
-                  <c:v>3.6173999999999998E-2</c:v>
-                </c:pt>
-                <c:pt idx="11">
-                  <c:v>3.1961999999999997E-2</c:v>
-                </c:pt>
-                <c:pt idx="12">
-                  <c:v>2.998E-2</c:v>
-                </c:pt>
-                <c:pt idx="13">
-                  <c:v>2.5767999999999999E-2</c:v>
-                </c:pt>
-                <c:pt idx="14">
-                  <c:v>1.7592E-2</c:v>
-                </c:pt>
-                <c:pt idx="15">
-                  <c:v>1.6596E-2</c:v>
+                  <c:v>1.6570999999999999E-2</c:v>
                 </c:pt>
               </c:numCache>
             </c:numRef>
           </c:val>
           <c:extLst>
             <c:ext xmlns:c16="http://schemas.microsoft.com/office/drawing/2014/chart" uri="{C3380CC4-5D6E-409C-BE32-E72D297353CC}">
-              <c16:uniqueId val="{00000001-D7FB-400D-8B23-A095EB2F9093}"/>
+              <c16:uniqueId val="{00000001-D969-4F02-9FA3-C2B8D7C91E77}"/>
             </c:ext>
           </c:extLst>
         </c:ser>
@@ -2895,11 +2710,11 @@
         </c:dLbls>
         <c:gapWidth val="219"/>
         <c:overlap val="-27"/>
-        <c:axId val="651225760"/>
-        <c:axId val="651226416"/>
+        <c:axId val="680149496"/>
+        <c:axId val="680150152"/>
       </c:barChart>
       <c:catAx>
-        <c:axId val="651225760"/>
+        <c:axId val="680149496"/>
         <c:scaling>
           <c:orientation val="minMax"/>
         </c:scaling>
@@ -2938,7 +2753,7 @@
             <a:endParaRPr lang="pt-BR"/>
           </a:p>
         </c:txPr>
-        <c:crossAx val="651226416"/>
+        <c:crossAx val="680150152"/>
         <c:crosses val="autoZero"/>
         <c:auto val="1"/>
         <c:lblAlgn val="ctr"/>
@@ -2946,7 +2761,7 @@
         <c:noMultiLvlLbl val="0"/>
       </c:catAx>
       <c:valAx>
-        <c:axId val="651226416"/>
+        <c:axId val="680150152"/>
         <c:scaling>
           <c:orientation val="minMax"/>
         </c:scaling>
@@ -2970,7 +2785,7 @@
         <c:majorTickMark val="none"/>
         <c:minorTickMark val="none"/>
         <c:tickLblPos val="nextTo"/>
-        <c:crossAx val="651225760"/>
+        <c:crossAx val="680149496"/>
         <c:crosses val="autoZero"/>
         <c:crossBetween val="between"/>
       </c:valAx>
@@ -3074,7 +2889,7 @@
           <c:order val="0"/>
           <c:tx>
             <c:strRef>
-              <c:f>Planilha1!$AD$3</c:f>
+              <c:f>'DECIL 10'!$AD$3</c:f>
               <c:strCache>
                 <c:ptCount val="1"/>
                 <c:pt idx="0">
@@ -3104,11 +2919,13 @@
               <a:effectLst/>
             </c:spPr>
             <c:txPr>
-              <a:bodyPr rot="-5400000" spcFirstLastPara="1" vertOverflow="ellipsis" vert="horz" wrap="square" anchor="ctr" anchorCtr="1"/>
+              <a:bodyPr rot="-5400000" spcFirstLastPara="1" vertOverflow="ellipsis" vert="horz" wrap="square" lIns="38100" tIns="19050" rIns="38100" bIns="19050" anchor="ctr" anchorCtr="1">
+                <a:spAutoFit/>
+              </a:bodyPr>
               <a:lstStyle/>
               <a:p>
                 <a:pPr>
-                  <a:defRPr sz="1800" b="0" i="0" u="none" strike="noStrike" kern="1200" baseline="0">
+                  <a:defRPr sz="2000" b="0" i="0" u="none" strike="noStrike" kern="1200" baseline="0">
                     <a:solidFill>
                       <a:schemeClr val="tx1"/>
                     </a:solidFill>
@@ -3149,64 +2966,46 @@
           </c:dLbls>
           <c:val>
             <c:numRef>
-              <c:f>Planilha1!$AD$4:$AD$19</c:f>
+              <c:f>'DECIL 10'!$AD$4:$AD$13</c:f>
               <c:numCache>
                 <c:formatCode>0%</c:formatCode>
-                <c:ptCount val="16"/>
+                <c:ptCount val="10"/>
                 <c:pt idx="0">
-                  <c:v>0.20743139549877371</c:v>
+                  <c:v>0.30568898265606442</c:v>
                 </c:pt>
                 <c:pt idx="1">
-                  <c:v>0.34878379707169671</c:v>
+                  <c:v>0.4838153992736034</c:v>
                 </c:pt>
                 <c:pt idx="2">
-                  <c:v>0.45968215590725486</c:v>
+                  <c:v>0.6155907841349838</c:v>
                 </c:pt>
                 <c:pt idx="3">
-                  <c:v>0.54414836494128305</c:v>
+                  <c:v>0.71729519627785809</c:v>
                 </c:pt>
                 <c:pt idx="4">
-                  <c:v>0.61980466826644254</c:v>
+                  <c:v>0.79582467930745582</c:v>
                 </c:pt>
                 <c:pt idx="5">
-                  <c:v>0.68416009295117397</c:v>
+                  <c:v>0.86132971901435385</c:v>
                 </c:pt>
                 <c:pt idx="6">
-                  <c:v>0.74411047160011912</c:v>
+                  <c:v>0.91189509765264487</c:v>
                 </c:pt>
                 <c:pt idx="7">
-                  <c:v>0.79352607822998067</c:v>
+                  <c:v>0.95269167894558116</c:v>
                 </c:pt>
                 <c:pt idx="8">
-                  <c:v>0.83911125096779726</c:v>
+                  <c:v>0.97912281408199442</c:v>
                 </c:pt>
                 <c:pt idx="9">
-                  <c:v>0.87511941846249586</c:v>
-                </c:pt>
-                <c:pt idx="10">
-                  <c:v>0.90423299468521789</c:v>
-                </c:pt>
-                <c:pt idx="11">
-                  <c:v>0.92989891528356339</c:v>
-                </c:pt>
-                <c:pt idx="12">
-                  <c:v>0.95211666579687215</c:v>
-                </c:pt>
-                <c:pt idx="13">
-                  <c:v>0.97203632532942741</c:v>
-                </c:pt>
-                <c:pt idx="14">
-                  <c:v>0.98812501620666027</c:v>
-                </c:pt>
-                <c:pt idx="15">
-                  <c:v>1.0000000000000002</c:v>
+                  <c:v>0.99999999999999989</c:v>
                 </c:pt>
               </c:numCache>
             </c:numRef>
           </c:val>
           <c:extLst>
             <c:ext xmlns:c16="http://schemas.microsoft.com/office/drawing/2014/chart" uri="{C3380CC4-5D6E-409C-BE32-E72D297353CC}">
-              <c16:uniqueId val="{00000000-5D4B-403F-B1C0-C29BD20BF30E}"/>
+              <c16:uniqueId val="{00000000-233A-4E26-BCA2-C601FBB89317}"/>
             </c:ext>
           </c:extLst>
         </c:ser>
@@ -3215,7 +3014,7 @@
           <c:order val="1"/>
           <c:tx>
             <c:strRef>
-              <c:f>Planilha1!$AE$3</c:f>
+              <c:f>'DECIL 10'!$AE$3</c:f>
               <c:strCache>
                 <c:ptCount val="1"/>
                 <c:pt idx="0">
@@ -3245,11 +3044,13 @@
               <a:effectLst/>
             </c:spPr>
             <c:txPr>
-              <a:bodyPr rot="-5400000" spcFirstLastPara="1" vertOverflow="ellipsis" vert="horz" wrap="square" anchor="ctr" anchorCtr="1"/>
+              <a:bodyPr rot="-5400000" spcFirstLastPara="1" vertOverflow="ellipsis" vert="horz" wrap="square" lIns="38100" tIns="19050" rIns="38100" bIns="19050" anchor="ctr" anchorCtr="1">
+                <a:spAutoFit/>
+              </a:bodyPr>
               <a:lstStyle/>
               <a:p>
                 <a:pPr>
-                  <a:defRPr sz="1800" b="0" i="0" u="none" strike="noStrike" kern="1200" baseline="0">
+                  <a:defRPr sz="2000" b="0" i="0" u="none" strike="noStrike" kern="1200" baseline="0">
                     <a:solidFill>
                       <a:schemeClr val="tx1"/>
                     </a:solidFill>
@@ -3290,56 +3091,38 @@
           </c:dLbls>
           <c:val>
             <c:numRef>
-              <c:f>Planilha1!$AE$4:$AE$19</c:f>
+              <c:f>'DECIL 10'!$AE$4:$AE$13</c:f>
               <c:numCache>
                 <c:formatCode>0%</c:formatCode>
-                <c:ptCount val="16"/>
+                <c:ptCount val="10"/>
                 <c:pt idx="0">
-                  <c:v>0.23023969327172722</c:v>
+                  <c:v>0.3161722108335297</c:v>
                 </c:pt>
                 <c:pt idx="1">
-                  <c:v>0.37282372916666628</c:v>
+                  <c:v>0.49856447132872</c:v>
                 </c:pt>
                 <c:pt idx="2">
-                  <c:v>0.48210630638583046</c:v>
+                  <c:v>0.62870816994497114</c:v>
                 </c:pt>
                 <c:pt idx="3">
-                  <c:v>0.57014445008393699</c:v>
+                  <c:v>0.72593256480437374</c:v>
                 </c:pt>
                 <c:pt idx="4">
-                  <c:v>0.63980932193054085</c:v>
+                  <c:v>0.8059325746493391</c:v>
                 </c:pt>
                 <c:pt idx="5">
-                  <c:v>0.70430733867688822</c:v>
+                  <c:v>0.86641152409367128</c:v>
                 </c:pt>
                 <c:pt idx="6">
-                  <c:v>0.75808696980936818</c:v>
+                  <c:v>0.91349258003786526</c:v>
                 </c:pt>
                 <c:pt idx="7">
-                  <c:v>0.80612505004332724</c:v>
+                  <c:v>0.95119613502845124</c:v>
                 </c:pt>
                 <c:pt idx="8">
-                  <c:v>0.84134061649880543</c:v>
+                  <c:v>0.97952175499891758</c:v>
                 </c:pt>
                 <c:pt idx="9">
-                  <c:v>0.87789559493572256</c:v>
-                </c:pt>
-                <c:pt idx="10">
-                  <c:v>0.90583786080456374</c:v>
-                </c:pt>
-                <c:pt idx="11">
-                  <c:v>0.93052660691226274</c:v>
-                </c:pt>
-                <c:pt idx="12">
-                  <c:v>0.9536843757724347</c:v>
-                </c:pt>
-                <c:pt idx="13">
-                  <c:v>0.97358862487146436</c:v>
-                </c:pt>
-                <c:pt idx="14">
-                  <c:v>0.98717739971429774</c:v>
-                </c:pt>
-                <c:pt idx="15">
                   <c:v>1</c:v>
                 </c:pt>
               </c:numCache>
@@ -3347,7 +3130,7 @@
           </c:val>
           <c:extLst>
             <c:ext xmlns:c16="http://schemas.microsoft.com/office/drawing/2014/chart" uri="{C3380CC4-5D6E-409C-BE32-E72D297353CC}">
-              <c16:uniqueId val="{00000001-5D4B-403F-B1C0-C29BD20BF30E}"/>
+              <c16:uniqueId val="{00000001-233A-4E26-BCA2-C601FBB89317}"/>
             </c:ext>
           </c:extLst>
         </c:ser>
@@ -3359,22 +3142,52 @@
           <c:showPercent val="0"/>
           <c:showBubbleSize val="0"/>
         </c:dLbls>
-        <c:gapWidth val="100"/>
+        <c:gapWidth val="219"/>
         <c:overlap val="-27"/>
-        <c:axId val="502972064"/>
-        <c:axId val="502969112"/>
+        <c:axId val="425019744"/>
+        <c:axId val="425020072"/>
       </c:barChart>
       <c:catAx>
-        <c:axId val="502972064"/>
+        <c:axId val="425019744"/>
         <c:scaling>
           <c:orientation val="minMax"/>
         </c:scaling>
-        <c:delete val="1"/>
+        <c:delete val="0"/>
         <c:axPos val="b"/>
         <c:majorTickMark val="none"/>
         <c:minorTickMark val="none"/>
         <c:tickLblPos val="nextTo"/>
-        <c:crossAx val="502969112"/>
+        <c:spPr>
+          <a:noFill/>
+          <a:ln w="9525" cap="flat" cmpd="sng" algn="ctr">
+            <a:solidFill>
+              <a:schemeClr val="tx1">
+                <a:lumMod val="15000"/>
+                <a:lumOff val="85000"/>
+              </a:schemeClr>
+            </a:solidFill>
+            <a:round/>
+          </a:ln>
+          <a:effectLst/>
+        </c:spPr>
+        <c:txPr>
+          <a:bodyPr rot="-60000000" spcFirstLastPara="1" vertOverflow="ellipsis" vert="horz" wrap="square" anchor="ctr" anchorCtr="1"/>
+          <a:lstStyle/>
+          <a:p>
+            <a:pPr>
+              <a:defRPr sz="2000" b="0" i="0" u="none" strike="noStrike" kern="1200" baseline="0">
+                <a:solidFill>
+                  <a:schemeClr val="tx1"/>
+                </a:solidFill>
+                <a:latin typeface="+mn-lt"/>
+                <a:ea typeface="+mn-ea"/>
+                <a:cs typeface="+mn-cs"/>
+              </a:defRPr>
+            </a:pPr>
+            <a:endParaRPr lang="pt-BR"/>
+          </a:p>
+        </c:txPr>
+        <c:crossAx val="425020072"/>
         <c:crosses val="autoZero"/>
         <c:auto val="1"/>
         <c:lblAlgn val="ctr"/>
@@ -3382,7 +3195,7 @@
         <c:noMultiLvlLbl val="0"/>
       </c:catAx>
       <c:valAx>
-        <c:axId val="502969112"/>
+        <c:axId val="425020072"/>
         <c:scaling>
           <c:orientation val="minMax"/>
         </c:scaling>
@@ -3406,7 +3219,7 @@
         <c:majorTickMark val="none"/>
         <c:minorTickMark val="none"/>
         <c:tickLblPos val="nextTo"/>
-        <c:crossAx val="502972064"/>
+        <c:crossAx val="425019744"/>
         <c:crosses val="autoZero"/>
         <c:crossBetween val="between"/>
       </c:valAx>
@@ -3469,7 +3282,7 @@
     <a:lstStyle/>
     <a:p>
       <a:pPr>
-        <a:defRPr>
+        <a:defRPr sz="2000">
           <a:solidFill>
             <a:schemeClr val="tx1"/>
           </a:solidFill>
@@ -7753,7 +7566,7 @@
           <a:p>
             <a:fld id="{F595F01A-CCEC-4684-8B3C-DD9794627A0F}" type="datetimeFigureOut">
               <a:rPr lang="pt-BR" smtClean="0"/>
-              <a:t>27/07/2025</a:t>
+              <a:t>28/07/2025</a:t>
             </a:fld>
             <a:endParaRPr lang="pt-BR"/>
           </a:p>
@@ -7951,7 +7764,7 @@
           <a:p>
             <a:fld id="{F595F01A-CCEC-4684-8B3C-DD9794627A0F}" type="datetimeFigureOut">
               <a:rPr lang="pt-BR" smtClean="0"/>
-              <a:t>27/07/2025</a:t>
+              <a:t>28/07/2025</a:t>
             </a:fld>
             <a:endParaRPr lang="pt-BR"/>
           </a:p>
@@ -8159,7 +7972,7 @@
           <a:p>
             <a:fld id="{F595F01A-CCEC-4684-8B3C-DD9794627A0F}" type="datetimeFigureOut">
               <a:rPr lang="pt-BR" smtClean="0"/>
-              <a:t>27/07/2025</a:t>
+              <a:t>28/07/2025</a:t>
             </a:fld>
             <a:endParaRPr lang="pt-BR"/>
           </a:p>
@@ -8357,7 +8170,7 @@
           <a:p>
             <a:fld id="{F595F01A-CCEC-4684-8B3C-DD9794627A0F}" type="datetimeFigureOut">
               <a:rPr lang="pt-BR" smtClean="0"/>
-              <a:t>27/07/2025</a:t>
+              <a:t>28/07/2025</a:t>
             </a:fld>
             <a:endParaRPr lang="pt-BR"/>
           </a:p>
@@ -8632,7 +8445,7 @@
           <a:p>
             <a:fld id="{F595F01A-CCEC-4684-8B3C-DD9794627A0F}" type="datetimeFigureOut">
               <a:rPr lang="pt-BR" smtClean="0"/>
-              <a:t>27/07/2025</a:t>
+              <a:t>28/07/2025</a:t>
             </a:fld>
             <a:endParaRPr lang="pt-BR"/>
           </a:p>
@@ -8897,7 +8710,7 @@
           <a:p>
             <a:fld id="{F595F01A-CCEC-4684-8B3C-DD9794627A0F}" type="datetimeFigureOut">
               <a:rPr lang="pt-BR" smtClean="0"/>
-              <a:t>27/07/2025</a:t>
+              <a:t>28/07/2025</a:t>
             </a:fld>
             <a:endParaRPr lang="pt-BR"/>
           </a:p>
@@ -9309,7 +9122,7 @@
           <a:p>
             <a:fld id="{F595F01A-CCEC-4684-8B3C-DD9794627A0F}" type="datetimeFigureOut">
               <a:rPr lang="pt-BR" smtClean="0"/>
-              <a:t>27/07/2025</a:t>
+              <a:t>28/07/2025</a:t>
             </a:fld>
             <a:endParaRPr lang="pt-BR"/>
           </a:p>
@@ -9450,7 +9263,7 @@
           <a:p>
             <a:fld id="{F595F01A-CCEC-4684-8B3C-DD9794627A0F}" type="datetimeFigureOut">
               <a:rPr lang="pt-BR" smtClean="0"/>
-              <a:t>27/07/2025</a:t>
+              <a:t>28/07/2025</a:t>
             </a:fld>
             <a:endParaRPr lang="pt-BR"/>
           </a:p>
@@ -9563,7 +9376,7 @@
           <a:p>
             <a:fld id="{F595F01A-CCEC-4684-8B3C-DD9794627A0F}" type="datetimeFigureOut">
               <a:rPr lang="pt-BR" smtClean="0"/>
-              <a:t>27/07/2025</a:t>
+              <a:t>28/07/2025</a:t>
             </a:fld>
             <a:endParaRPr lang="pt-BR"/>
           </a:p>
@@ -9874,7 +9687,7 @@
           <a:p>
             <a:fld id="{F595F01A-CCEC-4684-8B3C-DD9794627A0F}" type="datetimeFigureOut">
               <a:rPr lang="pt-BR" smtClean="0"/>
-              <a:t>27/07/2025</a:t>
+              <a:t>28/07/2025</a:t>
             </a:fld>
             <a:endParaRPr lang="pt-BR"/>
           </a:p>
@@ -10162,7 +9975,7 @@
           <a:p>
             <a:fld id="{F595F01A-CCEC-4684-8B3C-DD9794627A0F}" type="datetimeFigureOut">
               <a:rPr lang="pt-BR" smtClean="0"/>
-              <a:t>27/07/2025</a:t>
+              <a:t>28/07/2025</a:t>
             </a:fld>
             <a:endParaRPr lang="pt-BR"/>
           </a:p>
@@ -10403,7 +10216,7 @@
           <a:p>
             <a:fld id="{F595F01A-CCEC-4684-8B3C-DD9794627A0F}" type="datetimeFigureOut">
               <a:rPr lang="pt-BR" smtClean="0"/>
-              <a:t>27/07/2025</a:t>
+              <a:t>28/07/2025</a:t>
             </a:fld>
             <a:endParaRPr lang="pt-BR"/>
           </a:p>
@@ -11559,7 +11372,7 @@
       </p:sp>
       <p:graphicFrame>
         <p:nvGraphicFramePr>
-          <p:cNvPr id="31" name="Gráfico 30">
+          <p:cNvPr id="9" name="Gráfico 8">
             <a:extLst>
               <a:ext uri="{FF2B5EF4-FFF2-40B4-BE49-F238E27FC236}">
                 <a16:creationId xmlns:a16="http://schemas.microsoft.com/office/drawing/2014/main" id="{A89B09DA-A2B5-4949-AF18-C7A523DAF52F}"/>
@@ -11572,14 +11385,14 @@
           <p:nvPr>
             <p:extLst>
               <p:ext uri="{D42A27DB-BD31-4B8C-83A1-F6EECF244321}">
-                <p14:modId xmlns:p14="http://schemas.microsoft.com/office/powerpoint/2010/main" val="903245458"/>
+                <p14:modId xmlns:p14="http://schemas.microsoft.com/office/powerpoint/2010/main" val="3261319690"/>
               </p:ext>
             </p:extLst>
           </p:nvPr>
         </p:nvGraphicFramePr>
         <p:xfrm>
-          <a:off x="994800" y="2053589"/>
-          <a:ext cx="9431153" cy="3627175"/>
+          <a:off x="994800" y="1893569"/>
+          <a:ext cx="10103506" cy="3628689"/>
         </p:xfrm>
         <a:graphic>
           <a:graphicData uri="http://schemas.openxmlformats.org/drawingml/2006/chart">
@@ -11625,6 +11438,36 @@
           <a:chExt cx="0" cy="0"/>
         </a:xfrm>
       </p:grpSpPr>
+      <p:graphicFrame>
+        <p:nvGraphicFramePr>
+          <p:cNvPr id="11" name="Gráfico 10">
+            <a:extLst>
+              <a:ext uri="{FF2B5EF4-FFF2-40B4-BE49-F238E27FC236}">
+                <a16:creationId xmlns:a16="http://schemas.microsoft.com/office/drawing/2014/main" id="{0AB34DAF-2F7F-4A93-9498-F3AEDBB16CF9}"/>
+              </a:ext>
+            </a:extLst>
+          </p:cNvPr>
+          <p:cNvGraphicFramePr>
+            <a:graphicFrameLocks/>
+          </p:cNvGraphicFramePr>
+          <p:nvPr>
+            <p:extLst>
+              <p:ext uri="{D42A27DB-BD31-4B8C-83A1-F6EECF244321}">
+                <p14:modId xmlns:p14="http://schemas.microsoft.com/office/powerpoint/2010/main" val="2219859164"/>
+              </p:ext>
+            </p:extLst>
+          </p:nvPr>
+        </p:nvGraphicFramePr>
+        <p:xfrm>
+          <a:off x="1039905" y="1904999"/>
+          <a:ext cx="10659035" cy="3518573"/>
+        </p:xfrm>
+        <a:graphic>
+          <a:graphicData uri="http://schemas.openxmlformats.org/drawingml/2006/chart">
+            <c:chart xmlns:c="http://schemas.openxmlformats.org/drawingml/2006/chart" xmlns:r="http://schemas.openxmlformats.org/officeDocument/2006/relationships" r:id="rId2"/>
+          </a:graphicData>
+        </a:graphic>
+      </p:graphicFrame>
       <p:grpSp>
         <p:nvGrpSpPr>
           <p:cNvPr id="19" name="Agrupar 18">
@@ -11898,36 +11741,6 @@
           </a:p>
         </p:txBody>
       </p:sp>
-      <p:graphicFrame>
-        <p:nvGraphicFramePr>
-          <p:cNvPr id="8" name="Gráfico 7">
-            <a:extLst>
-              <a:ext uri="{FF2B5EF4-FFF2-40B4-BE49-F238E27FC236}">
-                <a16:creationId xmlns:a16="http://schemas.microsoft.com/office/drawing/2014/main" id="{472C859A-CFFB-4307-87EF-E694C011E3E8}"/>
-              </a:ext>
-            </a:extLst>
-          </p:cNvPr>
-          <p:cNvGraphicFramePr>
-            <a:graphicFrameLocks/>
-          </p:cNvGraphicFramePr>
-          <p:nvPr>
-            <p:extLst>
-              <p:ext uri="{D42A27DB-BD31-4B8C-83A1-F6EECF244321}">
-                <p14:modId xmlns:p14="http://schemas.microsoft.com/office/powerpoint/2010/main" val="2813041337"/>
-              </p:ext>
-            </p:extLst>
-          </p:nvPr>
-        </p:nvGraphicFramePr>
-        <p:xfrm>
-          <a:off x="994800" y="1975374"/>
-          <a:ext cx="10157294" cy="3448215"/>
-        </p:xfrm>
-        <a:graphic>
-          <a:graphicData uri="http://schemas.openxmlformats.org/drawingml/2006/chart">
-            <c:chart xmlns:c="http://schemas.openxmlformats.org/drawingml/2006/chart" xmlns:r="http://schemas.openxmlformats.org/officeDocument/2006/relationships" r:id="rId2"/>
-          </a:graphicData>
-        </a:graphic>
-      </p:graphicFrame>
       <p:cxnSp>
         <p:nvCxnSpPr>
           <p:cNvPr id="3" name="Conector reto 2">
@@ -11945,7 +11758,7 @@
         <p:spPr>
           <a:xfrm>
             <a:off x="994800" y="3760694"/>
-            <a:ext cx="10157294" cy="0"/>
+            <a:ext cx="10528338" cy="0"/>
           </a:xfrm>
           <a:prstGeom prst="line">
             <a:avLst/>
@@ -12339,7 +12152,7 @@
       </p:sp>
       <p:graphicFrame>
         <p:nvGraphicFramePr>
-          <p:cNvPr id="8" name="Gráfico 7">
+          <p:cNvPr id="9" name="Gráfico 8">
             <a:extLst>
               <a:ext uri="{FF2B5EF4-FFF2-40B4-BE49-F238E27FC236}">
                 <a16:creationId xmlns:a16="http://schemas.microsoft.com/office/drawing/2014/main" id="{B28BA41C-E433-41E8-92C0-7472714D6224}"/>
@@ -12352,14 +12165,14 @@
           <p:nvPr>
             <p:extLst>
               <p:ext uri="{D42A27DB-BD31-4B8C-83A1-F6EECF244321}">
-                <p14:modId xmlns:p14="http://schemas.microsoft.com/office/powerpoint/2010/main" val="3597413302"/>
+                <p14:modId xmlns:p14="http://schemas.microsoft.com/office/powerpoint/2010/main" val="861038794"/>
               </p:ext>
             </p:extLst>
           </p:nvPr>
         </p:nvGraphicFramePr>
         <p:xfrm>
-          <a:off x="905436" y="1884605"/>
-          <a:ext cx="10103352" cy="3531361"/>
+          <a:off x="914400" y="1911500"/>
+          <a:ext cx="10183906" cy="3628688"/>
         </p:xfrm>
         <a:graphic>
           <a:graphicData uri="http://schemas.openxmlformats.org/drawingml/2006/chart">
@@ -12405,6 +12218,36 @@
           <a:chExt cx="0" cy="0"/>
         </a:xfrm>
       </p:grpSpPr>
+      <p:graphicFrame>
+        <p:nvGraphicFramePr>
+          <p:cNvPr id="11" name="Gráfico 10">
+            <a:extLst>
+              <a:ext uri="{FF2B5EF4-FFF2-40B4-BE49-F238E27FC236}">
+                <a16:creationId xmlns:a16="http://schemas.microsoft.com/office/drawing/2014/main" id="{650E58C4-36C4-4F54-86F3-CAABC8BC2BE7}"/>
+              </a:ext>
+            </a:extLst>
+          </p:cNvPr>
+          <p:cNvGraphicFramePr>
+            <a:graphicFrameLocks/>
+          </p:cNvGraphicFramePr>
+          <p:nvPr>
+            <p:extLst>
+              <p:ext uri="{D42A27DB-BD31-4B8C-83A1-F6EECF244321}">
+                <p14:modId xmlns:p14="http://schemas.microsoft.com/office/powerpoint/2010/main" val="1572930685"/>
+              </p:ext>
+            </p:extLst>
+          </p:nvPr>
+        </p:nvGraphicFramePr>
+        <p:xfrm>
+          <a:off x="1039906" y="1949823"/>
+          <a:ext cx="10112188" cy="3545537"/>
+        </p:xfrm>
+        <a:graphic>
+          <a:graphicData uri="http://schemas.openxmlformats.org/drawingml/2006/chart">
+            <c:chart xmlns:c="http://schemas.openxmlformats.org/drawingml/2006/chart" xmlns:r="http://schemas.openxmlformats.org/officeDocument/2006/relationships" r:id="rId2"/>
+          </a:graphicData>
+        </a:graphic>
+      </p:graphicFrame>
       <p:grpSp>
         <p:nvGrpSpPr>
           <p:cNvPr id="19" name="Agrupar 18">
@@ -12678,36 +12521,6 @@
           </a:p>
         </p:txBody>
       </p:sp>
-      <p:graphicFrame>
-        <p:nvGraphicFramePr>
-          <p:cNvPr id="8" name="Gráfico 7">
-            <a:extLst>
-              <a:ext uri="{FF2B5EF4-FFF2-40B4-BE49-F238E27FC236}">
-                <a16:creationId xmlns:a16="http://schemas.microsoft.com/office/drawing/2014/main" id="{9EA4AC92-DA41-47DB-A61D-A70ADC945C77}"/>
-              </a:ext>
-            </a:extLst>
-          </p:cNvPr>
-          <p:cNvGraphicFramePr>
-            <a:graphicFrameLocks/>
-          </p:cNvGraphicFramePr>
-          <p:nvPr>
-            <p:extLst>
-              <p:ext uri="{D42A27DB-BD31-4B8C-83A1-F6EECF244321}">
-                <p14:modId xmlns:p14="http://schemas.microsoft.com/office/powerpoint/2010/main" val="452140573"/>
-              </p:ext>
-            </p:extLst>
-          </p:nvPr>
-        </p:nvGraphicFramePr>
-        <p:xfrm>
-          <a:off x="1165412" y="1905000"/>
-          <a:ext cx="10004612" cy="3608294"/>
-        </p:xfrm>
-        <a:graphic>
-          <a:graphicData uri="http://schemas.openxmlformats.org/drawingml/2006/chart">
-            <c:chart xmlns:c="http://schemas.openxmlformats.org/drawingml/2006/chart" xmlns:r="http://schemas.openxmlformats.org/officeDocument/2006/relationships" r:id="rId2"/>
-          </a:graphicData>
-        </a:graphic>
-      </p:graphicFrame>
       <p:cxnSp>
         <p:nvCxnSpPr>
           <p:cNvPr id="9" name="Conector reto 8">
@@ -13099,7 +12912,15 @@
                 <a:ea typeface="roboto" panose="020B0604020202020204" pitchFamily="2" charset="0"/>
                 <a:cs typeface="Segoe UI" panose="020B0502040204020203" pitchFamily="34" charset="0"/>
               </a:rPr>
-              <a:t>COMPARATIVO PRINCIPAIS MÉTRICAS</a:t>
+              <a:t>COMPARATIVO PRINCIPAIS MÉTRICAS </a:t>
+            </a:r>
+            <a:r>
+              <a:rPr lang="pt-BR" sz="2000" b="1" i="1" dirty="0">
+                <a:latin typeface="Segoe UI" panose="020B0502040204020203" pitchFamily="34" charset="0"/>
+                <a:ea typeface="roboto" panose="020B0604020202020204" pitchFamily="2" charset="0"/>
+                <a:cs typeface="Segoe UI" panose="020B0502040204020203" pitchFamily="34" charset="0"/>
+              </a:rPr>
+              <a:t>(TESTE)</a:t>
             </a:r>
           </a:p>
           <a:p>
@@ -13119,7 +12940,7 @@
       </p:sp>
       <p:graphicFrame>
         <p:nvGraphicFramePr>
-          <p:cNvPr id="8" name="Gráfico 7">
+          <p:cNvPr id="9" name="Gráfico 8">
             <a:extLst>
               <a:ext uri="{FF2B5EF4-FFF2-40B4-BE49-F238E27FC236}">
                 <a16:creationId xmlns:a16="http://schemas.microsoft.com/office/drawing/2014/main" id="{A0E36304-8618-4AA4-ACF4-7D3984475678}"/>
@@ -13132,14 +12953,14 @@
           <p:nvPr>
             <p:extLst>
               <p:ext uri="{D42A27DB-BD31-4B8C-83A1-F6EECF244321}">
-                <p14:modId xmlns:p14="http://schemas.microsoft.com/office/powerpoint/2010/main" val="1515962977"/>
+                <p14:modId xmlns:p14="http://schemas.microsoft.com/office/powerpoint/2010/main" val="2012707487"/>
               </p:ext>
             </p:extLst>
           </p:nvPr>
         </p:nvGraphicFramePr>
         <p:xfrm>
-          <a:off x="896470" y="1893570"/>
-          <a:ext cx="10022542" cy="3646618"/>
+          <a:off x="914400" y="1884604"/>
+          <a:ext cx="10183906" cy="3646619"/>
         </p:xfrm>
         <a:graphic>
           <a:graphicData uri="http://schemas.openxmlformats.org/drawingml/2006/chart">
@@ -13185,6 +13006,36 @@
           <a:chExt cx="0" cy="0"/>
         </a:xfrm>
       </p:grpSpPr>
+      <p:graphicFrame>
+        <p:nvGraphicFramePr>
+          <p:cNvPr id="11" name="Gráfico 10">
+            <a:extLst>
+              <a:ext uri="{FF2B5EF4-FFF2-40B4-BE49-F238E27FC236}">
+                <a16:creationId xmlns:a16="http://schemas.microsoft.com/office/drawing/2014/main" id="{0BA70684-96C7-431E-B8D8-019D98482CE1}"/>
+              </a:ext>
+            </a:extLst>
+          </p:cNvPr>
+          <p:cNvGraphicFramePr>
+            <a:graphicFrameLocks/>
+          </p:cNvGraphicFramePr>
+          <p:nvPr>
+            <p:extLst>
+              <p:ext uri="{D42A27DB-BD31-4B8C-83A1-F6EECF244321}">
+                <p14:modId xmlns:p14="http://schemas.microsoft.com/office/powerpoint/2010/main" val="808823603"/>
+              </p:ext>
+            </p:extLst>
+          </p:nvPr>
+        </p:nvGraphicFramePr>
+        <p:xfrm>
+          <a:off x="1111624" y="2123686"/>
+          <a:ext cx="10040470" cy="3339156"/>
+        </p:xfrm>
+        <a:graphic>
+          <a:graphicData uri="http://schemas.openxmlformats.org/drawingml/2006/chart">
+            <c:chart xmlns:c="http://schemas.openxmlformats.org/drawingml/2006/chart" xmlns:r="http://schemas.openxmlformats.org/officeDocument/2006/relationships" r:id="rId2"/>
+          </a:graphicData>
+        </a:graphic>
+      </p:graphicFrame>
       <p:grpSp>
         <p:nvGrpSpPr>
           <p:cNvPr id="19" name="Agrupar 18">
@@ -13421,7 +13272,7 @@
         <p:spPr>
           <a:xfrm>
             <a:off x="994800" y="749401"/>
-            <a:ext cx="8579506" cy="923330"/>
+            <a:ext cx="8579506" cy="1415772"/>
           </a:xfrm>
           <a:prstGeom prst="rect">
             <a:avLst/>
@@ -13440,8 +13291,23 @@
                 <a:ea typeface="roboto" panose="020B0604020202020204" pitchFamily="2" charset="0"/>
                 <a:cs typeface="Segoe UI" panose="020B0502040204020203" pitchFamily="34" charset="0"/>
               </a:rPr>
-              <a:t>COMPARATIVO ORDENAÇÃO DECIL</a:t>
-            </a:r>
+              <a:t>COMPARATIVO ORDENAÇÃO DECIL </a:t>
+            </a:r>
+            <a:r>
+              <a:rPr lang="pt-BR" sz="2000" b="1" i="1" dirty="0">
+                <a:latin typeface="Segoe UI" panose="020B0502040204020203" pitchFamily="34" charset="0"/>
+                <a:ea typeface="roboto" panose="020B0604020202020204" pitchFamily="2" charset="0"/>
+                <a:cs typeface="Segoe UI" panose="020B0502040204020203" pitchFamily="34" charset="0"/>
+              </a:rPr>
+              <a:t>(TESTE)</a:t>
+            </a:r>
+          </a:p>
+          <a:p>
+            <a:endParaRPr lang="pt-BR" sz="3000" b="1" dirty="0">
+              <a:latin typeface="Segoe UI" panose="020B0502040204020203" pitchFamily="34" charset="0"/>
+              <a:ea typeface="roboto" panose="020B0604020202020204" pitchFamily="2" charset="0"/>
+              <a:cs typeface="Segoe UI" panose="020B0502040204020203" pitchFamily="34" charset="0"/>
+            </a:endParaRPr>
           </a:p>
           <a:p>
             <a:r>
@@ -13458,36 +13324,6 @@
           </a:p>
         </p:txBody>
       </p:sp>
-      <p:graphicFrame>
-        <p:nvGraphicFramePr>
-          <p:cNvPr id="8" name="Gráfico 7">
-            <a:extLst>
-              <a:ext uri="{FF2B5EF4-FFF2-40B4-BE49-F238E27FC236}">
-                <a16:creationId xmlns:a16="http://schemas.microsoft.com/office/drawing/2014/main" id="{A73531DA-B2B4-4BEE-8F6A-F50D17AEA9E5}"/>
-              </a:ext>
-            </a:extLst>
-          </p:cNvPr>
-          <p:cNvGraphicFramePr>
-            <a:graphicFrameLocks/>
-          </p:cNvGraphicFramePr>
-          <p:nvPr>
-            <p:extLst>
-              <p:ext uri="{D42A27DB-BD31-4B8C-83A1-F6EECF244321}">
-                <p14:modId xmlns:p14="http://schemas.microsoft.com/office/powerpoint/2010/main" val="1835067949"/>
-              </p:ext>
-            </p:extLst>
-          </p:nvPr>
-        </p:nvGraphicFramePr>
-        <p:xfrm>
-          <a:off x="1066800" y="1887069"/>
-          <a:ext cx="9941988" cy="3662083"/>
-        </p:xfrm>
-        <a:graphic>
-          <a:graphicData uri="http://schemas.openxmlformats.org/drawingml/2006/chart">
-            <c:chart xmlns:c="http://schemas.openxmlformats.org/drawingml/2006/chart" xmlns:r="http://schemas.openxmlformats.org/officeDocument/2006/relationships" r:id="rId2"/>
-          </a:graphicData>
-        </a:graphic>
-      </p:graphicFrame>
       <p:cxnSp>
         <p:nvCxnSpPr>
           <p:cNvPr id="9" name="Conector reto 8">
@@ -13899,10 +13735,10 @@
       </p:sp>
       <p:graphicFrame>
         <p:nvGraphicFramePr>
-          <p:cNvPr id="8" name="Gráfico 7">
+          <p:cNvPr id="9" name="Gráfico 8">
             <a:extLst>
               <a:ext uri="{FF2B5EF4-FFF2-40B4-BE49-F238E27FC236}">
-                <a16:creationId xmlns:a16="http://schemas.microsoft.com/office/drawing/2014/main" id="{15416500-FA58-45D0-A35C-98808B03529A}"/>
+                <a16:creationId xmlns:a16="http://schemas.microsoft.com/office/drawing/2014/main" id="{0A4B07B4-B268-41F5-9350-12D736A630E1}"/>
               </a:ext>
             </a:extLst>
           </p:cNvPr>
@@ -13912,14 +13748,14 @@
           <p:nvPr>
             <p:extLst>
               <p:ext uri="{D42A27DB-BD31-4B8C-83A1-F6EECF244321}">
-                <p14:modId xmlns:p14="http://schemas.microsoft.com/office/powerpoint/2010/main" val="1310185707"/>
+                <p14:modId xmlns:p14="http://schemas.microsoft.com/office/powerpoint/2010/main" val="1948230467"/>
               </p:ext>
             </p:extLst>
           </p:nvPr>
         </p:nvGraphicFramePr>
         <p:xfrm>
-          <a:off x="1109832" y="1976660"/>
-          <a:ext cx="10024334" cy="3439307"/>
+          <a:off x="1138517" y="1976717"/>
+          <a:ext cx="9977718" cy="3446871"/>
         </p:xfrm>
         <a:graphic>
           <a:graphicData uri="http://schemas.openxmlformats.org/drawingml/2006/chart">
@@ -14240,1918 +14076,6 @@
       </p:sp>
       <p:graphicFrame>
         <p:nvGraphicFramePr>
-          <p:cNvPr id="3" name="Tabela 2">
-            <a:extLst>
-              <a:ext uri="{FF2B5EF4-FFF2-40B4-BE49-F238E27FC236}">
-                <a16:creationId xmlns:a16="http://schemas.microsoft.com/office/drawing/2014/main" id="{278919BD-76A5-4009-A345-286690A8D697}"/>
-              </a:ext>
-            </a:extLst>
-          </p:cNvPr>
-          <p:cNvGraphicFramePr>
-            <a:graphicFrameLocks noGrp="1"/>
-          </p:cNvGraphicFramePr>
-          <p:nvPr>
-            <p:extLst>
-              <p:ext uri="{D42A27DB-BD31-4B8C-83A1-F6EECF244321}">
-                <p14:modId xmlns:p14="http://schemas.microsoft.com/office/powerpoint/2010/main" val="4222663158"/>
-              </p:ext>
-            </p:extLst>
-          </p:nvPr>
-        </p:nvGraphicFramePr>
-        <p:xfrm>
-          <a:off x="994800" y="2828327"/>
-          <a:ext cx="10919293" cy="2587640"/>
-        </p:xfrm>
-        <a:graphic>
-          <a:graphicData uri="http://schemas.openxmlformats.org/drawingml/2006/table">
-            <a:tbl>
-              <a:tblPr/>
-              <a:tblGrid>
-                <a:gridCol w="1318094">
-                  <a:extLst>
-                    <a:ext uri="{9D8B030D-6E8A-4147-A177-3AD203B41FA5}">
-                      <a16:colId xmlns:a16="http://schemas.microsoft.com/office/drawing/2014/main" val="3331550540"/>
-                    </a:ext>
-                  </a:extLst>
-                </a:gridCol>
-                <a:gridCol w="735106">
-                  <a:extLst>
-                    <a:ext uri="{9D8B030D-6E8A-4147-A177-3AD203B41FA5}">
-                      <a16:colId xmlns:a16="http://schemas.microsoft.com/office/drawing/2014/main" val="1522464304"/>
-                    </a:ext>
-                  </a:extLst>
-                </a:gridCol>
-                <a:gridCol w="1066800">
-                  <a:extLst>
-                    <a:ext uri="{9D8B030D-6E8A-4147-A177-3AD203B41FA5}">
-                      <a16:colId xmlns:a16="http://schemas.microsoft.com/office/drawing/2014/main" val="621407524"/>
-                    </a:ext>
-                  </a:extLst>
-                </a:gridCol>
-                <a:gridCol w="815788">
-                  <a:extLst>
-                    <a:ext uri="{9D8B030D-6E8A-4147-A177-3AD203B41FA5}">
-                      <a16:colId xmlns:a16="http://schemas.microsoft.com/office/drawing/2014/main" val="185506561"/>
-                    </a:ext>
-                  </a:extLst>
-                </a:gridCol>
-                <a:gridCol w="797859">
-                  <a:extLst>
-                    <a:ext uri="{9D8B030D-6E8A-4147-A177-3AD203B41FA5}">
-                      <a16:colId xmlns:a16="http://schemas.microsoft.com/office/drawing/2014/main" val="2516822715"/>
-                    </a:ext>
-                  </a:extLst>
-                </a:gridCol>
-                <a:gridCol w="770965">
-                  <a:extLst>
-                    <a:ext uri="{9D8B030D-6E8A-4147-A177-3AD203B41FA5}">
-                      <a16:colId xmlns:a16="http://schemas.microsoft.com/office/drawing/2014/main" val="3274214597"/>
-                    </a:ext>
-                  </a:extLst>
-                </a:gridCol>
-                <a:gridCol w="1512047">
-                  <a:extLst>
-                    <a:ext uri="{9D8B030D-6E8A-4147-A177-3AD203B41FA5}">
-                      <a16:colId xmlns:a16="http://schemas.microsoft.com/office/drawing/2014/main" val="4221717594"/>
-                    </a:ext>
-                  </a:extLst>
-                </a:gridCol>
-                <a:gridCol w="1512047">
-                  <a:extLst>
-                    <a:ext uri="{9D8B030D-6E8A-4147-A177-3AD203B41FA5}">
-                      <a16:colId xmlns:a16="http://schemas.microsoft.com/office/drawing/2014/main" val="3641666392"/>
-                    </a:ext>
-                  </a:extLst>
-                </a:gridCol>
-                <a:gridCol w="1512047">
-                  <a:extLst>
-                    <a:ext uri="{9D8B030D-6E8A-4147-A177-3AD203B41FA5}">
-                      <a16:colId xmlns:a16="http://schemas.microsoft.com/office/drawing/2014/main" val="1436624075"/>
-                    </a:ext>
-                  </a:extLst>
-                </a:gridCol>
-                <a:gridCol w="878540">
-                  <a:extLst>
-                    <a:ext uri="{9D8B030D-6E8A-4147-A177-3AD203B41FA5}">
-                      <a16:colId xmlns:a16="http://schemas.microsoft.com/office/drawing/2014/main" val="2972173191"/>
-                    </a:ext>
-                  </a:extLst>
-                </a:gridCol>
-              </a:tblGrid>
-              <a:tr h="517528">
-                <a:tc>
-                  <a:txBody>
-                    <a:bodyPr/>
-                    <a:lstStyle/>
-                    <a:p>
-                      <a:pPr algn="ctr" fontAlgn="ctr"/>
-                      <a:endParaRPr lang="pt-BR" sz="1200" b="0" i="0" u="none" strike="noStrike">
-                        <a:solidFill>
-                          <a:srgbClr val="000000"/>
-                        </a:solidFill>
-                        <a:effectLst/>
-                        <a:latin typeface="Calibri" panose="020F0502020204030204" pitchFamily="34" charset="0"/>
-                      </a:endParaRPr>
-                    </a:p>
-                  </a:txBody>
-                  <a:tcPr marL="6607" marR="6607" marT="26427" marB="26427" anchor="ctr">
-                    <a:lnL>
-                      <a:noFill/>
-                    </a:lnL>
-                    <a:lnR>
-                      <a:noFill/>
-                    </a:lnR>
-                    <a:lnT>
-                      <a:noFill/>
-                    </a:lnT>
-                    <a:lnB>
-                      <a:noFill/>
-                    </a:lnB>
-                  </a:tcPr>
-                </a:tc>
-                <a:tc>
-                  <a:txBody>
-                    <a:bodyPr/>
-                    <a:lstStyle/>
-                    <a:p>
-                      <a:pPr algn="ctr" fontAlgn="ctr"/>
-                      <a:r>
-                        <a:rPr lang="pt-BR" sz="1200" b="0" i="0" u="none" strike="noStrike" dirty="0">
-                          <a:solidFill>
-                            <a:srgbClr val="000000"/>
-                          </a:solidFill>
-                          <a:effectLst/>
-                          <a:latin typeface="Calibri" panose="020F0502020204030204" pitchFamily="34" charset="0"/>
-                        </a:rPr>
-                        <a:t>Volume público</a:t>
-                      </a:r>
-                    </a:p>
-                  </a:txBody>
-                  <a:tcPr marL="6607" marR="6607" marT="6607" marB="0" anchor="ctr">
-                    <a:lnL>
-                      <a:noFill/>
-                    </a:lnL>
-                    <a:lnR>
-                      <a:noFill/>
-                    </a:lnR>
-                    <a:lnT>
-                      <a:noFill/>
-                    </a:lnT>
-                    <a:lnB w="25400" cap="flat" cmpd="dbl" algn="ctr">
-                      <a:solidFill>
-                        <a:srgbClr val="000000"/>
-                      </a:solidFill>
-                      <a:prstDash val="solid"/>
-                      <a:round/>
-                      <a:headEnd type="none" w="med" len="med"/>
-                      <a:tailEnd type="none" w="med" len="med"/>
-                    </a:lnB>
-                  </a:tcPr>
-                </a:tc>
-                <a:tc>
-                  <a:txBody>
-                    <a:bodyPr/>
-                    <a:lstStyle/>
-                    <a:p>
-                      <a:pPr algn="ctr" fontAlgn="ctr"/>
-                      <a:r>
-                        <a:rPr lang="pt-BR" sz="1200" b="0" i="0" u="none" strike="noStrike">
-                          <a:solidFill>
-                            <a:srgbClr val="000000"/>
-                          </a:solidFill>
-                          <a:effectLst/>
-                          <a:latin typeface="Calibri" panose="020F0502020204030204" pitchFamily="34" charset="0"/>
-                        </a:rPr>
-                        <a:t>Volume púb. Aprovado</a:t>
-                      </a:r>
-                    </a:p>
-                  </a:txBody>
-                  <a:tcPr marL="6607" marR="6607" marT="6607" marB="0" anchor="ctr">
-                    <a:lnL>
-                      <a:noFill/>
-                    </a:lnL>
-                    <a:lnR>
-                      <a:noFill/>
-                    </a:lnR>
-                    <a:lnT>
-                      <a:noFill/>
-                    </a:lnT>
-                    <a:lnB w="25400" cap="flat" cmpd="dbl" algn="ctr">
-                      <a:solidFill>
-                        <a:srgbClr val="000000"/>
-                      </a:solidFill>
-                      <a:prstDash val="solid"/>
-                      <a:round/>
-                      <a:headEnd type="none" w="med" len="med"/>
-                      <a:tailEnd type="none" w="med" len="med"/>
-                    </a:lnB>
-                  </a:tcPr>
-                </a:tc>
-                <a:tc>
-                  <a:txBody>
-                    <a:bodyPr/>
-                    <a:lstStyle/>
-                    <a:p>
-                      <a:pPr algn="ctr" fontAlgn="ctr"/>
-                      <a:r>
-                        <a:rPr lang="pt-BR" sz="1200" b="0" i="0" u="none" strike="noStrike">
-                          <a:solidFill>
-                            <a:srgbClr val="000000"/>
-                          </a:solidFill>
-                          <a:effectLst/>
-                          <a:latin typeface="Calibri" panose="020F0502020204030204" pitchFamily="34" charset="0"/>
-                        </a:rPr>
-                        <a:t>Taxa de Aprov.</a:t>
-                      </a:r>
-                    </a:p>
-                  </a:txBody>
-                  <a:tcPr marL="6607" marR="6607" marT="6607" marB="0" anchor="ctr">
-                    <a:lnL>
-                      <a:noFill/>
-                    </a:lnL>
-                    <a:lnR>
-                      <a:noFill/>
-                    </a:lnR>
-                    <a:lnT>
-                      <a:noFill/>
-                    </a:lnT>
-                    <a:lnB w="25400" cap="flat" cmpd="dbl" algn="ctr">
-                      <a:solidFill>
-                        <a:srgbClr val="000000"/>
-                      </a:solidFill>
-                      <a:prstDash val="solid"/>
-                      <a:round/>
-                      <a:headEnd type="none" w="med" len="med"/>
-                      <a:tailEnd type="none" w="med" len="med"/>
-                    </a:lnB>
-                  </a:tcPr>
-                </a:tc>
-                <a:tc>
-                  <a:txBody>
-                    <a:bodyPr/>
-                    <a:lstStyle/>
-                    <a:p>
-                      <a:pPr algn="ctr" fontAlgn="ctr"/>
-                      <a:r>
-                        <a:rPr lang="pt-BR" sz="1200" b="0" i="0" u="none" strike="noStrike" dirty="0">
-                          <a:solidFill>
-                            <a:srgbClr val="000000"/>
-                          </a:solidFill>
-                          <a:effectLst/>
-                          <a:latin typeface="Calibri" panose="020F0502020204030204" pitchFamily="34" charset="0"/>
-                        </a:rPr>
-                        <a:t>Volume Maus</a:t>
-                      </a:r>
-                    </a:p>
-                  </a:txBody>
-                  <a:tcPr marL="6607" marR="6607" marT="6607" marB="0" anchor="ctr">
-                    <a:lnL>
-                      <a:noFill/>
-                    </a:lnL>
-                    <a:lnR>
-                      <a:noFill/>
-                    </a:lnR>
-                    <a:lnT>
-                      <a:noFill/>
-                    </a:lnT>
-                    <a:lnB w="25400" cap="flat" cmpd="dbl" algn="ctr">
-                      <a:solidFill>
-                        <a:srgbClr val="000000"/>
-                      </a:solidFill>
-                      <a:prstDash val="solid"/>
-                      <a:round/>
-                      <a:headEnd type="none" w="med" len="med"/>
-                      <a:tailEnd type="none" w="med" len="med"/>
-                    </a:lnB>
-                  </a:tcPr>
-                </a:tc>
-                <a:tc>
-                  <a:txBody>
-                    <a:bodyPr/>
-                    <a:lstStyle/>
-                    <a:p>
-                      <a:pPr algn="ctr" fontAlgn="ctr"/>
-                      <a:r>
-                        <a:rPr lang="pt-BR" sz="1200" b="0" i="0" u="none" strike="noStrike">
-                          <a:solidFill>
-                            <a:srgbClr val="000000"/>
-                          </a:solidFill>
-                          <a:effectLst/>
-                          <a:latin typeface="Calibri" panose="020F0502020204030204" pitchFamily="34" charset="0"/>
-                        </a:rPr>
-                        <a:t>Taxa de Maus</a:t>
-                      </a:r>
-                    </a:p>
-                  </a:txBody>
-                  <a:tcPr marL="6607" marR="6607" marT="6607" marB="0" anchor="ctr">
-                    <a:lnL>
-                      <a:noFill/>
-                    </a:lnL>
-                    <a:lnR>
-                      <a:noFill/>
-                    </a:lnR>
-                    <a:lnT>
-                      <a:noFill/>
-                    </a:lnT>
-                    <a:lnB w="25400" cap="flat" cmpd="dbl" algn="ctr">
-                      <a:solidFill>
-                        <a:srgbClr val="000000"/>
-                      </a:solidFill>
-                      <a:prstDash val="solid"/>
-                      <a:round/>
-                      <a:headEnd type="none" w="med" len="med"/>
-                      <a:tailEnd type="none" w="med" len="med"/>
-                    </a:lnB>
-                  </a:tcPr>
-                </a:tc>
-                <a:tc>
-                  <a:txBody>
-                    <a:bodyPr/>
-                    <a:lstStyle/>
-                    <a:p>
-                      <a:pPr algn="ctr" fontAlgn="ctr"/>
-                      <a:r>
-                        <a:rPr lang="pt-BR" sz="1200" b="0" i="0" u="none" strike="noStrike" dirty="0">
-                          <a:solidFill>
-                            <a:srgbClr val="000000"/>
-                          </a:solidFill>
-                          <a:effectLst/>
-                          <a:latin typeface="Calibri" panose="020F0502020204030204" pitchFamily="34" charset="0"/>
-                        </a:rPr>
-                        <a:t>Receita</a:t>
-                      </a:r>
-                    </a:p>
-                  </a:txBody>
-                  <a:tcPr marL="6607" marR="6607" marT="6607" marB="0" anchor="ctr">
-                    <a:lnL>
-                      <a:noFill/>
-                    </a:lnL>
-                    <a:lnR>
-                      <a:noFill/>
-                    </a:lnR>
-                    <a:lnT>
-                      <a:noFill/>
-                    </a:lnT>
-                    <a:lnB w="25400" cap="flat" cmpd="dbl" algn="ctr">
-                      <a:solidFill>
-                        <a:srgbClr val="000000"/>
-                      </a:solidFill>
-                      <a:prstDash val="solid"/>
-                      <a:round/>
-                      <a:headEnd type="none" w="med" len="med"/>
-                      <a:tailEnd type="none" w="med" len="med"/>
-                    </a:lnB>
-                  </a:tcPr>
-                </a:tc>
-                <a:tc>
-                  <a:txBody>
-                    <a:bodyPr/>
-                    <a:lstStyle/>
-                    <a:p>
-                      <a:pPr algn="ctr" fontAlgn="ctr"/>
-                      <a:r>
-                        <a:rPr lang="pt-BR" sz="1200" b="0" i="0" u="none" strike="noStrike" dirty="0">
-                          <a:solidFill>
-                            <a:srgbClr val="000000"/>
-                          </a:solidFill>
-                          <a:effectLst/>
-                          <a:latin typeface="Calibri" panose="020F0502020204030204" pitchFamily="34" charset="0"/>
-                        </a:rPr>
-                        <a:t>Perda </a:t>
-                      </a:r>
-                    </a:p>
-                  </a:txBody>
-                  <a:tcPr marL="6607" marR="6607" marT="6607" marB="0" anchor="ctr">
-                    <a:lnL>
-                      <a:noFill/>
-                    </a:lnL>
-                    <a:lnR>
-                      <a:noFill/>
-                    </a:lnR>
-                    <a:lnT>
-                      <a:noFill/>
-                    </a:lnT>
-                    <a:lnB w="25400" cap="flat" cmpd="dbl" algn="ctr">
-                      <a:solidFill>
-                        <a:srgbClr val="000000"/>
-                      </a:solidFill>
-                      <a:prstDash val="solid"/>
-                      <a:round/>
-                      <a:headEnd type="none" w="med" len="med"/>
-                      <a:tailEnd type="none" w="med" len="med"/>
-                    </a:lnB>
-                  </a:tcPr>
-                </a:tc>
-                <a:tc>
-                  <a:txBody>
-                    <a:bodyPr/>
-                    <a:lstStyle/>
-                    <a:p>
-                      <a:pPr algn="ctr" fontAlgn="ctr"/>
-                      <a:r>
-                        <a:rPr lang="pt-BR" sz="1200" b="0" i="0" u="none" strike="noStrike">
-                          <a:solidFill>
-                            <a:srgbClr val="000000"/>
-                          </a:solidFill>
-                          <a:effectLst/>
-                          <a:latin typeface="Calibri" panose="020F0502020204030204" pitchFamily="34" charset="0"/>
-                        </a:rPr>
-                        <a:t>Balanço</a:t>
-                      </a:r>
-                    </a:p>
-                  </a:txBody>
-                  <a:tcPr marL="6607" marR="6607" marT="6607" marB="0" anchor="ctr">
-                    <a:lnL>
-                      <a:noFill/>
-                    </a:lnL>
-                    <a:lnR>
-                      <a:noFill/>
-                    </a:lnR>
-                    <a:lnT>
-                      <a:noFill/>
-                    </a:lnT>
-                    <a:lnB w="25400" cap="flat" cmpd="dbl" algn="ctr">
-                      <a:solidFill>
-                        <a:srgbClr val="000000"/>
-                      </a:solidFill>
-                      <a:prstDash val="solid"/>
-                      <a:round/>
-                      <a:headEnd type="none" w="med" len="med"/>
-                      <a:tailEnd type="none" w="med" len="med"/>
-                    </a:lnB>
-                  </a:tcPr>
-                </a:tc>
-                <a:tc>
-                  <a:txBody>
-                    <a:bodyPr/>
-                    <a:lstStyle/>
-                    <a:p>
-                      <a:pPr algn="ctr" fontAlgn="ctr"/>
-                      <a:r>
-                        <a:rPr lang="pt-BR" sz="1200" b="0" i="0" u="none" strike="noStrike">
-                          <a:solidFill>
-                            <a:srgbClr val="000000"/>
-                          </a:solidFill>
-                          <a:effectLst/>
-                          <a:latin typeface="Calibri" panose="020F0502020204030204" pitchFamily="34" charset="0"/>
-                        </a:rPr>
-                        <a:t>% Ganho</a:t>
-                      </a:r>
-                    </a:p>
-                  </a:txBody>
-                  <a:tcPr marL="6607" marR="6607" marT="6607" marB="0" anchor="ctr">
-                    <a:lnL>
-                      <a:noFill/>
-                    </a:lnL>
-                    <a:lnR>
-                      <a:noFill/>
-                    </a:lnR>
-                    <a:lnT>
-                      <a:noFill/>
-                    </a:lnT>
-                    <a:lnB w="25400" cap="flat" cmpd="dbl" algn="ctr">
-                      <a:solidFill>
-                        <a:srgbClr val="000000"/>
-                      </a:solidFill>
-                      <a:prstDash val="solid"/>
-                      <a:round/>
-                      <a:headEnd type="none" w="med" len="med"/>
-                      <a:tailEnd type="none" w="med" len="med"/>
-                    </a:lnB>
-                  </a:tcPr>
-                </a:tc>
-                <a:extLst>
-                  <a:ext uri="{0D108BD9-81ED-4DB2-BD59-A6C34878D82A}">
-                    <a16:rowId xmlns:a16="http://schemas.microsoft.com/office/drawing/2014/main" val="4197264598"/>
-                  </a:ext>
-                </a:extLst>
-              </a:tr>
-              <a:tr h="517528">
-                <a:tc>
-                  <a:txBody>
-                    <a:bodyPr/>
-                    <a:lstStyle/>
-                    <a:p>
-                      <a:pPr algn="ctr" fontAlgn="ctr"/>
-                      <a:r>
-                        <a:rPr lang="pt-BR" sz="1200" b="0" i="0" u="none" strike="noStrike">
-                          <a:solidFill>
-                            <a:srgbClr val="000000"/>
-                          </a:solidFill>
-                          <a:effectLst/>
-                          <a:latin typeface="Calibri" panose="020F0502020204030204" pitchFamily="34" charset="0"/>
-                        </a:rPr>
-                        <a:t>Cenário Vigente</a:t>
-                      </a:r>
-                    </a:p>
-                  </a:txBody>
-                  <a:tcPr marL="6607" marR="6607" marT="6607" marB="0" anchor="ctr">
-                    <a:lnL>
-                      <a:noFill/>
-                    </a:lnL>
-                    <a:lnR>
-                      <a:noFill/>
-                    </a:lnR>
-                    <a:lnT>
-                      <a:noFill/>
-                    </a:lnT>
-                    <a:lnB>
-                      <a:noFill/>
-                    </a:lnB>
-                  </a:tcPr>
-                </a:tc>
-                <a:tc>
-                  <a:txBody>
-                    <a:bodyPr/>
-                    <a:lstStyle/>
-                    <a:p>
-                      <a:pPr algn="ctr" fontAlgn="ctr"/>
-                      <a:r>
-                        <a:rPr lang="pt-BR" sz="1200" b="0" i="0" u="none" strike="noStrike">
-                          <a:solidFill>
-                            <a:srgbClr val="000000"/>
-                          </a:solidFill>
-                          <a:effectLst/>
-                          <a:latin typeface="Calibri" panose="020F0502020204030204" pitchFamily="34" charset="0"/>
-                        </a:rPr>
-                        <a:t>                  64.578 </a:t>
-                      </a:r>
-                    </a:p>
-                  </a:txBody>
-                  <a:tcPr marL="6607" marR="6607" marT="6607" marB="0" anchor="ctr">
-                    <a:lnL>
-                      <a:noFill/>
-                    </a:lnL>
-                    <a:lnR>
-                      <a:noFill/>
-                    </a:lnR>
-                    <a:lnT w="25400" cap="flat" cmpd="dbl" algn="ctr">
-                      <a:solidFill>
-                        <a:srgbClr val="000000"/>
-                      </a:solidFill>
-                      <a:prstDash val="solid"/>
-                      <a:round/>
-                      <a:headEnd type="none" w="med" len="med"/>
-                      <a:tailEnd type="none" w="med" len="med"/>
-                    </a:lnT>
-                    <a:lnB>
-                      <a:noFill/>
-                    </a:lnB>
-                  </a:tcPr>
-                </a:tc>
-                <a:tc>
-                  <a:txBody>
-                    <a:bodyPr/>
-                    <a:lstStyle/>
-                    <a:p>
-                      <a:pPr algn="ctr" fontAlgn="ctr"/>
-                      <a:r>
-                        <a:rPr lang="pt-BR" sz="1200" b="0" i="0" u="none" strike="noStrike" dirty="0">
-                          <a:solidFill>
-                            <a:srgbClr val="000000"/>
-                          </a:solidFill>
-                          <a:effectLst/>
-                          <a:latin typeface="Calibri" panose="020F0502020204030204" pitchFamily="34" charset="0"/>
-                        </a:rPr>
-                        <a:t>                              64.578 </a:t>
-                      </a:r>
-                    </a:p>
-                  </a:txBody>
-                  <a:tcPr marL="6607" marR="6607" marT="6607" marB="0" anchor="ctr">
-                    <a:lnL>
-                      <a:noFill/>
-                    </a:lnL>
-                    <a:lnR>
-                      <a:noFill/>
-                    </a:lnR>
-                    <a:lnT w="25400" cap="flat" cmpd="dbl" algn="ctr">
-                      <a:solidFill>
-                        <a:srgbClr val="000000"/>
-                      </a:solidFill>
-                      <a:prstDash val="solid"/>
-                      <a:round/>
-                      <a:headEnd type="none" w="med" len="med"/>
-                      <a:tailEnd type="none" w="med" len="med"/>
-                    </a:lnT>
-                    <a:lnB>
-                      <a:noFill/>
-                    </a:lnB>
-                  </a:tcPr>
-                </a:tc>
-                <a:tc>
-                  <a:txBody>
-                    <a:bodyPr/>
-                    <a:lstStyle/>
-                    <a:p>
-                      <a:pPr algn="ctr" fontAlgn="ctr"/>
-                      <a:r>
-                        <a:rPr lang="pt-BR" sz="1200" b="0" i="0" u="none" strike="noStrike">
-                          <a:solidFill>
-                            <a:srgbClr val="000000"/>
-                          </a:solidFill>
-                          <a:effectLst/>
-                          <a:latin typeface="Calibri" panose="020F0502020204030204" pitchFamily="34" charset="0"/>
-                        </a:rPr>
-                        <a:t>100,0%</a:t>
-                      </a:r>
-                    </a:p>
-                  </a:txBody>
-                  <a:tcPr marL="6607" marR="6607" marT="6607" marB="0" anchor="ctr">
-                    <a:lnL>
-                      <a:noFill/>
-                    </a:lnL>
-                    <a:lnR>
-                      <a:noFill/>
-                    </a:lnR>
-                    <a:lnT w="25400" cap="flat" cmpd="dbl" algn="ctr">
-                      <a:solidFill>
-                        <a:srgbClr val="000000"/>
-                      </a:solidFill>
-                      <a:prstDash val="solid"/>
-                      <a:round/>
-                      <a:headEnd type="none" w="med" len="med"/>
-                      <a:tailEnd type="none" w="med" len="med"/>
-                    </a:lnT>
-                    <a:lnB>
-                      <a:noFill/>
-                    </a:lnB>
-                  </a:tcPr>
-                </a:tc>
-                <a:tc>
-                  <a:txBody>
-                    <a:bodyPr/>
-                    <a:lstStyle/>
-                    <a:p>
-                      <a:pPr algn="ctr" fontAlgn="ctr"/>
-                      <a:r>
-                        <a:rPr lang="pt-BR" sz="1200" b="0" i="0" u="none" strike="noStrike">
-                          <a:solidFill>
-                            <a:srgbClr val="000000"/>
-                          </a:solidFill>
-                          <a:effectLst/>
-                          <a:latin typeface="Calibri" panose="020F0502020204030204" pitchFamily="34" charset="0"/>
-                        </a:rPr>
-                        <a:t>                 5.221 </a:t>
-                      </a:r>
-                    </a:p>
-                  </a:txBody>
-                  <a:tcPr marL="6607" marR="6607" marT="6607" marB="0" anchor="ctr">
-                    <a:lnL>
-                      <a:noFill/>
-                    </a:lnL>
-                    <a:lnR>
-                      <a:noFill/>
-                    </a:lnR>
-                    <a:lnT w="25400" cap="flat" cmpd="dbl" algn="ctr">
-                      <a:solidFill>
-                        <a:srgbClr val="000000"/>
-                      </a:solidFill>
-                      <a:prstDash val="solid"/>
-                      <a:round/>
-                      <a:headEnd type="none" w="med" len="med"/>
-                      <a:tailEnd type="none" w="med" len="med"/>
-                    </a:lnT>
-                    <a:lnB>
-                      <a:noFill/>
-                    </a:lnB>
-                  </a:tcPr>
-                </a:tc>
-                <a:tc>
-                  <a:txBody>
-                    <a:bodyPr/>
-                    <a:lstStyle/>
-                    <a:p>
-                      <a:pPr algn="ctr" fontAlgn="ctr"/>
-                      <a:r>
-                        <a:rPr lang="pt-BR" sz="1200" b="0" i="0" u="none" strike="noStrike">
-                          <a:solidFill>
-                            <a:srgbClr val="000000"/>
-                          </a:solidFill>
-                          <a:effectLst/>
-                          <a:latin typeface="Calibri" panose="020F0502020204030204" pitchFamily="34" charset="0"/>
-                        </a:rPr>
-                        <a:t>8,1%</a:t>
-                      </a:r>
-                    </a:p>
-                  </a:txBody>
-                  <a:tcPr marL="6607" marR="6607" marT="6607" marB="0" anchor="ctr">
-                    <a:lnL>
-                      <a:noFill/>
-                    </a:lnL>
-                    <a:lnR>
-                      <a:noFill/>
-                    </a:lnR>
-                    <a:lnT w="25400" cap="flat" cmpd="dbl" algn="ctr">
-                      <a:solidFill>
-                        <a:srgbClr val="000000"/>
-                      </a:solidFill>
-                      <a:prstDash val="solid"/>
-                      <a:round/>
-                      <a:headEnd type="none" w="med" len="med"/>
-                      <a:tailEnd type="none" w="med" len="med"/>
-                    </a:lnT>
-                    <a:lnB>
-                      <a:noFill/>
-                    </a:lnB>
-                  </a:tcPr>
-                </a:tc>
-                <a:tc>
-                  <a:txBody>
-                    <a:bodyPr/>
-                    <a:lstStyle/>
-                    <a:p>
-                      <a:pPr algn="ctr" fontAlgn="ctr"/>
-                      <a:r>
-                        <a:rPr lang="pt-BR" sz="1200" b="0" i="0" u="none" strike="noStrike">
-                          <a:solidFill>
-                            <a:srgbClr val="000000"/>
-                          </a:solidFill>
-                          <a:effectLst/>
-                          <a:latin typeface="Calibri" panose="020F0502020204030204" pitchFamily="34" charset="0"/>
-                        </a:rPr>
-                        <a:t> $              9.457.891.932 </a:t>
-                      </a:r>
-                    </a:p>
-                  </a:txBody>
-                  <a:tcPr marL="6607" marR="6607" marT="6607" marB="0" anchor="ctr">
-                    <a:lnL>
-                      <a:noFill/>
-                    </a:lnL>
-                    <a:lnR>
-                      <a:noFill/>
-                    </a:lnR>
-                    <a:lnT w="25400" cap="flat" cmpd="dbl" algn="ctr">
-                      <a:solidFill>
-                        <a:srgbClr val="000000"/>
-                      </a:solidFill>
-                      <a:prstDash val="solid"/>
-                      <a:round/>
-                      <a:headEnd type="none" w="med" len="med"/>
-                      <a:tailEnd type="none" w="med" len="med"/>
-                    </a:lnT>
-                    <a:lnB>
-                      <a:noFill/>
-                    </a:lnB>
-                  </a:tcPr>
-                </a:tc>
-                <a:tc>
-                  <a:txBody>
-                    <a:bodyPr/>
-                    <a:lstStyle/>
-                    <a:p>
-                      <a:pPr algn="ctr" fontAlgn="ctr"/>
-                      <a:r>
-                        <a:rPr lang="pt-BR" sz="1200" b="0" i="0" u="none" strike="noStrike">
-                          <a:solidFill>
-                            <a:srgbClr val="000000"/>
-                          </a:solidFill>
-                          <a:effectLst/>
-                          <a:latin typeface="Calibri" panose="020F0502020204030204" pitchFamily="34" charset="0"/>
-                        </a:rPr>
-                        <a:t> $              3.129.969.657 </a:t>
-                      </a:r>
-                    </a:p>
-                  </a:txBody>
-                  <a:tcPr marL="6607" marR="6607" marT="6607" marB="0" anchor="ctr">
-                    <a:lnL>
-                      <a:noFill/>
-                    </a:lnL>
-                    <a:lnR>
-                      <a:noFill/>
-                    </a:lnR>
-                    <a:lnT w="25400" cap="flat" cmpd="dbl" algn="ctr">
-                      <a:solidFill>
-                        <a:srgbClr val="000000"/>
-                      </a:solidFill>
-                      <a:prstDash val="solid"/>
-                      <a:round/>
-                      <a:headEnd type="none" w="med" len="med"/>
-                      <a:tailEnd type="none" w="med" len="med"/>
-                    </a:lnT>
-                    <a:lnB>
-                      <a:noFill/>
-                    </a:lnB>
-                  </a:tcPr>
-                </a:tc>
-                <a:tc>
-                  <a:txBody>
-                    <a:bodyPr/>
-                    <a:lstStyle/>
-                    <a:p>
-                      <a:pPr algn="ctr" fontAlgn="ctr"/>
-                      <a:r>
-                        <a:rPr lang="pt-BR" sz="1200" b="0" i="0" u="none" strike="noStrike">
-                          <a:solidFill>
-                            <a:srgbClr val="000000"/>
-                          </a:solidFill>
-                          <a:effectLst/>
-                          <a:latin typeface="Calibri" panose="020F0502020204030204" pitchFamily="34" charset="0"/>
-                        </a:rPr>
-                        <a:t> $              6.327.922.275 </a:t>
-                      </a:r>
-                    </a:p>
-                  </a:txBody>
-                  <a:tcPr marL="6607" marR="6607" marT="6607" marB="0" anchor="ctr">
-                    <a:lnL>
-                      <a:noFill/>
-                    </a:lnL>
-                    <a:lnR>
-                      <a:noFill/>
-                    </a:lnR>
-                    <a:lnT w="25400" cap="flat" cmpd="dbl" algn="ctr">
-                      <a:solidFill>
-                        <a:srgbClr val="000000"/>
-                      </a:solidFill>
-                      <a:prstDash val="solid"/>
-                      <a:round/>
-                      <a:headEnd type="none" w="med" len="med"/>
-                      <a:tailEnd type="none" w="med" len="med"/>
-                    </a:lnT>
-                    <a:lnB>
-                      <a:noFill/>
-                    </a:lnB>
-                  </a:tcPr>
-                </a:tc>
-                <a:tc>
-                  <a:txBody>
-                    <a:bodyPr/>
-                    <a:lstStyle/>
-                    <a:p>
-                      <a:pPr algn="ctr" fontAlgn="ctr"/>
-                      <a:r>
-                        <a:rPr lang="pt-BR" sz="1200" b="0" i="0" u="none" strike="noStrike">
-                          <a:solidFill>
-                            <a:srgbClr val="000000"/>
-                          </a:solidFill>
-                          <a:effectLst/>
-                          <a:latin typeface="Calibri" panose="020F0502020204030204" pitchFamily="34" charset="0"/>
-                        </a:rPr>
-                        <a:t>0%</a:t>
-                      </a:r>
-                    </a:p>
-                  </a:txBody>
-                  <a:tcPr marL="6607" marR="6607" marT="6607" marB="0" anchor="ctr">
-                    <a:lnL>
-                      <a:noFill/>
-                    </a:lnL>
-                    <a:lnR>
-                      <a:noFill/>
-                    </a:lnR>
-                    <a:lnT w="25400" cap="flat" cmpd="dbl" algn="ctr">
-                      <a:solidFill>
-                        <a:srgbClr val="000000"/>
-                      </a:solidFill>
-                      <a:prstDash val="solid"/>
-                      <a:round/>
-                      <a:headEnd type="none" w="med" len="med"/>
-                      <a:tailEnd type="none" w="med" len="med"/>
-                    </a:lnT>
-                    <a:lnB>
-                      <a:noFill/>
-                    </a:lnB>
-                  </a:tcPr>
-                </a:tc>
-                <a:extLst>
-                  <a:ext uri="{0D108BD9-81ED-4DB2-BD59-A6C34878D82A}">
-                    <a16:rowId xmlns:a16="http://schemas.microsoft.com/office/drawing/2014/main" val="393922427"/>
-                  </a:ext>
-                </a:extLst>
-              </a:tr>
-              <a:tr h="517528">
-                <a:tc>
-                  <a:txBody>
-                    <a:bodyPr/>
-                    <a:lstStyle/>
-                    <a:p>
-                      <a:pPr algn="ctr" fontAlgn="ctr"/>
-                      <a:r>
-                        <a:rPr lang="pt-BR" sz="1200" b="0" i="0" u="none" strike="noStrike">
-                          <a:solidFill>
-                            <a:srgbClr val="000000"/>
-                          </a:solidFill>
-                          <a:effectLst/>
-                          <a:latin typeface="Calibri" panose="020F0502020204030204" pitchFamily="34" charset="0"/>
-                        </a:rPr>
-                        <a:t>Regressão Logística</a:t>
-                      </a:r>
-                    </a:p>
-                  </a:txBody>
-                  <a:tcPr marL="6607" marR="6607" marT="6607" marB="0" anchor="ctr">
-                    <a:lnL>
-                      <a:noFill/>
-                    </a:lnL>
-                    <a:lnR>
-                      <a:noFill/>
-                    </a:lnR>
-                    <a:lnT>
-                      <a:noFill/>
-                    </a:lnT>
-                    <a:lnB>
-                      <a:noFill/>
-                    </a:lnB>
-                  </a:tcPr>
-                </a:tc>
-                <a:tc>
-                  <a:txBody>
-                    <a:bodyPr/>
-                    <a:lstStyle/>
-                    <a:p>
-                      <a:pPr algn="ctr" fontAlgn="ctr"/>
-                      <a:r>
-                        <a:rPr lang="pt-BR" sz="1200" b="0" i="0" u="none" strike="noStrike">
-                          <a:solidFill>
-                            <a:srgbClr val="000000"/>
-                          </a:solidFill>
-                          <a:effectLst/>
-                          <a:latin typeface="Calibri" panose="020F0502020204030204" pitchFamily="34" charset="0"/>
-                        </a:rPr>
-                        <a:t>                  64.578 </a:t>
-                      </a:r>
-                    </a:p>
-                  </a:txBody>
-                  <a:tcPr marL="6607" marR="6607" marT="6607" marB="0" anchor="ctr">
-                    <a:lnL>
-                      <a:noFill/>
-                    </a:lnL>
-                    <a:lnR>
-                      <a:noFill/>
-                    </a:lnR>
-                    <a:lnT>
-                      <a:noFill/>
-                    </a:lnT>
-                    <a:lnB>
-                      <a:noFill/>
-                    </a:lnB>
-                  </a:tcPr>
-                </a:tc>
-                <a:tc>
-                  <a:txBody>
-                    <a:bodyPr/>
-                    <a:lstStyle/>
-                    <a:p>
-                      <a:pPr algn="ctr" fontAlgn="ctr"/>
-                      <a:r>
-                        <a:rPr lang="pt-BR" sz="1200" b="0" i="0" u="none" strike="noStrike">
-                          <a:solidFill>
-                            <a:srgbClr val="000000"/>
-                          </a:solidFill>
-                          <a:effectLst/>
-                          <a:latin typeface="Calibri" panose="020F0502020204030204" pitchFamily="34" charset="0"/>
-                        </a:rPr>
-                        <a:t>                              60.540 </a:t>
-                      </a:r>
-                    </a:p>
-                  </a:txBody>
-                  <a:tcPr marL="6607" marR="6607" marT="6607" marB="0" anchor="ctr">
-                    <a:lnL>
-                      <a:noFill/>
-                    </a:lnL>
-                    <a:lnR>
-                      <a:noFill/>
-                    </a:lnR>
-                    <a:lnT>
-                      <a:noFill/>
-                    </a:lnT>
-                    <a:lnB>
-                      <a:noFill/>
-                    </a:lnB>
-                    <a:solidFill>
-                      <a:srgbClr val="D9E1F2"/>
-                    </a:solidFill>
-                  </a:tcPr>
-                </a:tc>
-                <a:tc>
-                  <a:txBody>
-                    <a:bodyPr/>
-                    <a:lstStyle/>
-                    <a:p>
-                      <a:pPr algn="ctr" fontAlgn="ctr"/>
-                      <a:r>
-                        <a:rPr lang="pt-BR" sz="1200" b="0" i="0" u="none" strike="noStrike">
-                          <a:solidFill>
-                            <a:srgbClr val="000000"/>
-                          </a:solidFill>
-                          <a:effectLst/>
-                          <a:latin typeface="Calibri" panose="020F0502020204030204" pitchFamily="34" charset="0"/>
-                        </a:rPr>
-                        <a:t>93,7%</a:t>
-                      </a:r>
-                    </a:p>
-                  </a:txBody>
-                  <a:tcPr marL="6607" marR="6607" marT="6607" marB="0" anchor="ctr">
-                    <a:lnL>
-                      <a:noFill/>
-                    </a:lnL>
-                    <a:lnR>
-                      <a:noFill/>
-                    </a:lnR>
-                    <a:lnT>
-                      <a:noFill/>
-                    </a:lnT>
-                    <a:lnB>
-                      <a:noFill/>
-                    </a:lnB>
-                  </a:tcPr>
-                </a:tc>
-                <a:tc>
-                  <a:txBody>
-                    <a:bodyPr/>
-                    <a:lstStyle/>
-                    <a:p>
-                      <a:pPr algn="ctr" fontAlgn="ctr"/>
-                      <a:r>
-                        <a:rPr lang="pt-BR" sz="1200" b="0" i="0" u="none" strike="noStrike">
-                          <a:solidFill>
-                            <a:srgbClr val="000000"/>
-                          </a:solidFill>
-                          <a:effectLst/>
-                          <a:latin typeface="Calibri" panose="020F0502020204030204" pitchFamily="34" charset="0"/>
-                        </a:rPr>
-                        <a:t>                 4.138 </a:t>
-                      </a:r>
-                    </a:p>
-                  </a:txBody>
-                  <a:tcPr marL="6607" marR="6607" marT="6607" marB="0" anchor="ctr">
-                    <a:lnL>
-                      <a:noFill/>
-                    </a:lnL>
-                    <a:lnR>
-                      <a:noFill/>
-                    </a:lnR>
-                    <a:lnT>
-                      <a:noFill/>
-                    </a:lnT>
-                    <a:lnB>
-                      <a:noFill/>
-                    </a:lnB>
-                    <a:solidFill>
-                      <a:srgbClr val="D9E1F2"/>
-                    </a:solidFill>
-                  </a:tcPr>
-                </a:tc>
-                <a:tc>
-                  <a:txBody>
-                    <a:bodyPr/>
-                    <a:lstStyle/>
-                    <a:p>
-                      <a:pPr algn="ctr" fontAlgn="ctr"/>
-                      <a:r>
-                        <a:rPr lang="pt-BR" sz="1200" b="0" i="0" u="none" strike="noStrike">
-                          <a:solidFill>
-                            <a:srgbClr val="000000"/>
-                          </a:solidFill>
-                          <a:effectLst/>
-                          <a:latin typeface="Calibri" panose="020F0502020204030204" pitchFamily="34" charset="0"/>
-                        </a:rPr>
-                        <a:t>6,8%</a:t>
-                      </a:r>
-                    </a:p>
-                  </a:txBody>
-                  <a:tcPr marL="6607" marR="6607" marT="6607" marB="0" anchor="ctr">
-                    <a:lnL>
-                      <a:noFill/>
-                    </a:lnL>
-                    <a:lnR>
-                      <a:noFill/>
-                    </a:lnR>
-                    <a:lnT>
-                      <a:noFill/>
-                    </a:lnT>
-                    <a:lnB>
-                      <a:noFill/>
-                    </a:lnB>
-                  </a:tcPr>
-                </a:tc>
-                <a:tc>
-                  <a:txBody>
-                    <a:bodyPr/>
-                    <a:lstStyle/>
-                    <a:p>
-                      <a:pPr algn="ctr" fontAlgn="ctr"/>
-                      <a:r>
-                        <a:rPr lang="pt-BR" sz="1200" b="0" i="0" u="none" strike="noStrike">
-                          <a:solidFill>
-                            <a:srgbClr val="000000"/>
-                          </a:solidFill>
-                          <a:effectLst/>
-                          <a:latin typeface="Calibri" panose="020F0502020204030204" pitchFamily="34" charset="0"/>
-                        </a:rPr>
-                        <a:t> $              8.866.499.079 </a:t>
-                      </a:r>
-                    </a:p>
-                  </a:txBody>
-                  <a:tcPr marL="6607" marR="6607" marT="6607" marB="0" anchor="ctr">
-                    <a:lnL>
-                      <a:noFill/>
-                    </a:lnL>
-                    <a:lnR>
-                      <a:noFill/>
-                    </a:lnR>
-                    <a:lnT>
-                      <a:noFill/>
-                    </a:lnT>
-                    <a:lnB>
-                      <a:noFill/>
-                    </a:lnB>
-                  </a:tcPr>
-                </a:tc>
-                <a:tc>
-                  <a:txBody>
-                    <a:bodyPr/>
-                    <a:lstStyle/>
-                    <a:p>
-                      <a:pPr algn="ctr" fontAlgn="ctr"/>
-                      <a:r>
-                        <a:rPr lang="pt-BR" sz="1200" b="0" i="0" u="none" strike="noStrike">
-                          <a:solidFill>
-                            <a:srgbClr val="000000"/>
-                          </a:solidFill>
-                          <a:effectLst/>
-                          <a:latin typeface="Calibri" panose="020F0502020204030204" pitchFamily="34" charset="0"/>
-                        </a:rPr>
-                        <a:t> $              2.480.715.683 </a:t>
-                      </a:r>
-                    </a:p>
-                  </a:txBody>
-                  <a:tcPr marL="6607" marR="6607" marT="6607" marB="0" anchor="ctr">
-                    <a:lnL>
-                      <a:noFill/>
-                    </a:lnL>
-                    <a:lnR>
-                      <a:noFill/>
-                    </a:lnR>
-                    <a:lnT>
-                      <a:noFill/>
-                    </a:lnT>
-                    <a:lnB>
-                      <a:noFill/>
-                    </a:lnB>
-                  </a:tcPr>
-                </a:tc>
-                <a:tc>
-                  <a:txBody>
-                    <a:bodyPr/>
-                    <a:lstStyle/>
-                    <a:p>
-                      <a:pPr algn="ctr" fontAlgn="ctr"/>
-                      <a:r>
-                        <a:rPr lang="pt-BR" sz="1200" b="0" i="0" u="none" strike="noStrike">
-                          <a:solidFill>
-                            <a:srgbClr val="000000"/>
-                          </a:solidFill>
-                          <a:effectLst/>
-                          <a:latin typeface="Calibri" panose="020F0502020204030204" pitchFamily="34" charset="0"/>
-                        </a:rPr>
-                        <a:t> $              6.385.783.396 </a:t>
-                      </a:r>
-                    </a:p>
-                  </a:txBody>
-                  <a:tcPr marL="6607" marR="6607" marT="6607" marB="0" anchor="ctr">
-                    <a:lnL>
-                      <a:noFill/>
-                    </a:lnL>
-                    <a:lnR>
-                      <a:noFill/>
-                    </a:lnR>
-                    <a:lnT>
-                      <a:noFill/>
-                    </a:lnT>
-                    <a:lnB>
-                      <a:noFill/>
-                    </a:lnB>
-                  </a:tcPr>
-                </a:tc>
-                <a:tc>
-                  <a:txBody>
-                    <a:bodyPr/>
-                    <a:lstStyle/>
-                    <a:p>
-                      <a:pPr algn="ctr" fontAlgn="ctr"/>
-                      <a:r>
-                        <a:rPr lang="pt-BR" sz="1200" b="0" i="0" u="none" strike="noStrike">
-                          <a:solidFill>
-                            <a:srgbClr val="000000"/>
-                          </a:solidFill>
-                          <a:effectLst/>
-                          <a:latin typeface="Calibri" panose="020F0502020204030204" pitchFamily="34" charset="0"/>
-                        </a:rPr>
-                        <a:t>0,91%</a:t>
-                      </a:r>
-                    </a:p>
-                  </a:txBody>
-                  <a:tcPr marL="6607" marR="6607" marT="6607" marB="0" anchor="ctr">
-                    <a:lnL>
-                      <a:noFill/>
-                    </a:lnL>
-                    <a:lnR>
-                      <a:noFill/>
-                    </a:lnR>
-                    <a:lnT>
-                      <a:noFill/>
-                    </a:lnT>
-                    <a:lnB>
-                      <a:noFill/>
-                    </a:lnB>
-                  </a:tcPr>
-                </a:tc>
-                <a:extLst>
-                  <a:ext uri="{0D108BD9-81ED-4DB2-BD59-A6C34878D82A}">
-                    <a16:rowId xmlns:a16="http://schemas.microsoft.com/office/drawing/2014/main" val="315391136"/>
-                  </a:ext>
-                </a:extLst>
-              </a:tr>
-              <a:tr h="517528">
-                <a:tc>
-                  <a:txBody>
-                    <a:bodyPr/>
-                    <a:lstStyle/>
-                    <a:p>
-                      <a:pPr algn="ctr" fontAlgn="ctr"/>
-                      <a:r>
-                        <a:rPr lang="pt-BR" sz="1200" b="0" i="0" u="none" strike="noStrike">
-                          <a:solidFill>
-                            <a:srgbClr val="000000"/>
-                          </a:solidFill>
-                          <a:effectLst/>
-                          <a:latin typeface="Calibri" panose="020F0502020204030204" pitchFamily="34" charset="0"/>
-                        </a:rPr>
-                        <a:t>Light GBM</a:t>
-                      </a:r>
-                    </a:p>
-                  </a:txBody>
-                  <a:tcPr marL="6607" marR="6607" marT="6607" marB="0" anchor="ctr">
-                    <a:lnL>
-                      <a:noFill/>
-                    </a:lnL>
-                    <a:lnR>
-                      <a:noFill/>
-                    </a:lnR>
-                    <a:lnT>
-                      <a:noFill/>
-                    </a:lnT>
-                    <a:lnB>
-                      <a:noFill/>
-                    </a:lnB>
-                  </a:tcPr>
-                </a:tc>
-                <a:tc>
-                  <a:txBody>
-                    <a:bodyPr/>
-                    <a:lstStyle/>
-                    <a:p>
-                      <a:pPr algn="ctr" fontAlgn="ctr"/>
-                      <a:r>
-                        <a:rPr lang="pt-BR" sz="1200" b="0" i="0" u="none" strike="noStrike">
-                          <a:solidFill>
-                            <a:srgbClr val="000000"/>
-                          </a:solidFill>
-                          <a:effectLst/>
-                          <a:latin typeface="Calibri" panose="020F0502020204030204" pitchFamily="34" charset="0"/>
-                        </a:rPr>
-                        <a:t>                  64.578 </a:t>
-                      </a:r>
-                    </a:p>
-                  </a:txBody>
-                  <a:tcPr marL="6607" marR="6607" marT="6607" marB="0" anchor="ctr">
-                    <a:lnL>
-                      <a:noFill/>
-                    </a:lnL>
-                    <a:lnR>
-                      <a:noFill/>
-                    </a:lnR>
-                    <a:lnT>
-                      <a:noFill/>
-                    </a:lnT>
-                    <a:lnB>
-                      <a:noFill/>
-                    </a:lnB>
-                  </a:tcPr>
-                </a:tc>
-                <a:tc>
-                  <a:txBody>
-                    <a:bodyPr/>
-                    <a:lstStyle/>
-                    <a:p>
-                      <a:pPr algn="ctr" fontAlgn="ctr"/>
-                      <a:r>
-                        <a:rPr lang="pt-BR" sz="1200" b="0" i="0" u="none" strike="noStrike">
-                          <a:solidFill>
-                            <a:srgbClr val="000000"/>
-                          </a:solidFill>
-                          <a:effectLst/>
-                          <a:latin typeface="Calibri" panose="020F0502020204030204" pitchFamily="34" charset="0"/>
-                        </a:rPr>
-                        <a:t>                              60.541 </a:t>
-                      </a:r>
-                    </a:p>
-                  </a:txBody>
-                  <a:tcPr marL="6607" marR="6607" marT="6607" marB="0" anchor="ctr">
-                    <a:lnL>
-                      <a:noFill/>
-                    </a:lnL>
-                    <a:lnR>
-                      <a:noFill/>
-                    </a:lnR>
-                    <a:lnT>
-                      <a:noFill/>
-                    </a:lnT>
-                    <a:lnB>
-                      <a:noFill/>
-                    </a:lnB>
-                    <a:solidFill>
-                      <a:srgbClr val="D9E1F2"/>
-                    </a:solidFill>
-                  </a:tcPr>
-                </a:tc>
-                <a:tc>
-                  <a:txBody>
-                    <a:bodyPr/>
-                    <a:lstStyle/>
-                    <a:p>
-                      <a:pPr algn="ctr" fontAlgn="ctr"/>
-                      <a:r>
-                        <a:rPr lang="pt-BR" sz="1200" b="0" i="0" u="none" strike="noStrike">
-                          <a:solidFill>
-                            <a:srgbClr val="000000"/>
-                          </a:solidFill>
-                          <a:effectLst/>
-                          <a:latin typeface="Calibri" panose="020F0502020204030204" pitchFamily="34" charset="0"/>
-                        </a:rPr>
-                        <a:t>93,7%</a:t>
-                      </a:r>
-                    </a:p>
-                  </a:txBody>
-                  <a:tcPr marL="6607" marR="6607" marT="6607" marB="0" anchor="ctr">
-                    <a:lnL>
-                      <a:noFill/>
-                    </a:lnL>
-                    <a:lnR>
-                      <a:noFill/>
-                    </a:lnR>
-                    <a:lnT>
-                      <a:noFill/>
-                    </a:lnT>
-                    <a:lnB>
-                      <a:noFill/>
-                    </a:lnB>
-                  </a:tcPr>
-                </a:tc>
-                <a:tc>
-                  <a:txBody>
-                    <a:bodyPr/>
-                    <a:lstStyle/>
-                    <a:p>
-                      <a:pPr algn="ctr" fontAlgn="ctr"/>
-                      <a:r>
-                        <a:rPr lang="pt-BR" sz="1200" b="0" i="0" u="none" strike="noStrike">
-                          <a:solidFill>
-                            <a:srgbClr val="000000"/>
-                          </a:solidFill>
-                          <a:effectLst/>
-                          <a:latin typeface="Calibri" panose="020F0502020204030204" pitchFamily="34" charset="0"/>
-                        </a:rPr>
-                        <a:t>                 4.022 </a:t>
-                      </a:r>
-                    </a:p>
-                  </a:txBody>
-                  <a:tcPr marL="6607" marR="6607" marT="6607" marB="0" anchor="ctr">
-                    <a:lnL>
-                      <a:noFill/>
-                    </a:lnL>
-                    <a:lnR>
-                      <a:noFill/>
-                    </a:lnR>
-                    <a:lnT>
-                      <a:noFill/>
-                    </a:lnT>
-                    <a:lnB>
-                      <a:noFill/>
-                    </a:lnB>
-                    <a:solidFill>
-                      <a:srgbClr val="D9E1F2"/>
-                    </a:solidFill>
-                  </a:tcPr>
-                </a:tc>
-                <a:tc>
-                  <a:txBody>
-                    <a:bodyPr/>
-                    <a:lstStyle/>
-                    <a:p>
-                      <a:pPr algn="ctr" fontAlgn="ctr"/>
-                      <a:r>
-                        <a:rPr lang="pt-BR" sz="1200" b="0" i="0" u="none" strike="noStrike">
-                          <a:solidFill>
-                            <a:srgbClr val="000000"/>
-                          </a:solidFill>
-                          <a:effectLst/>
-                          <a:latin typeface="Calibri" panose="020F0502020204030204" pitchFamily="34" charset="0"/>
-                        </a:rPr>
-                        <a:t>6,6%</a:t>
-                      </a:r>
-                    </a:p>
-                  </a:txBody>
-                  <a:tcPr marL="6607" marR="6607" marT="6607" marB="0" anchor="ctr">
-                    <a:lnL>
-                      <a:noFill/>
-                    </a:lnL>
-                    <a:lnR>
-                      <a:noFill/>
-                    </a:lnR>
-                    <a:lnT>
-                      <a:noFill/>
-                    </a:lnT>
-                    <a:lnB>
-                      <a:noFill/>
-                    </a:lnB>
-                  </a:tcPr>
-                </a:tc>
-                <a:tc>
-                  <a:txBody>
-                    <a:bodyPr/>
-                    <a:lstStyle/>
-                    <a:p>
-                      <a:pPr algn="ctr" fontAlgn="ctr"/>
-                      <a:r>
-                        <a:rPr lang="pt-BR" sz="1200" b="0" i="0" u="none" strike="noStrike">
-                          <a:solidFill>
-                            <a:srgbClr val="000000"/>
-                          </a:solidFill>
-                          <a:effectLst/>
-                          <a:latin typeface="Calibri" panose="020F0502020204030204" pitchFamily="34" charset="0"/>
-                        </a:rPr>
-                        <a:t> $              8.866.645.536 </a:t>
-                      </a:r>
-                    </a:p>
-                  </a:txBody>
-                  <a:tcPr marL="6607" marR="6607" marT="6607" marB="0" anchor="ctr">
-                    <a:lnL>
-                      <a:noFill/>
-                    </a:lnL>
-                    <a:lnR>
-                      <a:noFill/>
-                    </a:lnR>
-                    <a:lnT>
-                      <a:noFill/>
-                    </a:lnT>
-                    <a:lnB>
-                      <a:noFill/>
-                    </a:lnB>
-                  </a:tcPr>
-                </a:tc>
-                <a:tc>
-                  <a:txBody>
-                    <a:bodyPr/>
-                    <a:lstStyle/>
-                    <a:p>
-                      <a:pPr algn="ctr" fontAlgn="ctr"/>
-                      <a:r>
-                        <a:rPr lang="pt-BR" sz="1200" b="0" i="0" u="none" strike="noStrike" dirty="0">
-                          <a:solidFill>
-                            <a:srgbClr val="000000"/>
-                          </a:solidFill>
-                          <a:effectLst/>
-                          <a:latin typeface="Calibri" panose="020F0502020204030204" pitchFamily="34" charset="0"/>
-                        </a:rPr>
-                        <a:t> $              2.411.170.233 </a:t>
-                      </a:r>
-                    </a:p>
-                  </a:txBody>
-                  <a:tcPr marL="6607" marR="6607" marT="6607" marB="0" anchor="ctr">
-                    <a:lnL>
-                      <a:noFill/>
-                    </a:lnL>
-                    <a:lnR>
-                      <a:noFill/>
-                    </a:lnR>
-                    <a:lnT>
-                      <a:noFill/>
-                    </a:lnT>
-                    <a:lnB>
-                      <a:noFill/>
-                    </a:lnB>
-                  </a:tcPr>
-                </a:tc>
-                <a:tc>
-                  <a:txBody>
-                    <a:bodyPr/>
-                    <a:lstStyle/>
-                    <a:p>
-                      <a:pPr algn="ctr" fontAlgn="ctr"/>
-                      <a:r>
-                        <a:rPr lang="pt-BR" sz="1200" b="0" i="0" u="none" strike="noStrike">
-                          <a:solidFill>
-                            <a:srgbClr val="000000"/>
-                          </a:solidFill>
-                          <a:effectLst/>
-                          <a:latin typeface="Calibri" panose="020F0502020204030204" pitchFamily="34" charset="0"/>
-                        </a:rPr>
-                        <a:t> $              6.455.475.303 </a:t>
-                      </a:r>
-                    </a:p>
-                  </a:txBody>
-                  <a:tcPr marL="6607" marR="6607" marT="6607" marB="0" anchor="ctr">
-                    <a:lnL>
-                      <a:noFill/>
-                    </a:lnL>
-                    <a:lnR>
-                      <a:noFill/>
-                    </a:lnR>
-                    <a:lnT>
-                      <a:noFill/>
-                    </a:lnT>
-                    <a:lnB>
-                      <a:noFill/>
-                    </a:lnB>
-                  </a:tcPr>
-                </a:tc>
-                <a:tc>
-                  <a:txBody>
-                    <a:bodyPr/>
-                    <a:lstStyle/>
-                    <a:p>
-                      <a:pPr algn="ctr" fontAlgn="ctr"/>
-                      <a:r>
-                        <a:rPr lang="pt-BR" sz="1200" b="0" i="0" u="none" strike="noStrike">
-                          <a:solidFill>
-                            <a:srgbClr val="000000"/>
-                          </a:solidFill>
-                          <a:effectLst/>
-                          <a:latin typeface="Calibri" panose="020F0502020204030204" pitchFamily="34" charset="0"/>
-                        </a:rPr>
-                        <a:t>2,02%</a:t>
-                      </a:r>
-                    </a:p>
-                  </a:txBody>
-                  <a:tcPr marL="6607" marR="6607" marT="6607" marB="0" anchor="ctr">
-                    <a:lnL>
-                      <a:noFill/>
-                    </a:lnL>
-                    <a:lnR>
-                      <a:noFill/>
-                    </a:lnR>
-                    <a:lnT>
-                      <a:noFill/>
-                    </a:lnT>
-                    <a:lnB>
-                      <a:noFill/>
-                    </a:lnB>
-                  </a:tcPr>
-                </a:tc>
-                <a:extLst>
-                  <a:ext uri="{0D108BD9-81ED-4DB2-BD59-A6C34878D82A}">
-                    <a16:rowId xmlns:a16="http://schemas.microsoft.com/office/drawing/2014/main" val="1981120167"/>
-                  </a:ext>
-                </a:extLst>
-              </a:tr>
-              <a:tr h="517528">
-                <a:tc>
-                  <a:txBody>
-                    <a:bodyPr/>
-                    <a:lstStyle/>
-                    <a:p>
-                      <a:pPr algn="ctr" fontAlgn="ctr"/>
-                      <a:r>
-                        <a:rPr lang="pt-BR" sz="1200" b="1" i="0" u="none" strike="noStrike">
-                          <a:solidFill>
-                            <a:srgbClr val="000000"/>
-                          </a:solidFill>
-                          <a:effectLst/>
-                          <a:latin typeface="Calibri" panose="020F0502020204030204" pitchFamily="34" charset="0"/>
-                        </a:rPr>
-                        <a:t>Light GBM x Cenário Vigente</a:t>
-                      </a:r>
-                    </a:p>
-                  </a:txBody>
-                  <a:tcPr marL="6607" marR="6607" marT="6607" marB="0" anchor="ctr">
-                    <a:lnL>
-                      <a:noFill/>
-                    </a:lnL>
-                    <a:lnR>
-                      <a:noFill/>
-                    </a:lnR>
-                    <a:lnT>
-                      <a:noFill/>
-                    </a:lnT>
-                    <a:lnB>
-                      <a:noFill/>
-                    </a:lnB>
-                  </a:tcPr>
-                </a:tc>
-                <a:tc>
-                  <a:txBody>
-                    <a:bodyPr/>
-                    <a:lstStyle/>
-                    <a:p>
-                      <a:pPr algn="ctr" fontAlgn="ctr"/>
-                      <a:r>
-                        <a:rPr lang="pt-BR" sz="1200" b="0" i="0" u="none" strike="noStrike" dirty="0">
-                          <a:solidFill>
-                            <a:srgbClr val="000000"/>
-                          </a:solidFill>
-                          <a:effectLst/>
-                          <a:latin typeface="Calibri" panose="020F0502020204030204" pitchFamily="34" charset="0"/>
-                        </a:rPr>
-                        <a:t>                           -   </a:t>
-                      </a:r>
-                    </a:p>
-                  </a:txBody>
-                  <a:tcPr marL="6607" marR="6607" marT="6607" marB="0" anchor="ctr">
-                    <a:lnL>
-                      <a:noFill/>
-                    </a:lnL>
-                    <a:lnR>
-                      <a:noFill/>
-                    </a:lnR>
-                    <a:lnT>
-                      <a:noFill/>
-                    </a:lnT>
-                    <a:lnB>
-                      <a:noFill/>
-                    </a:lnB>
-                  </a:tcPr>
-                </a:tc>
-                <a:tc>
-                  <a:txBody>
-                    <a:bodyPr/>
-                    <a:lstStyle/>
-                    <a:p>
-                      <a:pPr algn="ctr" fontAlgn="ctr"/>
-                      <a:r>
-                        <a:rPr lang="pt-BR" sz="1200" b="0" i="0" u="none" strike="noStrike">
-                          <a:solidFill>
-                            <a:srgbClr val="000000"/>
-                          </a:solidFill>
-                          <a:effectLst/>
-                          <a:latin typeface="Calibri" panose="020F0502020204030204" pitchFamily="34" charset="0"/>
-                        </a:rPr>
-                        <a:t>-                               4.037 </a:t>
-                      </a:r>
-                    </a:p>
-                  </a:txBody>
-                  <a:tcPr marL="6607" marR="6607" marT="6607" marB="0" anchor="ctr">
-                    <a:lnL>
-                      <a:noFill/>
-                    </a:lnL>
-                    <a:lnR>
-                      <a:noFill/>
-                    </a:lnR>
-                    <a:lnT>
-                      <a:noFill/>
-                    </a:lnT>
-                    <a:lnB>
-                      <a:noFill/>
-                    </a:lnB>
-                  </a:tcPr>
-                </a:tc>
-                <a:tc>
-                  <a:txBody>
-                    <a:bodyPr/>
-                    <a:lstStyle/>
-                    <a:p>
-                      <a:pPr algn="ctr" fontAlgn="ctr"/>
-                      <a:r>
-                        <a:rPr lang="pt-BR" sz="1200" b="0" i="0" u="none" strike="noStrike" dirty="0">
-                          <a:solidFill>
-                            <a:srgbClr val="000000"/>
-                          </a:solidFill>
-                          <a:effectLst/>
-                          <a:latin typeface="Calibri" panose="020F0502020204030204" pitchFamily="34" charset="0"/>
-                        </a:rPr>
-                        <a:t>-6,3%</a:t>
-                      </a:r>
-                    </a:p>
-                  </a:txBody>
-                  <a:tcPr marL="6607" marR="6607" marT="6607" marB="0" anchor="ctr">
-                    <a:lnL>
-                      <a:noFill/>
-                    </a:lnL>
-                    <a:lnR>
-                      <a:noFill/>
-                    </a:lnR>
-                    <a:lnT>
-                      <a:noFill/>
-                    </a:lnT>
-                    <a:lnB>
-                      <a:noFill/>
-                    </a:lnB>
-                  </a:tcPr>
-                </a:tc>
-                <a:tc>
-                  <a:txBody>
-                    <a:bodyPr/>
-                    <a:lstStyle/>
-                    <a:p>
-                      <a:pPr algn="ctr" fontAlgn="ctr"/>
-                      <a:r>
-                        <a:rPr lang="pt-BR" sz="1200" b="0" i="0" u="none" strike="noStrike" dirty="0">
-                          <a:solidFill>
-                            <a:srgbClr val="000000"/>
-                          </a:solidFill>
-                          <a:effectLst/>
-                          <a:latin typeface="Calibri" panose="020F0502020204030204" pitchFamily="34" charset="0"/>
-                        </a:rPr>
-                        <a:t>-               1.199 </a:t>
-                      </a:r>
-                    </a:p>
-                  </a:txBody>
-                  <a:tcPr marL="6607" marR="6607" marT="6607" marB="0" anchor="ctr">
-                    <a:lnL>
-                      <a:noFill/>
-                    </a:lnL>
-                    <a:lnR>
-                      <a:noFill/>
-                    </a:lnR>
-                    <a:lnT>
-                      <a:noFill/>
-                    </a:lnT>
-                    <a:lnB>
-                      <a:noFill/>
-                    </a:lnB>
-                  </a:tcPr>
-                </a:tc>
-                <a:tc>
-                  <a:txBody>
-                    <a:bodyPr/>
-                    <a:lstStyle/>
-                    <a:p>
-                      <a:pPr algn="ctr" fontAlgn="ctr"/>
-                      <a:r>
-                        <a:rPr lang="pt-BR" sz="1200" b="0" i="0" u="none" strike="noStrike" dirty="0">
-                          <a:solidFill>
-                            <a:srgbClr val="000000"/>
-                          </a:solidFill>
-                          <a:effectLst/>
-                          <a:latin typeface="Calibri" panose="020F0502020204030204" pitchFamily="34" charset="0"/>
-                        </a:rPr>
-                        <a:t>-1,4%</a:t>
-                      </a:r>
-                    </a:p>
-                  </a:txBody>
-                  <a:tcPr marL="6607" marR="6607" marT="6607" marB="0" anchor="ctr">
-                    <a:lnL>
-                      <a:noFill/>
-                    </a:lnL>
-                    <a:lnR>
-                      <a:noFill/>
-                    </a:lnR>
-                    <a:lnT>
-                      <a:noFill/>
-                    </a:lnT>
-                    <a:lnB>
-                      <a:noFill/>
-                    </a:lnB>
-                  </a:tcPr>
-                </a:tc>
-                <a:tc>
-                  <a:txBody>
-                    <a:bodyPr/>
-                    <a:lstStyle/>
-                    <a:p>
-                      <a:pPr algn="ctr" fontAlgn="ctr"/>
-                      <a:r>
-                        <a:rPr lang="pt-BR" sz="1200" b="0" i="0" u="none" strike="noStrike" dirty="0">
-                          <a:solidFill>
-                            <a:srgbClr val="000000"/>
-                          </a:solidFill>
-                          <a:effectLst/>
-                          <a:latin typeface="Calibri" panose="020F0502020204030204" pitchFamily="34" charset="0"/>
-                        </a:rPr>
-                        <a:t> $                -591.246.395 </a:t>
-                      </a:r>
-                    </a:p>
-                  </a:txBody>
-                  <a:tcPr marL="6607" marR="6607" marT="6607" marB="0" anchor="ctr">
-                    <a:lnL>
-                      <a:noFill/>
-                    </a:lnL>
-                    <a:lnR>
-                      <a:noFill/>
-                    </a:lnR>
-                    <a:lnT>
-                      <a:noFill/>
-                    </a:lnT>
-                    <a:lnB>
-                      <a:noFill/>
-                    </a:lnB>
-                  </a:tcPr>
-                </a:tc>
-                <a:tc>
-                  <a:txBody>
-                    <a:bodyPr/>
-                    <a:lstStyle/>
-                    <a:p>
-                      <a:pPr algn="ctr" fontAlgn="ctr"/>
-                      <a:r>
-                        <a:rPr lang="pt-BR" sz="1200" b="0" i="0" u="none" strike="noStrike" dirty="0">
-                          <a:solidFill>
-                            <a:srgbClr val="000000"/>
-                          </a:solidFill>
-                          <a:effectLst/>
-                          <a:latin typeface="Calibri" panose="020F0502020204030204" pitchFamily="34" charset="0"/>
-                        </a:rPr>
-                        <a:t> $                -718.799.423 </a:t>
-                      </a:r>
-                    </a:p>
-                  </a:txBody>
-                  <a:tcPr marL="6607" marR="6607" marT="6607" marB="0" anchor="ctr">
-                    <a:lnL>
-                      <a:noFill/>
-                    </a:lnL>
-                    <a:lnR>
-                      <a:noFill/>
-                    </a:lnR>
-                    <a:lnT>
-                      <a:noFill/>
-                    </a:lnT>
-                    <a:lnB>
-                      <a:noFill/>
-                    </a:lnB>
-                  </a:tcPr>
-                </a:tc>
-                <a:tc>
-                  <a:txBody>
-                    <a:bodyPr/>
-                    <a:lstStyle/>
-                    <a:p>
-                      <a:pPr algn="ctr" fontAlgn="ctr"/>
-                      <a:r>
-                        <a:rPr lang="pt-BR" sz="1200" b="1" i="0" u="sng" strike="noStrike" dirty="0">
-                          <a:solidFill>
-                            <a:srgbClr val="00B050"/>
-                          </a:solidFill>
-                          <a:effectLst/>
-                          <a:latin typeface="Calibri" panose="020F0502020204030204" pitchFamily="34" charset="0"/>
-                        </a:rPr>
-                        <a:t> $                 127.553.028 </a:t>
-                      </a:r>
-                    </a:p>
-                  </a:txBody>
-                  <a:tcPr marL="6607" marR="6607" marT="6607" marB="0" anchor="ctr">
-                    <a:lnL>
-                      <a:noFill/>
-                    </a:lnL>
-                    <a:lnR>
-                      <a:noFill/>
-                    </a:lnR>
-                    <a:lnT>
-                      <a:noFill/>
-                    </a:lnT>
-                    <a:lnB>
-                      <a:noFill/>
-                    </a:lnB>
-                    <a:solidFill>
-                      <a:srgbClr val="C6E0B4"/>
-                    </a:solidFill>
-                  </a:tcPr>
-                </a:tc>
-                <a:tc>
-                  <a:txBody>
-                    <a:bodyPr/>
-                    <a:lstStyle/>
-                    <a:p>
-                      <a:pPr algn="ctr" fontAlgn="ctr"/>
-                      <a:r>
-                        <a:rPr lang="pt-BR" sz="1200" b="1" i="0" u="sng" strike="noStrike" dirty="0">
-                          <a:solidFill>
-                            <a:srgbClr val="00B050"/>
-                          </a:solidFill>
-                          <a:effectLst/>
-                          <a:latin typeface="Calibri" panose="020F0502020204030204" pitchFamily="34" charset="0"/>
-                        </a:rPr>
-                        <a:t>2,02%</a:t>
-                      </a:r>
-                    </a:p>
-                  </a:txBody>
-                  <a:tcPr marL="6607" marR="6607" marT="6607" marB="0" anchor="ctr">
-                    <a:lnL>
-                      <a:noFill/>
-                    </a:lnL>
-                    <a:lnR>
-                      <a:noFill/>
-                    </a:lnR>
-                    <a:lnT>
-                      <a:noFill/>
-                    </a:lnT>
-                    <a:lnB>
-                      <a:noFill/>
-                    </a:lnB>
-                    <a:solidFill>
-                      <a:srgbClr val="C6E0B4"/>
-                    </a:solidFill>
-                  </a:tcPr>
-                </a:tc>
-                <a:extLst>
-                  <a:ext uri="{0D108BD9-81ED-4DB2-BD59-A6C34878D82A}">
-                    <a16:rowId xmlns:a16="http://schemas.microsoft.com/office/drawing/2014/main" val="1992838832"/>
-                  </a:ext>
-                </a:extLst>
-              </a:tr>
-            </a:tbl>
-          </a:graphicData>
-        </a:graphic>
-      </p:graphicFrame>
-      <p:graphicFrame>
-        <p:nvGraphicFramePr>
           <p:cNvPr id="4" name="Tabela 3">
             <a:extLst>
               <a:ext uri="{FF2B5EF4-FFF2-40B4-BE49-F238E27FC236}">
@@ -16165,35 +14089,35 @@
           <p:nvPr>
             <p:extLst>
               <p:ext uri="{D42A27DB-BD31-4B8C-83A1-F6EECF244321}">
-                <p14:modId xmlns:p14="http://schemas.microsoft.com/office/powerpoint/2010/main" val="3073471355"/>
+                <p14:modId xmlns:p14="http://schemas.microsoft.com/office/powerpoint/2010/main" val="612135106"/>
               </p:ext>
             </p:extLst>
           </p:nvPr>
         </p:nvGraphicFramePr>
         <p:xfrm>
-          <a:off x="1183059" y="2108233"/>
-          <a:ext cx="8579506" cy="381000"/>
+          <a:off x="2678856" y="2099644"/>
+          <a:ext cx="9488432" cy="472440"/>
         </p:xfrm>
         <a:graphic>
           <a:graphicData uri="http://schemas.openxmlformats.org/drawingml/2006/table">
             <a:tbl>
               <a:tblPr/>
               <a:tblGrid>
-                <a:gridCol w="2683458">
+                <a:gridCol w="2967748">
                   <a:extLst>
                     <a:ext uri="{9D8B030D-6E8A-4147-A177-3AD203B41FA5}">
                       <a16:colId xmlns:a16="http://schemas.microsoft.com/office/drawing/2014/main" val="3695593553"/>
                     </a:ext>
                   </a:extLst>
                 </a:gridCol>
-                <a:gridCol w="2966922">
+                <a:gridCol w="3281242">
                   <a:extLst>
                     <a:ext uri="{9D8B030D-6E8A-4147-A177-3AD203B41FA5}">
                       <a16:colId xmlns:a16="http://schemas.microsoft.com/office/drawing/2014/main" val="3944598674"/>
                     </a:ext>
                   </a:extLst>
                 </a:gridCol>
-                <a:gridCol w="2929126">
+                <a:gridCol w="3239442">
                   <a:extLst>
                     <a:ext uri="{9D8B030D-6E8A-4147-A177-3AD203B41FA5}">
                       <a16:colId xmlns:a16="http://schemas.microsoft.com/office/drawing/2014/main" val="1181706695"/>
@@ -16209,14 +14133,34 @@
                     <a:p>
                       <a:pPr algn="l" fontAlgn="b"/>
                       <a:r>
-                        <a:rPr lang="pt-BR" sz="1200" b="0" i="0" u="none" strike="noStrike">
+                        <a:rPr lang="pt-BR" sz="1500" b="0" i="0" u="none" strike="noStrike" dirty="0">
                           <a:solidFill>
                             <a:srgbClr val="000000"/>
                           </a:solidFill>
                           <a:effectLst/>
                           <a:latin typeface="Calibri" panose="020F0502020204030204" pitchFamily="34" charset="0"/>
                         </a:rPr>
-                        <a:t>Clientes Cash Loans = 91%</a:t>
+                        <a:t>Clientes Cash </a:t>
+                      </a:r>
+                      <a:r>
+                        <a:rPr lang="pt-BR" sz="1500" b="0" i="0" u="none" strike="noStrike" dirty="0" err="1">
+                          <a:solidFill>
+                            <a:srgbClr val="000000"/>
+                          </a:solidFill>
+                          <a:effectLst/>
+                          <a:latin typeface="Calibri" panose="020F0502020204030204" pitchFamily="34" charset="0"/>
+                        </a:rPr>
+                        <a:t>Loans</a:t>
+                      </a:r>
+                      <a:r>
+                        <a:rPr lang="pt-BR" sz="1500" b="0" i="0" u="none" strike="noStrike" dirty="0">
+                          <a:solidFill>
+                            <a:srgbClr val="000000"/>
+                          </a:solidFill>
+                          <a:effectLst/>
+                          <a:latin typeface="Calibri" panose="020F0502020204030204" pitchFamily="34" charset="0"/>
+                        </a:rPr>
+                        <a:t> = 91%</a:t>
                       </a:r>
                     </a:p>
                   </a:txBody>
@@ -16242,7 +14186,7 @@
                     <a:p>
                       <a:pPr algn="l" fontAlgn="b"/>
                       <a:r>
-                        <a:rPr lang="pt-BR" sz="1200" b="0" i="0" u="none" strike="noStrike">
+                        <a:rPr lang="pt-BR" sz="1500" b="0" i="0" u="none" strike="noStrike">
                           <a:solidFill>
                             <a:srgbClr val="000000"/>
                           </a:solidFill>
@@ -16275,7 +14219,7 @@
                     <a:p>
                       <a:pPr algn="l" fontAlgn="b"/>
                       <a:r>
-                        <a:rPr lang="en-US" sz="1200" b="0" i="0" u="none" strike="noStrike">
+                        <a:rPr lang="en-US" sz="1500" b="0" i="0" u="none" strike="noStrike">
                           <a:solidFill>
                             <a:srgbClr val="000000"/>
                           </a:solidFill>
@@ -16315,14 +14259,54 @@
                     <a:p>
                       <a:pPr algn="l" fontAlgn="b"/>
                       <a:r>
-                        <a:rPr lang="pt-BR" sz="1200" b="0" i="0" u="none" strike="noStrike">
+                        <a:rPr lang="pt-BR" sz="1500" b="0" i="0" u="none" strike="noStrike" dirty="0">
                           <a:solidFill>
                             <a:srgbClr val="000000"/>
                           </a:solidFill>
                           <a:effectLst/>
                           <a:latin typeface="Calibri" panose="020F0502020204030204" pitchFamily="34" charset="0"/>
                         </a:rPr>
-                        <a:t>Clientes Revolving Loans = 9%</a:t>
+                        <a:t>Clientes </a:t>
+                      </a:r>
+                      <a:r>
+                        <a:rPr lang="pt-BR" sz="1500" b="0" i="0" u="none" strike="noStrike" dirty="0" err="1">
+                          <a:solidFill>
+                            <a:srgbClr val="000000"/>
+                          </a:solidFill>
+                          <a:effectLst/>
+                          <a:latin typeface="Calibri" panose="020F0502020204030204" pitchFamily="34" charset="0"/>
+                        </a:rPr>
+                        <a:t>Revolving</a:t>
+                      </a:r>
+                      <a:r>
+                        <a:rPr lang="pt-BR" sz="1500" b="0" i="0" u="none" strike="noStrike" dirty="0">
+                          <a:solidFill>
+                            <a:srgbClr val="000000"/>
+                          </a:solidFill>
+                          <a:effectLst/>
+                          <a:latin typeface="Calibri" panose="020F0502020204030204" pitchFamily="34" charset="0"/>
+                        </a:rPr>
+                        <a:t> </a:t>
+                      </a:r>
+                      <a:r>
+                        <a:rPr lang="pt-BR" sz="1500" b="0" i="0" u="none" strike="noStrike" dirty="0" err="1">
+                          <a:solidFill>
+                            <a:srgbClr val="000000"/>
+                          </a:solidFill>
+                          <a:effectLst/>
+                          <a:latin typeface="Calibri" panose="020F0502020204030204" pitchFamily="34" charset="0"/>
+                        </a:rPr>
+                        <a:t>Loans</a:t>
+                      </a:r>
+                      <a:r>
+                        <a:rPr lang="pt-BR" sz="1500" b="0" i="0" u="none" strike="noStrike" dirty="0">
+                          <a:solidFill>
+                            <a:srgbClr val="000000"/>
+                          </a:solidFill>
+                          <a:effectLst/>
+                          <a:latin typeface="Calibri" panose="020F0502020204030204" pitchFamily="34" charset="0"/>
+                        </a:rPr>
+                        <a:t> = 9%</a:t>
                       </a:r>
                     </a:p>
                   </a:txBody>
@@ -16348,7 +14332,7 @@
                     <a:p>
                       <a:pPr algn="l" fontAlgn="b"/>
                       <a:r>
-                        <a:rPr lang="pt-BR" sz="1200" b="0" i="0" u="none" strike="noStrike">
+                        <a:rPr lang="pt-BR" sz="1500" b="0" i="0" u="none" strike="noStrike">
                           <a:solidFill>
                             <a:srgbClr val="000000"/>
                           </a:solidFill>
@@ -16381,7 +14365,7 @@
                     <a:p>
                       <a:pPr algn="l" fontAlgn="b"/>
                       <a:r>
-                        <a:rPr lang="en-US" sz="1200" b="0" i="0" u="none" strike="noStrike" dirty="0">
+                        <a:rPr lang="en-US" sz="1500" b="0" i="0" u="none" strike="noStrike" dirty="0">
                           <a:solidFill>
                             <a:srgbClr val="000000"/>
                           </a:solidFill>
@@ -16391,7 +14375,7 @@
                         <a:t>Tx. </a:t>
                       </a:r>
                       <a:r>
-                        <a:rPr lang="en-US" sz="1200" b="0" i="0" u="none" strike="noStrike" dirty="0" err="1">
+                        <a:rPr lang="en-US" sz="1500" b="0" i="0" u="none" strike="noStrike" dirty="0" err="1">
                           <a:solidFill>
                             <a:srgbClr val="000000"/>
                           </a:solidFill>
@@ -16401,7 +14385,7 @@
                         <a:t>Juros</a:t>
                       </a:r>
                       <a:r>
-                        <a:rPr lang="en-US" sz="1200" b="0" i="0" u="none" strike="noStrike" dirty="0">
+                        <a:rPr lang="en-US" sz="1500" b="0" i="0" u="none" strike="noStrike" dirty="0">
                           <a:solidFill>
                             <a:srgbClr val="000000"/>
                           </a:solidFill>
@@ -16430,6 +14414,1945 @@
                 <a:extLst>
                   <a:ext uri="{0D108BD9-81ED-4DB2-BD59-A6C34878D82A}">
                     <a16:rowId xmlns:a16="http://schemas.microsoft.com/office/drawing/2014/main" val="4162872213"/>
+                  </a:ext>
+                </a:extLst>
+              </a:tr>
+            </a:tbl>
+          </a:graphicData>
+        </a:graphic>
+      </p:graphicFrame>
+      <p:graphicFrame>
+        <p:nvGraphicFramePr>
+          <p:cNvPr id="6" name="Tabela 5">
+            <a:extLst>
+              <a:ext uri="{FF2B5EF4-FFF2-40B4-BE49-F238E27FC236}">
+                <a16:creationId xmlns:a16="http://schemas.microsoft.com/office/drawing/2014/main" id="{17A6EDC5-4B79-4CBD-BA64-219283C7F58A}"/>
+              </a:ext>
+            </a:extLst>
+          </p:cNvPr>
+          <p:cNvGraphicFramePr>
+            <a:graphicFrameLocks noGrp="1"/>
+          </p:cNvGraphicFramePr>
+          <p:nvPr>
+            <p:extLst>
+              <p:ext uri="{D42A27DB-BD31-4B8C-83A1-F6EECF244321}">
+                <p14:modId xmlns:p14="http://schemas.microsoft.com/office/powerpoint/2010/main" val="1911435642"/>
+              </p:ext>
+            </p:extLst>
+          </p:nvPr>
+        </p:nvGraphicFramePr>
+        <p:xfrm>
+          <a:off x="1007541" y="2812115"/>
+          <a:ext cx="10691400" cy="2521883"/>
+        </p:xfrm>
+        <a:graphic>
+          <a:graphicData uri="http://schemas.openxmlformats.org/drawingml/2006/table">
+            <a:tbl>
+              <a:tblPr/>
+              <a:tblGrid>
+                <a:gridCol w="1418707">
+                  <a:extLst>
+                    <a:ext uri="{9D8B030D-6E8A-4147-A177-3AD203B41FA5}">
+                      <a16:colId xmlns:a16="http://schemas.microsoft.com/office/drawing/2014/main" val="2488413815"/>
+                    </a:ext>
+                  </a:extLst>
+                </a:gridCol>
+                <a:gridCol w="814268">
+                  <a:extLst>
+                    <a:ext uri="{9D8B030D-6E8A-4147-A177-3AD203B41FA5}">
+                      <a16:colId xmlns:a16="http://schemas.microsoft.com/office/drawing/2014/main" val="1856469079"/>
+                    </a:ext>
+                  </a:extLst>
+                </a:gridCol>
+                <a:gridCol w="1319191">
+                  <a:extLst>
+                    <a:ext uri="{9D8B030D-6E8A-4147-A177-3AD203B41FA5}">
+                      <a16:colId xmlns:a16="http://schemas.microsoft.com/office/drawing/2014/main" val="457541768"/>
+                    </a:ext>
+                  </a:extLst>
+                </a:gridCol>
+                <a:gridCol w="757332">
+                  <a:extLst>
+                    <a:ext uri="{9D8B030D-6E8A-4147-A177-3AD203B41FA5}">
+                      <a16:colId xmlns:a16="http://schemas.microsoft.com/office/drawing/2014/main" val="2367866911"/>
+                    </a:ext>
+                  </a:extLst>
+                </a:gridCol>
+                <a:gridCol w="858924">
+                  <a:extLst>
+                    <a:ext uri="{9D8B030D-6E8A-4147-A177-3AD203B41FA5}">
+                      <a16:colId xmlns:a16="http://schemas.microsoft.com/office/drawing/2014/main" val="1633429351"/>
+                    </a:ext>
+                  </a:extLst>
+                </a:gridCol>
+                <a:gridCol w="951283">
+                  <a:extLst>
+                    <a:ext uri="{9D8B030D-6E8A-4147-A177-3AD203B41FA5}">
+                      <a16:colId xmlns:a16="http://schemas.microsoft.com/office/drawing/2014/main" val="2133204548"/>
+                    </a:ext>
+                  </a:extLst>
+                </a:gridCol>
+                <a:gridCol w="1366892">
+                  <a:extLst>
+                    <a:ext uri="{9D8B030D-6E8A-4147-A177-3AD203B41FA5}">
+                      <a16:colId xmlns:a16="http://schemas.microsoft.com/office/drawing/2014/main" val="1379099840"/>
+                    </a:ext>
+                  </a:extLst>
+                </a:gridCol>
+                <a:gridCol w="1237590">
+                  <a:extLst>
+                    <a:ext uri="{9D8B030D-6E8A-4147-A177-3AD203B41FA5}">
+                      <a16:colId xmlns:a16="http://schemas.microsoft.com/office/drawing/2014/main" val="1441674424"/>
+                    </a:ext>
+                  </a:extLst>
+                </a:gridCol>
+                <a:gridCol w="1373964">
+                  <a:extLst>
+                    <a:ext uri="{9D8B030D-6E8A-4147-A177-3AD203B41FA5}">
+                      <a16:colId xmlns:a16="http://schemas.microsoft.com/office/drawing/2014/main" val="1114147883"/>
+                    </a:ext>
+                  </a:extLst>
+                </a:gridCol>
+                <a:gridCol w="593249">
+                  <a:extLst>
+                    <a:ext uri="{9D8B030D-6E8A-4147-A177-3AD203B41FA5}">
+                      <a16:colId xmlns:a16="http://schemas.microsoft.com/office/drawing/2014/main" val="1292625980"/>
+                    </a:ext>
+                  </a:extLst>
+                </a:gridCol>
+              </a:tblGrid>
+              <a:tr h="488755">
+                <a:tc>
+                  <a:txBody>
+                    <a:bodyPr/>
+                    <a:lstStyle/>
+                    <a:p>
+                      <a:pPr algn="ctr" fontAlgn="ctr"/>
+                      <a:endParaRPr lang="pt-BR" sz="1400" b="1" i="0" u="none" strike="noStrike">
+                        <a:solidFill>
+                          <a:srgbClr val="000000"/>
+                        </a:solidFill>
+                        <a:effectLst/>
+                        <a:latin typeface="Calibri" panose="020F0502020204030204" pitchFamily="34" charset="0"/>
+                      </a:endParaRPr>
+                    </a:p>
+                  </a:txBody>
+                  <a:tcPr marL="7611" marR="7611" marT="30443" marB="30443" anchor="ctr">
+                    <a:lnL>
+                      <a:noFill/>
+                    </a:lnL>
+                    <a:lnR>
+                      <a:noFill/>
+                    </a:lnR>
+                    <a:lnT>
+                      <a:noFill/>
+                    </a:lnT>
+                    <a:lnB>
+                      <a:noFill/>
+                    </a:lnB>
+                  </a:tcPr>
+                </a:tc>
+                <a:tc>
+                  <a:txBody>
+                    <a:bodyPr/>
+                    <a:lstStyle/>
+                    <a:p>
+                      <a:pPr algn="ctr" fontAlgn="ctr"/>
+                      <a:r>
+                        <a:rPr lang="pt-BR" sz="1400" b="1" i="0" u="none" strike="noStrike">
+                          <a:solidFill>
+                            <a:srgbClr val="FFFFFF"/>
+                          </a:solidFill>
+                          <a:effectLst/>
+                          <a:latin typeface="Calibri" panose="020F0502020204030204" pitchFamily="34" charset="0"/>
+                        </a:rPr>
+                        <a:t>Volume público</a:t>
+                      </a:r>
+                    </a:p>
+                  </a:txBody>
+                  <a:tcPr marL="7611" marR="7611" marT="7611" marB="0" anchor="ctr">
+                    <a:lnL>
+                      <a:noFill/>
+                    </a:lnL>
+                    <a:lnR>
+                      <a:noFill/>
+                    </a:lnR>
+                    <a:lnT>
+                      <a:noFill/>
+                    </a:lnT>
+                    <a:lnB w="25400" cap="flat" cmpd="dbl" algn="ctr">
+                      <a:solidFill>
+                        <a:srgbClr val="000000"/>
+                      </a:solidFill>
+                      <a:prstDash val="solid"/>
+                      <a:round/>
+                      <a:headEnd type="none" w="med" len="med"/>
+                      <a:tailEnd type="none" w="med" len="med"/>
+                    </a:lnB>
+                    <a:solidFill>
+                      <a:srgbClr val="305496"/>
+                    </a:solidFill>
+                  </a:tcPr>
+                </a:tc>
+                <a:tc>
+                  <a:txBody>
+                    <a:bodyPr/>
+                    <a:lstStyle/>
+                    <a:p>
+                      <a:pPr algn="ctr" fontAlgn="ctr"/>
+                      <a:r>
+                        <a:rPr lang="pt-BR" sz="1400" b="1" i="0" u="none" strike="noStrike">
+                          <a:solidFill>
+                            <a:srgbClr val="FFFFFF"/>
+                          </a:solidFill>
+                          <a:effectLst/>
+                          <a:latin typeface="Calibri" panose="020F0502020204030204" pitchFamily="34" charset="0"/>
+                        </a:rPr>
+                        <a:t>Volume púb. Aprovado</a:t>
+                      </a:r>
+                    </a:p>
+                  </a:txBody>
+                  <a:tcPr marL="7611" marR="7611" marT="7611" marB="0" anchor="ctr">
+                    <a:lnL>
+                      <a:noFill/>
+                    </a:lnL>
+                    <a:lnR>
+                      <a:noFill/>
+                    </a:lnR>
+                    <a:lnT>
+                      <a:noFill/>
+                    </a:lnT>
+                    <a:lnB w="25400" cap="flat" cmpd="dbl" algn="ctr">
+                      <a:solidFill>
+                        <a:srgbClr val="000000"/>
+                      </a:solidFill>
+                      <a:prstDash val="solid"/>
+                      <a:round/>
+                      <a:headEnd type="none" w="med" len="med"/>
+                      <a:tailEnd type="none" w="med" len="med"/>
+                    </a:lnB>
+                    <a:solidFill>
+                      <a:srgbClr val="305496"/>
+                    </a:solidFill>
+                  </a:tcPr>
+                </a:tc>
+                <a:tc>
+                  <a:txBody>
+                    <a:bodyPr/>
+                    <a:lstStyle/>
+                    <a:p>
+                      <a:pPr algn="ctr" fontAlgn="ctr"/>
+                      <a:r>
+                        <a:rPr lang="pt-BR" sz="1400" b="1" i="0" u="none" strike="noStrike">
+                          <a:solidFill>
+                            <a:srgbClr val="FFFFFF"/>
+                          </a:solidFill>
+                          <a:effectLst/>
+                          <a:latin typeface="Calibri" panose="020F0502020204030204" pitchFamily="34" charset="0"/>
+                        </a:rPr>
+                        <a:t>Taxa de Aprov.</a:t>
+                      </a:r>
+                    </a:p>
+                  </a:txBody>
+                  <a:tcPr marL="7611" marR="7611" marT="7611" marB="0" anchor="ctr">
+                    <a:lnL>
+                      <a:noFill/>
+                    </a:lnL>
+                    <a:lnR>
+                      <a:noFill/>
+                    </a:lnR>
+                    <a:lnT>
+                      <a:noFill/>
+                    </a:lnT>
+                    <a:lnB w="25400" cap="flat" cmpd="dbl" algn="ctr">
+                      <a:solidFill>
+                        <a:srgbClr val="000000"/>
+                      </a:solidFill>
+                      <a:prstDash val="solid"/>
+                      <a:round/>
+                      <a:headEnd type="none" w="med" len="med"/>
+                      <a:tailEnd type="none" w="med" len="med"/>
+                    </a:lnB>
+                    <a:solidFill>
+                      <a:srgbClr val="305496"/>
+                    </a:solidFill>
+                  </a:tcPr>
+                </a:tc>
+                <a:tc>
+                  <a:txBody>
+                    <a:bodyPr/>
+                    <a:lstStyle/>
+                    <a:p>
+                      <a:pPr algn="ctr" fontAlgn="ctr"/>
+                      <a:r>
+                        <a:rPr lang="pt-BR" sz="1400" b="1" i="0" u="none" strike="noStrike">
+                          <a:solidFill>
+                            <a:srgbClr val="FFFFFF"/>
+                          </a:solidFill>
+                          <a:effectLst/>
+                          <a:latin typeface="Calibri" panose="020F0502020204030204" pitchFamily="34" charset="0"/>
+                        </a:rPr>
+                        <a:t>Volume Maus</a:t>
+                      </a:r>
+                    </a:p>
+                  </a:txBody>
+                  <a:tcPr marL="7611" marR="7611" marT="7611" marB="0" anchor="ctr">
+                    <a:lnL>
+                      <a:noFill/>
+                    </a:lnL>
+                    <a:lnR>
+                      <a:noFill/>
+                    </a:lnR>
+                    <a:lnT>
+                      <a:noFill/>
+                    </a:lnT>
+                    <a:lnB w="25400" cap="flat" cmpd="dbl" algn="ctr">
+                      <a:solidFill>
+                        <a:srgbClr val="000000"/>
+                      </a:solidFill>
+                      <a:prstDash val="solid"/>
+                      <a:round/>
+                      <a:headEnd type="none" w="med" len="med"/>
+                      <a:tailEnd type="none" w="med" len="med"/>
+                    </a:lnB>
+                    <a:solidFill>
+                      <a:srgbClr val="305496"/>
+                    </a:solidFill>
+                  </a:tcPr>
+                </a:tc>
+                <a:tc>
+                  <a:txBody>
+                    <a:bodyPr/>
+                    <a:lstStyle/>
+                    <a:p>
+                      <a:pPr algn="ctr" fontAlgn="ctr"/>
+                      <a:r>
+                        <a:rPr lang="pt-BR" sz="1400" b="1" i="0" u="none" strike="noStrike">
+                          <a:solidFill>
+                            <a:srgbClr val="FFFFFF"/>
+                          </a:solidFill>
+                          <a:effectLst/>
+                          <a:latin typeface="Calibri" panose="020F0502020204030204" pitchFamily="34" charset="0"/>
+                        </a:rPr>
+                        <a:t>Taxa de Maus</a:t>
+                      </a:r>
+                    </a:p>
+                  </a:txBody>
+                  <a:tcPr marL="7611" marR="7611" marT="7611" marB="0" anchor="ctr">
+                    <a:lnL>
+                      <a:noFill/>
+                    </a:lnL>
+                    <a:lnR>
+                      <a:noFill/>
+                    </a:lnR>
+                    <a:lnT>
+                      <a:noFill/>
+                    </a:lnT>
+                    <a:lnB w="25400" cap="flat" cmpd="dbl" algn="ctr">
+                      <a:solidFill>
+                        <a:srgbClr val="000000"/>
+                      </a:solidFill>
+                      <a:prstDash val="solid"/>
+                      <a:round/>
+                      <a:headEnd type="none" w="med" len="med"/>
+                      <a:tailEnd type="none" w="med" len="med"/>
+                    </a:lnB>
+                    <a:solidFill>
+                      <a:srgbClr val="305496"/>
+                    </a:solidFill>
+                  </a:tcPr>
+                </a:tc>
+                <a:tc>
+                  <a:txBody>
+                    <a:bodyPr/>
+                    <a:lstStyle/>
+                    <a:p>
+                      <a:pPr algn="ctr" fontAlgn="ctr"/>
+                      <a:r>
+                        <a:rPr lang="pt-BR" sz="1400" b="1" i="0" u="none" strike="noStrike">
+                          <a:solidFill>
+                            <a:srgbClr val="FFFFFF"/>
+                          </a:solidFill>
+                          <a:effectLst/>
+                          <a:latin typeface="Calibri" panose="020F0502020204030204" pitchFamily="34" charset="0"/>
+                        </a:rPr>
+                        <a:t>Receita</a:t>
+                      </a:r>
+                    </a:p>
+                  </a:txBody>
+                  <a:tcPr marL="7611" marR="7611" marT="7611" marB="0" anchor="ctr">
+                    <a:lnL>
+                      <a:noFill/>
+                    </a:lnL>
+                    <a:lnR>
+                      <a:noFill/>
+                    </a:lnR>
+                    <a:lnT>
+                      <a:noFill/>
+                    </a:lnT>
+                    <a:lnB w="25400" cap="flat" cmpd="dbl" algn="ctr">
+                      <a:solidFill>
+                        <a:srgbClr val="000000"/>
+                      </a:solidFill>
+                      <a:prstDash val="solid"/>
+                      <a:round/>
+                      <a:headEnd type="none" w="med" len="med"/>
+                      <a:tailEnd type="none" w="med" len="med"/>
+                    </a:lnB>
+                    <a:solidFill>
+                      <a:srgbClr val="305496"/>
+                    </a:solidFill>
+                  </a:tcPr>
+                </a:tc>
+                <a:tc>
+                  <a:txBody>
+                    <a:bodyPr/>
+                    <a:lstStyle/>
+                    <a:p>
+                      <a:pPr algn="ctr" fontAlgn="ctr"/>
+                      <a:r>
+                        <a:rPr lang="pt-BR" sz="1400" b="1" i="0" u="none" strike="noStrike">
+                          <a:solidFill>
+                            <a:srgbClr val="FFFFFF"/>
+                          </a:solidFill>
+                          <a:effectLst/>
+                          <a:latin typeface="Calibri" panose="020F0502020204030204" pitchFamily="34" charset="0"/>
+                        </a:rPr>
+                        <a:t>Perda </a:t>
+                      </a:r>
+                    </a:p>
+                  </a:txBody>
+                  <a:tcPr marL="7611" marR="7611" marT="7611" marB="0" anchor="ctr">
+                    <a:lnL>
+                      <a:noFill/>
+                    </a:lnL>
+                    <a:lnR>
+                      <a:noFill/>
+                    </a:lnR>
+                    <a:lnT>
+                      <a:noFill/>
+                    </a:lnT>
+                    <a:lnB w="25400" cap="flat" cmpd="dbl" algn="ctr">
+                      <a:solidFill>
+                        <a:srgbClr val="000000"/>
+                      </a:solidFill>
+                      <a:prstDash val="solid"/>
+                      <a:round/>
+                      <a:headEnd type="none" w="med" len="med"/>
+                      <a:tailEnd type="none" w="med" len="med"/>
+                    </a:lnB>
+                    <a:solidFill>
+                      <a:srgbClr val="305496"/>
+                    </a:solidFill>
+                  </a:tcPr>
+                </a:tc>
+                <a:tc>
+                  <a:txBody>
+                    <a:bodyPr/>
+                    <a:lstStyle/>
+                    <a:p>
+                      <a:pPr algn="ctr" fontAlgn="ctr"/>
+                      <a:r>
+                        <a:rPr lang="pt-BR" sz="1400" b="1" i="0" u="none" strike="noStrike">
+                          <a:solidFill>
+                            <a:srgbClr val="FFFFFF"/>
+                          </a:solidFill>
+                          <a:effectLst/>
+                          <a:latin typeface="Calibri" panose="020F0502020204030204" pitchFamily="34" charset="0"/>
+                        </a:rPr>
+                        <a:t>Balanço</a:t>
+                      </a:r>
+                    </a:p>
+                  </a:txBody>
+                  <a:tcPr marL="7611" marR="7611" marT="7611" marB="0" anchor="ctr">
+                    <a:lnL>
+                      <a:noFill/>
+                    </a:lnL>
+                    <a:lnR>
+                      <a:noFill/>
+                    </a:lnR>
+                    <a:lnT>
+                      <a:noFill/>
+                    </a:lnT>
+                    <a:lnB w="25400" cap="flat" cmpd="dbl" algn="ctr">
+                      <a:solidFill>
+                        <a:srgbClr val="000000"/>
+                      </a:solidFill>
+                      <a:prstDash val="solid"/>
+                      <a:round/>
+                      <a:headEnd type="none" w="med" len="med"/>
+                      <a:tailEnd type="none" w="med" len="med"/>
+                    </a:lnB>
+                    <a:solidFill>
+                      <a:srgbClr val="305496"/>
+                    </a:solidFill>
+                  </a:tcPr>
+                </a:tc>
+                <a:tc>
+                  <a:txBody>
+                    <a:bodyPr/>
+                    <a:lstStyle/>
+                    <a:p>
+                      <a:pPr algn="ctr" fontAlgn="ctr"/>
+                      <a:r>
+                        <a:rPr lang="pt-BR" sz="1400" b="1" i="0" u="none" strike="noStrike">
+                          <a:solidFill>
+                            <a:srgbClr val="FFFFFF"/>
+                          </a:solidFill>
+                          <a:effectLst/>
+                          <a:latin typeface="Calibri" panose="020F0502020204030204" pitchFamily="34" charset="0"/>
+                        </a:rPr>
+                        <a:t>% Ganho</a:t>
+                      </a:r>
+                    </a:p>
+                  </a:txBody>
+                  <a:tcPr marL="7611" marR="7611" marT="7611" marB="0" anchor="ctr">
+                    <a:lnL>
+                      <a:noFill/>
+                    </a:lnL>
+                    <a:lnR>
+                      <a:noFill/>
+                    </a:lnR>
+                    <a:lnT>
+                      <a:noFill/>
+                    </a:lnT>
+                    <a:lnB w="25400" cap="flat" cmpd="dbl" algn="ctr">
+                      <a:solidFill>
+                        <a:srgbClr val="000000"/>
+                      </a:solidFill>
+                      <a:prstDash val="solid"/>
+                      <a:round/>
+                      <a:headEnd type="none" w="med" len="med"/>
+                      <a:tailEnd type="none" w="med" len="med"/>
+                    </a:lnB>
+                    <a:solidFill>
+                      <a:srgbClr val="305496"/>
+                    </a:solidFill>
+                  </a:tcPr>
+                </a:tc>
+                <a:extLst>
+                  <a:ext uri="{0D108BD9-81ED-4DB2-BD59-A6C34878D82A}">
+                    <a16:rowId xmlns:a16="http://schemas.microsoft.com/office/drawing/2014/main" val="594712864"/>
+                  </a:ext>
+                </a:extLst>
+              </a:tr>
+              <a:tr h="508282">
+                <a:tc>
+                  <a:txBody>
+                    <a:bodyPr/>
+                    <a:lstStyle/>
+                    <a:p>
+                      <a:pPr algn="ctr" fontAlgn="ctr"/>
+                      <a:r>
+                        <a:rPr lang="pt-BR" sz="1400" b="0" i="0" u="none" strike="noStrike">
+                          <a:solidFill>
+                            <a:srgbClr val="000000"/>
+                          </a:solidFill>
+                          <a:effectLst/>
+                          <a:latin typeface="Calibri" panose="020F0502020204030204" pitchFamily="34" charset="0"/>
+                        </a:rPr>
+                        <a:t>Cenário Vigente</a:t>
+                      </a:r>
+                    </a:p>
+                  </a:txBody>
+                  <a:tcPr marL="7611" marR="7611" marT="7611" marB="0" anchor="ctr">
+                    <a:lnL>
+                      <a:noFill/>
+                    </a:lnL>
+                    <a:lnR>
+                      <a:noFill/>
+                    </a:lnR>
+                    <a:lnT>
+                      <a:noFill/>
+                    </a:lnT>
+                    <a:lnB>
+                      <a:noFill/>
+                    </a:lnB>
+                  </a:tcPr>
+                </a:tc>
+                <a:tc>
+                  <a:txBody>
+                    <a:bodyPr/>
+                    <a:lstStyle/>
+                    <a:p>
+                      <a:pPr algn="ctr" fontAlgn="ctr"/>
+                      <a:r>
+                        <a:rPr lang="pt-BR" sz="1400" b="0" i="0" u="none" strike="noStrike">
+                          <a:solidFill>
+                            <a:srgbClr val="000000"/>
+                          </a:solidFill>
+                          <a:effectLst/>
+                          <a:latin typeface="Calibri" panose="020F0502020204030204" pitchFamily="34" charset="0"/>
+                        </a:rPr>
+                        <a:t>                 64.578 </a:t>
+                      </a:r>
+                    </a:p>
+                  </a:txBody>
+                  <a:tcPr marL="7611" marR="7611" marT="7611" marB="0" anchor="ctr">
+                    <a:lnL>
+                      <a:noFill/>
+                    </a:lnL>
+                    <a:lnR>
+                      <a:noFill/>
+                    </a:lnR>
+                    <a:lnT w="25400" cap="flat" cmpd="dbl" algn="ctr">
+                      <a:solidFill>
+                        <a:srgbClr val="000000"/>
+                      </a:solidFill>
+                      <a:prstDash val="solid"/>
+                      <a:round/>
+                      <a:headEnd type="none" w="med" len="med"/>
+                      <a:tailEnd type="none" w="med" len="med"/>
+                    </a:lnT>
+                    <a:lnB>
+                      <a:noFill/>
+                    </a:lnB>
+                  </a:tcPr>
+                </a:tc>
+                <a:tc>
+                  <a:txBody>
+                    <a:bodyPr/>
+                    <a:lstStyle/>
+                    <a:p>
+                      <a:pPr algn="ctr" fontAlgn="ctr"/>
+                      <a:r>
+                        <a:rPr lang="pt-BR" sz="1400" b="0" i="0" u="none" strike="noStrike">
+                          <a:solidFill>
+                            <a:srgbClr val="000000"/>
+                          </a:solidFill>
+                          <a:effectLst/>
+                          <a:latin typeface="Calibri" panose="020F0502020204030204" pitchFamily="34" charset="0"/>
+                        </a:rPr>
+                        <a:t>                               64.578 </a:t>
+                      </a:r>
+                    </a:p>
+                  </a:txBody>
+                  <a:tcPr marL="7611" marR="7611" marT="7611" marB="0" anchor="ctr">
+                    <a:lnL>
+                      <a:noFill/>
+                    </a:lnL>
+                    <a:lnR>
+                      <a:noFill/>
+                    </a:lnR>
+                    <a:lnT w="25400" cap="flat" cmpd="dbl" algn="ctr">
+                      <a:solidFill>
+                        <a:srgbClr val="000000"/>
+                      </a:solidFill>
+                      <a:prstDash val="solid"/>
+                      <a:round/>
+                      <a:headEnd type="none" w="med" len="med"/>
+                      <a:tailEnd type="none" w="med" len="med"/>
+                    </a:lnT>
+                    <a:lnB>
+                      <a:noFill/>
+                    </a:lnB>
+                  </a:tcPr>
+                </a:tc>
+                <a:tc>
+                  <a:txBody>
+                    <a:bodyPr/>
+                    <a:lstStyle/>
+                    <a:p>
+                      <a:pPr algn="ctr" fontAlgn="ctr"/>
+                      <a:r>
+                        <a:rPr lang="pt-BR" sz="1400" b="0" i="0" u="none" strike="noStrike">
+                          <a:solidFill>
+                            <a:srgbClr val="000000"/>
+                          </a:solidFill>
+                          <a:effectLst/>
+                          <a:latin typeface="Calibri" panose="020F0502020204030204" pitchFamily="34" charset="0"/>
+                        </a:rPr>
+                        <a:t>100,0%</a:t>
+                      </a:r>
+                    </a:p>
+                  </a:txBody>
+                  <a:tcPr marL="7611" marR="7611" marT="7611" marB="0" anchor="ctr">
+                    <a:lnL>
+                      <a:noFill/>
+                    </a:lnL>
+                    <a:lnR>
+                      <a:noFill/>
+                    </a:lnR>
+                    <a:lnT w="25400" cap="flat" cmpd="dbl" algn="ctr">
+                      <a:solidFill>
+                        <a:srgbClr val="000000"/>
+                      </a:solidFill>
+                      <a:prstDash val="solid"/>
+                      <a:round/>
+                      <a:headEnd type="none" w="med" len="med"/>
+                      <a:tailEnd type="none" w="med" len="med"/>
+                    </a:lnT>
+                    <a:lnB>
+                      <a:noFill/>
+                    </a:lnB>
+                  </a:tcPr>
+                </a:tc>
+                <a:tc>
+                  <a:txBody>
+                    <a:bodyPr/>
+                    <a:lstStyle/>
+                    <a:p>
+                      <a:pPr algn="ctr" fontAlgn="ctr"/>
+                      <a:r>
+                        <a:rPr lang="pt-BR" sz="1400" b="0" i="0" u="none" strike="noStrike">
+                          <a:solidFill>
+                            <a:srgbClr val="000000"/>
+                          </a:solidFill>
+                          <a:effectLst/>
+                          <a:latin typeface="Calibri" panose="020F0502020204030204" pitchFamily="34" charset="0"/>
+                        </a:rPr>
+                        <a:t>               5.221 </a:t>
+                      </a:r>
+                    </a:p>
+                  </a:txBody>
+                  <a:tcPr marL="7611" marR="7611" marT="7611" marB="0" anchor="ctr">
+                    <a:lnL>
+                      <a:noFill/>
+                    </a:lnL>
+                    <a:lnR>
+                      <a:noFill/>
+                    </a:lnR>
+                    <a:lnT w="25400" cap="flat" cmpd="dbl" algn="ctr">
+                      <a:solidFill>
+                        <a:srgbClr val="000000"/>
+                      </a:solidFill>
+                      <a:prstDash val="solid"/>
+                      <a:round/>
+                      <a:headEnd type="none" w="med" len="med"/>
+                      <a:tailEnd type="none" w="med" len="med"/>
+                    </a:lnT>
+                    <a:lnB>
+                      <a:noFill/>
+                    </a:lnB>
+                  </a:tcPr>
+                </a:tc>
+                <a:tc>
+                  <a:txBody>
+                    <a:bodyPr/>
+                    <a:lstStyle/>
+                    <a:p>
+                      <a:pPr algn="ctr" fontAlgn="ctr"/>
+                      <a:r>
+                        <a:rPr lang="pt-BR" sz="1400" b="0" i="0" u="none" strike="noStrike">
+                          <a:solidFill>
+                            <a:srgbClr val="000000"/>
+                          </a:solidFill>
+                          <a:effectLst/>
+                          <a:latin typeface="Calibri" panose="020F0502020204030204" pitchFamily="34" charset="0"/>
+                        </a:rPr>
+                        <a:t>8,1%</a:t>
+                      </a:r>
+                    </a:p>
+                  </a:txBody>
+                  <a:tcPr marL="7611" marR="7611" marT="7611" marB="0" anchor="ctr">
+                    <a:lnL>
+                      <a:noFill/>
+                    </a:lnL>
+                    <a:lnR>
+                      <a:noFill/>
+                    </a:lnR>
+                    <a:lnT w="25400" cap="flat" cmpd="dbl" algn="ctr">
+                      <a:solidFill>
+                        <a:srgbClr val="000000"/>
+                      </a:solidFill>
+                      <a:prstDash val="solid"/>
+                      <a:round/>
+                      <a:headEnd type="none" w="med" len="med"/>
+                      <a:tailEnd type="none" w="med" len="med"/>
+                    </a:lnT>
+                    <a:lnB>
+                      <a:noFill/>
+                    </a:lnB>
+                  </a:tcPr>
+                </a:tc>
+                <a:tc>
+                  <a:txBody>
+                    <a:bodyPr/>
+                    <a:lstStyle/>
+                    <a:p>
+                      <a:pPr algn="ctr" fontAlgn="ctr"/>
+                      <a:r>
+                        <a:rPr lang="pt-BR" sz="1400" b="0" i="0" u="none" strike="noStrike">
+                          <a:solidFill>
+                            <a:srgbClr val="000000"/>
+                          </a:solidFill>
+                          <a:effectLst/>
+                          <a:latin typeface="Calibri" panose="020F0502020204030204" pitchFamily="34" charset="0"/>
+                        </a:rPr>
+                        <a:t>   9.457.891.932 </a:t>
+                      </a:r>
+                    </a:p>
+                  </a:txBody>
+                  <a:tcPr marL="7611" marR="7611" marT="7611" marB="0" anchor="ctr">
+                    <a:lnL>
+                      <a:noFill/>
+                    </a:lnL>
+                    <a:lnR>
+                      <a:noFill/>
+                    </a:lnR>
+                    <a:lnT w="25400" cap="flat" cmpd="dbl" algn="ctr">
+                      <a:solidFill>
+                        <a:srgbClr val="000000"/>
+                      </a:solidFill>
+                      <a:prstDash val="solid"/>
+                      <a:round/>
+                      <a:headEnd type="none" w="med" len="med"/>
+                      <a:tailEnd type="none" w="med" len="med"/>
+                    </a:lnT>
+                    <a:lnB>
+                      <a:noFill/>
+                    </a:lnB>
+                  </a:tcPr>
+                </a:tc>
+                <a:tc>
+                  <a:txBody>
+                    <a:bodyPr/>
+                    <a:lstStyle/>
+                    <a:p>
+                      <a:pPr algn="ctr" fontAlgn="ctr"/>
+                      <a:r>
+                        <a:rPr lang="pt-BR" sz="1400" b="0" i="0" u="none" strike="noStrike">
+                          <a:solidFill>
+                            <a:srgbClr val="000000"/>
+                          </a:solidFill>
+                          <a:effectLst/>
+                          <a:latin typeface="Calibri" panose="020F0502020204030204" pitchFamily="34" charset="0"/>
+                        </a:rPr>
+                        <a:t>   3.129.969.602 </a:t>
+                      </a:r>
+                    </a:p>
+                  </a:txBody>
+                  <a:tcPr marL="7611" marR="7611" marT="7611" marB="0" anchor="ctr">
+                    <a:lnL>
+                      <a:noFill/>
+                    </a:lnL>
+                    <a:lnR>
+                      <a:noFill/>
+                    </a:lnR>
+                    <a:lnT w="25400" cap="flat" cmpd="dbl" algn="ctr">
+                      <a:solidFill>
+                        <a:srgbClr val="000000"/>
+                      </a:solidFill>
+                      <a:prstDash val="solid"/>
+                      <a:round/>
+                      <a:headEnd type="none" w="med" len="med"/>
+                      <a:tailEnd type="none" w="med" len="med"/>
+                    </a:lnT>
+                    <a:lnB>
+                      <a:noFill/>
+                    </a:lnB>
+                  </a:tcPr>
+                </a:tc>
+                <a:tc>
+                  <a:txBody>
+                    <a:bodyPr/>
+                    <a:lstStyle/>
+                    <a:p>
+                      <a:pPr algn="ctr" fontAlgn="ctr"/>
+                      <a:r>
+                        <a:rPr lang="pt-BR" sz="1400" b="0" i="0" u="none" strike="noStrike">
+                          <a:solidFill>
+                            <a:srgbClr val="000000"/>
+                          </a:solidFill>
+                          <a:effectLst/>
+                          <a:latin typeface="Calibri" panose="020F0502020204030204" pitchFamily="34" charset="0"/>
+                        </a:rPr>
+                        <a:t>   6.327.922.330 </a:t>
+                      </a:r>
+                    </a:p>
+                  </a:txBody>
+                  <a:tcPr marL="7611" marR="7611" marT="7611" marB="0" anchor="ctr">
+                    <a:lnL>
+                      <a:noFill/>
+                    </a:lnL>
+                    <a:lnR>
+                      <a:noFill/>
+                    </a:lnR>
+                    <a:lnT w="25400" cap="flat" cmpd="dbl" algn="ctr">
+                      <a:solidFill>
+                        <a:srgbClr val="000000"/>
+                      </a:solidFill>
+                      <a:prstDash val="solid"/>
+                      <a:round/>
+                      <a:headEnd type="none" w="med" len="med"/>
+                      <a:tailEnd type="none" w="med" len="med"/>
+                    </a:lnT>
+                    <a:lnB>
+                      <a:noFill/>
+                    </a:lnB>
+                  </a:tcPr>
+                </a:tc>
+                <a:tc>
+                  <a:txBody>
+                    <a:bodyPr/>
+                    <a:lstStyle/>
+                    <a:p>
+                      <a:pPr algn="ctr" fontAlgn="ctr"/>
+                      <a:r>
+                        <a:rPr lang="pt-BR" sz="1400" b="0" i="0" u="none" strike="noStrike">
+                          <a:solidFill>
+                            <a:srgbClr val="000000"/>
+                          </a:solidFill>
+                          <a:effectLst/>
+                          <a:latin typeface="Calibri" panose="020F0502020204030204" pitchFamily="34" charset="0"/>
+                        </a:rPr>
+                        <a:t>0%</a:t>
+                      </a:r>
+                    </a:p>
+                  </a:txBody>
+                  <a:tcPr marL="7611" marR="7611" marT="7611" marB="0" anchor="ctr">
+                    <a:lnL>
+                      <a:noFill/>
+                    </a:lnL>
+                    <a:lnR>
+                      <a:noFill/>
+                    </a:lnR>
+                    <a:lnT w="25400" cap="flat" cmpd="dbl" algn="ctr">
+                      <a:solidFill>
+                        <a:srgbClr val="000000"/>
+                      </a:solidFill>
+                      <a:prstDash val="solid"/>
+                      <a:round/>
+                      <a:headEnd type="none" w="med" len="med"/>
+                      <a:tailEnd type="none" w="med" len="med"/>
+                    </a:lnT>
+                    <a:lnB>
+                      <a:noFill/>
+                    </a:lnB>
+                  </a:tcPr>
+                </a:tc>
+                <a:extLst>
+                  <a:ext uri="{0D108BD9-81ED-4DB2-BD59-A6C34878D82A}">
+                    <a16:rowId xmlns:a16="http://schemas.microsoft.com/office/drawing/2014/main" val="1906370618"/>
+                  </a:ext>
+                </a:extLst>
+              </a:tr>
+              <a:tr h="508282">
+                <a:tc>
+                  <a:txBody>
+                    <a:bodyPr/>
+                    <a:lstStyle/>
+                    <a:p>
+                      <a:pPr algn="ctr" fontAlgn="ctr"/>
+                      <a:r>
+                        <a:rPr lang="pt-BR" sz="1400" b="0" i="0" u="none" strike="noStrike">
+                          <a:solidFill>
+                            <a:srgbClr val="000000"/>
+                          </a:solidFill>
+                          <a:effectLst/>
+                          <a:latin typeface="Calibri" panose="020F0502020204030204" pitchFamily="34" charset="0"/>
+                        </a:rPr>
+                        <a:t>Regressão Logística</a:t>
+                      </a:r>
+                    </a:p>
+                  </a:txBody>
+                  <a:tcPr marL="7611" marR="7611" marT="7611" marB="0" anchor="ctr">
+                    <a:lnL>
+                      <a:noFill/>
+                    </a:lnL>
+                    <a:lnR>
+                      <a:noFill/>
+                    </a:lnR>
+                    <a:lnT>
+                      <a:noFill/>
+                    </a:lnT>
+                    <a:lnB>
+                      <a:noFill/>
+                    </a:lnB>
+                  </a:tcPr>
+                </a:tc>
+                <a:tc>
+                  <a:txBody>
+                    <a:bodyPr/>
+                    <a:lstStyle/>
+                    <a:p>
+                      <a:pPr algn="ctr" fontAlgn="ctr"/>
+                      <a:r>
+                        <a:rPr lang="pt-BR" sz="1400" b="0" i="0" u="none" strike="noStrike">
+                          <a:solidFill>
+                            <a:srgbClr val="000000"/>
+                          </a:solidFill>
+                          <a:effectLst/>
+                          <a:latin typeface="Calibri" panose="020F0502020204030204" pitchFamily="34" charset="0"/>
+                        </a:rPr>
+                        <a:t>                 64.578 </a:t>
+                      </a:r>
+                    </a:p>
+                  </a:txBody>
+                  <a:tcPr marL="7611" marR="7611" marT="7611" marB="0" anchor="ctr">
+                    <a:lnL>
+                      <a:noFill/>
+                    </a:lnL>
+                    <a:lnR>
+                      <a:noFill/>
+                    </a:lnR>
+                    <a:lnT>
+                      <a:noFill/>
+                    </a:lnT>
+                    <a:lnB>
+                      <a:noFill/>
+                    </a:lnB>
+                  </a:tcPr>
+                </a:tc>
+                <a:tc>
+                  <a:txBody>
+                    <a:bodyPr/>
+                    <a:lstStyle/>
+                    <a:p>
+                      <a:pPr algn="ctr" fontAlgn="ctr"/>
+                      <a:r>
+                        <a:rPr lang="pt-BR" sz="1400" b="0" i="0" u="none" strike="noStrike">
+                          <a:solidFill>
+                            <a:srgbClr val="000000"/>
+                          </a:solidFill>
+                          <a:effectLst/>
+                          <a:latin typeface="Calibri" panose="020F0502020204030204" pitchFamily="34" charset="0"/>
+                        </a:rPr>
+                        <a:t>                               58.117 </a:t>
+                      </a:r>
+                    </a:p>
+                  </a:txBody>
+                  <a:tcPr marL="7611" marR="7611" marT="7611" marB="0" anchor="ctr">
+                    <a:lnL>
+                      <a:noFill/>
+                    </a:lnL>
+                    <a:lnR>
+                      <a:noFill/>
+                    </a:lnR>
+                    <a:lnT>
+                      <a:noFill/>
+                    </a:lnT>
+                    <a:lnB>
+                      <a:noFill/>
+                    </a:lnB>
+                    <a:solidFill>
+                      <a:srgbClr val="D9E1F2"/>
+                    </a:solidFill>
+                  </a:tcPr>
+                </a:tc>
+                <a:tc>
+                  <a:txBody>
+                    <a:bodyPr/>
+                    <a:lstStyle/>
+                    <a:p>
+                      <a:pPr algn="ctr" fontAlgn="ctr"/>
+                      <a:r>
+                        <a:rPr lang="pt-BR" sz="1400" b="0" i="0" u="none" strike="noStrike">
+                          <a:solidFill>
+                            <a:srgbClr val="000000"/>
+                          </a:solidFill>
+                          <a:effectLst/>
+                          <a:latin typeface="Calibri" panose="020F0502020204030204" pitchFamily="34" charset="0"/>
+                        </a:rPr>
+                        <a:t>90,0%</a:t>
+                      </a:r>
+                    </a:p>
+                  </a:txBody>
+                  <a:tcPr marL="7611" marR="7611" marT="7611" marB="0" anchor="ctr">
+                    <a:lnL>
+                      <a:noFill/>
+                    </a:lnL>
+                    <a:lnR>
+                      <a:noFill/>
+                    </a:lnR>
+                    <a:lnT>
+                      <a:noFill/>
+                    </a:lnT>
+                    <a:lnB>
+                      <a:noFill/>
+                    </a:lnB>
+                  </a:tcPr>
+                </a:tc>
+                <a:tc>
+                  <a:txBody>
+                    <a:bodyPr/>
+                    <a:lstStyle/>
+                    <a:p>
+                      <a:pPr algn="ctr" fontAlgn="ctr"/>
+                      <a:r>
+                        <a:rPr lang="pt-BR" sz="1400" b="0" i="0" u="none" strike="noStrike">
+                          <a:solidFill>
+                            <a:srgbClr val="000000"/>
+                          </a:solidFill>
+                          <a:effectLst/>
+                          <a:latin typeface="Calibri" panose="020F0502020204030204" pitchFamily="34" charset="0"/>
+                        </a:rPr>
+                        <a:t>               3.625 </a:t>
+                      </a:r>
+                    </a:p>
+                  </a:txBody>
+                  <a:tcPr marL="7611" marR="7611" marT="7611" marB="0" anchor="ctr">
+                    <a:lnL>
+                      <a:noFill/>
+                    </a:lnL>
+                    <a:lnR>
+                      <a:noFill/>
+                    </a:lnR>
+                    <a:lnT>
+                      <a:noFill/>
+                    </a:lnT>
+                    <a:lnB>
+                      <a:noFill/>
+                    </a:lnB>
+                    <a:solidFill>
+                      <a:srgbClr val="D9E1F2"/>
+                    </a:solidFill>
+                  </a:tcPr>
+                </a:tc>
+                <a:tc>
+                  <a:txBody>
+                    <a:bodyPr/>
+                    <a:lstStyle/>
+                    <a:p>
+                      <a:pPr algn="ctr" fontAlgn="ctr"/>
+                      <a:r>
+                        <a:rPr lang="pt-BR" sz="1400" b="0" i="0" u="none" strike="noStrike">
+                          <a:solidFill>
+                            <a:srgbClr val="000000"/>
+                          </a:solidFill>
+                          <a:effectLst/>
+                          <a:latin typeface="Calibri" panose="020F0502020204030204" pitchFamily="34" charset="0"/>
+                        </a:rPr>
+                        <a:t>6,2%</a:t>
+                      </a:r>
+                    </a:p>
+                  </a:txBody>
+                  <a:tcPr marL="7611" marR="7611" marT="7611" marB="0" anchor="ctr">
+                    <a:lnL>
+                      <a:noFill/>
+                    </a:lnL>
+                    <a:lnR>
+                      <a:noFill/>
+                    </a:lnR>
+                    <a:lnT>
+                      <a:noFill/>
+                    </a:lnT>
+                    <a:lnB>
+                      <a:noFill/>
+                    </a:lnB>
+                  </a:tcPr>
+                </a:tc>
+                <a:tc>
+                  <a:txBody>
+                    <a:bodyPr/>
+                    <a:lstStyle/>
+                    <a:p>
+                      <a:pPr algn="ctr" fontAlgn="ctr"/>
+                      <a:r>
+                        <a:rPr lang="pt-BR" sz="1400" b="0" i="0" u="none" strike="noStrike">
+                          <a:solidFill>
+                            <a:srgbClr val="000000"/>
+                          </a:solidFill>
+                          <a:effectLst/>
+                          <a:latin typeface="Calibri" panose="020F0502020204030204" pitchFamily="34" charset="0"/>
+                        </a:rPr>
+                        <a:t>   8.511.634.077 </a:t>
+                      </a:r>
+                    </a:p>
+                  </a:txBody>
+                  <a:tcPr marL="7611" marR="7611" marT="7611" marB="0" anchor="ctr">
+                    <a:lnL>
+                      <a:noFill/>
+                    </a:lnL>
+                    <a:lnR>
+                      <a:noFill/>
+                    </a:lnR>
+                    <a:lnT>
+                      <a:noFill/>
+                    </a:lnT>
+                    <a:lnB>
+                      <a:noFill/>
+                    </a:lnB>
+                  </a:tcPr>
+                </a:tc>
+                <a:tc>
+                  <a:txBody>
+                    <a:bodyPr/>
+                    <a:lstStyle/>
+                    <a:p>
+                      <a:pPr algn="ctr" fontAlgn="ctr"/>
+                      <a:r>
+                        <a:rPr lang="pt-BR" sz="1400" b="0" i="0" u="none" strike="noStrike">
+                          <a:solidFill>
+                            <a:srgbClr val="000000"/>
+                          </a:solidFill>
+                          <a:effectLst/>
+                          <a:latin typeface="Calibri" panose="020F0502020204030204" pitchFamily="34" charset="0"/>
+                        </a:rPr>
+                        <a:t>   2.173.172.378 </a:t>
+                      </a:r>
+                    </a:p>
+                  </a:txBody>
+                  <a:tcPr marL="7611" marR="7611" marT="7611" marB="0" anchor="ctr">
+                    <a:lnL>
+                      <a:noFill/>
+                    </a:lnL>
+                    <a:lnR>
+                      <a:noFill/>
+                    </a:lnR>
+                    <a:lnT>
+                      <a:noFill/>
+                    </a:lnT>
+                    <a:lnB>
+                      <a:noFill/>
+                    </a:lnB>
+                  </a:tcPr>
+                </a:tc>
+                <a:tc>
+                  <a:txBody>
+                    <a:bodyPr/>
+                    <a:lstStyle/>
+                    <a:p>
+                      <a:pPr algn="ctr" fontAlgn="ctr"/>
+                      <a:r>
+                        <a:rPr lang="pt-BR" sz="1400" b="0" i="0" u="none" strike="noStrike">
+                          <a:solidFill>
+                            <a:srgbClr val="000000"/>
+                          </a:solidFill>
+                          <a:effectLst/>
+                          <a:latin typeface="Calibri" panose="020F0502020204030204" pitchFamily="34" charset="0"/>
+                        </a:rPr>
+                        <a:t>   6.338.461.698 </a:t>
+                      </a:r>
+                    </a:p>
+                  </a:txBody>
+                  <a:tcPr marL="7611" marR="7611" marT="7611" marB="0" anchor="ctr">
+                    <a:lnL>
+                      <a:noFill/>
+                    </a:lnL>
+                    <a:lnR>
+                      <a:noFill/>
+                    </a:lnR>
+                    <a:lnT>
+                      <a:noFill/>
+                    </a:lnT>
+                    <a:lnB>
+                      <a:noFill/>
+                    </a:lnB>
+                  </a:tcPr>
+                </a:tc>
+                <a:tc>
+                  <a:txBody>
+                    <a:bodyPr/>
+                    <a:lstStyle/>
+                    <a:p>
+                      <a:pPr algn="ctr" fontAlgn="ctr"/>
+                      <a:r>
+                        <a:rPr lang="pt-BR" sz="1400" b="0" i="0" u="none" strike="noStrike">
+                          <a:solidFill>
+                            <a:srgbClr val="000000"/>
+                          </a:solidFill>
+                          <a:effectLst/>
+                          <a:latin typeface="Calibri" panose="020F0502020204030204" pitchFamily="34" charset="0"/>
+                        </a:rPr>
+                        <a:t>0,17%</a:t>
+                      </a:r>
+                    </a:p>
+                  </a:txBody>
+                  <a:tcPr marL="7611" marR="7611" marT="7611" marB="0" anchor="ctr">
+                    <a:lnL>
+                      <a:noFill/>
+                    </a:lnL>
+                    <a:lnR>
+                      <a:noFill/>
+                    </a:lnR>
+                    <a:lnT>
+                      <a:noFill/>
+                    </a:lnT>
+                    <a:lnB>
+                      <a:noFill/>
+                    </a:lnB>
+                  </a:tcPr>
+                </a:tc>
+                <a:extLst>
+                  <a:ext uri="{0D108BD9-81ED-4DB2-BD59-A6C34878D82A}">
+                    <a16:rowId xmlns:a16="http://schemas.microsoft.com/office/drawing/2014/main" val="2816820348"/>
+                  </a:ext>
+                </a:extLst>
+              </a:tr>
+              <a:tr h="508282">
+                <a:tc>
+                  <a:txBody>
+                    <a:bodyPr/>
+                    <a:lstStyle/>
+                    <a:p>
+                      <a:pPr algn="ctr" fontAlgn="ctr"/>
+                      <a:r>
+                        <a:rPr lang="pt-BR" sz="1400" b="0" i="0" u="none" strike="noStrike">
+                          <a:solidFill>
+                            <a:srgbClr val="000000"/>
+                          </a:solidFill>
+                          <a:effectLst/>
+                          <a:latin typeface="Calibri" panose="020F0502020204030204" pitchFamily="34" charset="0"/>
+                        </a:rPr>
+                        <a:t>Light GBM</a:t>
+                      </a:r>
+                    </a:p>
+                  </a:txBody>
+                  <a:tcPr marL="7611" marR="7611" marT="7611" marB="0" anchor="ctr">
+                    <a:lnL>
+                      <a:noFill/>
+                    </a:lnL>
+                    <a:lnR>
+                      <a:noFill/>
+                    </a:lnR>
+                    <a:lnT>
+                      <a:noFill/>
+                    </a:lnT>
+                    <a:lnB>
+                      <a:noFill/>
+                    </a:lnB>
+                  </a:tcPr>
+                </a:tc>
+                <a:tc>
+                  <a:txBody>
+                    <a:bodyPr/>
+                    <a:lstStyle/>
+                    <a:p>
+                      <a:pPr algn="ctr" fontAlgn="ctr"/>
+                      <a:r>
+                        <a:rPr lang="pt-BR" sz="1400" b="0" i="0" u="none" strike="noStrike">
+                          <a:solidFill>
+                            <a:srgbClr val="000000"/>
+                          </a:solidFill>
+                          <a:effectLst/>
+                          <a:latin typeface="Calibri" panose="020F0502020204030204" pitchFamily="34" charset="0"/>
+                        </a:rPr>
+                        <a:t>                 64.578 </a:t>
+                      </a:r>
+                    </a:p>
+                  </a:txBody>
+                  <a:tcPr marL="7611" marR="7611" marT="7611" marB="0" anchor="ctr">
+                    <a:lnL>
+                      <a:noFill/>
+                    </a:lnL>
+                    <a:lnR>
+                      <a:noFill/>
+                    </a:lnR>
+                    <a:lnT>
+                      <a:noFill/>
+                    </a:lnT>
+                    <a:lnB>
+                      <a:noFill/>
+                    </a:lnB>
+                  </a:tcPr>
+                </a:tc>
+                <a:tc>
+                  <a:txBody>
+                    <a:bodyPr/>
+                    <a:lstStyle/>
+                    <a:p>
+                      <a:pPr algn="ctr" fontAlgn="ctr"/>
+                      <a:r>
+                        <a:rPr lang="pt-BR" sz="1400" b="0" i="0" u="none" strike="noStrike">
+                          <a:solidFill>
+                            <a:srgbClr val="000000"/>
+                          </a:solidFill>
+                          <a:effectLst/>
+                          <a:latin typeface="Calibri" panose="020F0502020204030204" pitchFamily="34" charset="0"/>
+                        </a:rPr>
+                        <a:t>                               58.120 </a:t>
+                      </a:r>
+                    </a:p>
+                  </a:txBody>
+                  <a:tcPr marL="7611" marR="7611" marT="7611" marB="0" anchor="ctr">
+                    <a:lnL>
+                      <a:noFill/>
+                    </a:lnL>
+                    <a:lnR>
+                      <a:noFill/>
+                    </a:lnR>
+                    <a:lnT>
+                      <a:noFill/>
+                    </a:lnT>
+                    <a:lnB>
+                      <a:noFill/>
+                    </a:lnB>
+                    <a:solidFill>
+                      <a:srgbClr val="D9E1F2"/>
+                    </a:solidFill>
+                  </a:tcPr>
+                </a:tc>
+                <a:tc>
+                  <a:txBody>
+                    <a:bodyPr/>
+                    <a:lstStyle/>
+                    <a:p>
+                      <a:pPr algn="ctr" fontAlgn="ctr"/>
+                      <a:r>
+                        <a:rPr lang="pt-BR" sz="1400" b="0" i="0" u="none" strike="noStrike">
+                          <a:solidFill>
+                            <a:srgbClr val="000000"/>
+                          </a:solidFill>
+                          <a:effectLst/>
+                          <a:latin typeface="Calibri" panose="020F0502020204030204" pitchFamily="34" charset="0"/>
+                        </a:rPr>
+                        <a:t>90,0%</a:t>
+                      </a:r>
+                    </a:p>
+                  </a:txBody>
+                  <a:tcPr marL="7611" marR="7611" marT="7611" marB="0" anchor="ctr">
+                    <a:lnL>
+                      <a:noFill/>
+                    </a:lnL>
+                    <a:lnR>
+                      <a:noFill/>
+                    </a:lnR>
+                    <a:lnT>
+                      <a:noFill/>
+                    </a:lnT>
+                    <a:lnB>
+                      <a:noFill/>
+                    </a:lnB>
+                  </a:tcPr>
+                </a:tc>
+                <a:tc>
+                  <a:txBody>
+                    <a:bodyPr/>
+                    <a:lstStyle/>
+                    <a:p>
+                      <a:pPr algn="ctr" fontAlgn="ctr"/>
+                      <a:r>
+                        <a:rPr lang="pt-BR" sz="1400" b="0" i="0" u="none" strike="noStrike">
+                          <a:solidFill>
+                            <a:srgbClr val="000000"/>
+                          </a:solidFill>
+                          <a:effectLst/>
+                          <a:latin typeface="Calibri" panose="020F0502020204030204" pitchFamily="34" charset="0"/>
+                        </a:rPr>
+                        <a:t>               3.573 </a:t>
+                      </a:r>
+                    </a:p>
+                  </a:txBody>
+                  <a:tcPr marL="7611" marR="7611" marT="7611" marB="0" anchor="ctr">
+                    <a:lnL>
+                      <a:noFill/>
+                    </a:lnL>
+                    <a:lnR>
+                      <a:noFill/>
+                    </a:lnR>
+                    <a:lnT>
+                      <a:noFill/>
+                    </a:lnT>
+                    <a:lnB>
+                      <a:noFill/>
+                    </a:lnB>
+                    <a:solidFill>
+                      <a:srgbClr val="D9E1F2"/>
+                    </a:solidFill>
+                  </a:tcPr>
+                </a:tc>
+                <a:tc>
+                  <a:txBody>
+                    <a:bodyPr/>
+                    <a:lstStyle/>
+                    <a:p>
+                      <a:pPr algn="ctr" fontAlgn="ctr"/>
+                      <a:r>
+                        <a:rPr lang="pt-BR" sz="1400" b="0" i="0" u="none" strike="noStrike">
+                          <a:solidFill>
+                            <a:srgbClr val="000000"/>
+                          </a:solidFill>
+                          <a:effectLst/>
+                          <a:latin typeface="Calibri" panose="020F0502020204030204" pitchFamily="34" charset="0"/>
+                        </a:rPr>
+                        <a:t>6,1%</a:t>
+                      </a:r>
+                    </a:p>
+                  </a:txBody>
+                  <a:tcPr marL="7611" marR="7611" marT="7611" marB="0" anchor="ctr">
+                    <a:lnL>
+                      <a:noFill/>
+                    </a:lnL>
+                    <a:lnR>
+                      <a:noFill/>
+                    </a:lnR>
+                    <a:lnT>
+                      <a:noFill/>
+                    </a:lnT>
+                    <a:lnB>
+                      <a:noFill/>
+                    </a:lnB>
+                  </a:tcPr>
+                </a:tc>
+                <a:tc>
+                  <a:txBody>
+                    <a:bodyPr/>
+                    <a:lstStyle/>
+                    <a:p>
+                      <a:pPr algn="ctr" fontAlgn="ctr"/>
+                      <a:r>
+                        <a:rPr lang="pt-BR" sz="1400" b="0" i="0" u="none" strike="noStrike">
+                          <a:solidFill>
+                            <a:srgbClr val="000000"/>
+                          </a:solidFill>
+                          <a:effectLst/>
+                          <a:latin typeface="Calibri" panose="020F0502020204030204" pitchFamily="34" charset="0"/>
+                        </a:rPr>
+                        <a:t>   8.512.073.447 </a:t>
+                      </a:r>
+                    </a:p>
+                  </a:txBody>
+                  <a:tcPr marL="7611" marR="7611" marT="7611" marB="0" anchor="ctr">
+                    <a:lnL>
+                      <a:noFill/>
+                    </a:lnL>
+                    <a:lnR>
+                      <a:noFill/>
+                    </a:lnR>
+                    <a:lnT>
+                      <a:noFill/>
+                    </a:lnT>
+                    <a:lnB>
+                      <a:noFill/>
+                    </a:lnB>
+                  </a:tcPr>
+                </a:tc>
+                <a:tc>
+                  <a:txBody>
+                    <a:bodyPr/>
+                    <a:lstStyle/>
+                    <a:p>
+                      <a:pPr algn="ctr" fontAlgn="ctr"/>
+                      <a:r>
+                        <a:rPr lang="pt-BR" sz="1400" b="0" i="0" u="none" strike="noStrike">
+                          <a:solidFill>
+                            <a:srgbClr val="000000"/>
+                          </a:solidFill>
+                          <a:effectLst/>
+                          <a:latin typeface="Calibri" panose="020F0502020204030204" pitchFamily="34" charset="0"/>
+                        </a:rPr>
+                        <a:t>   2.142.001.667 </a:t>
+                      </a:r>
+                    </a:p>
+                  </a:txBody>
+                  <a:tcPr marL="7611" marR="7611" marT="7611" marB="0" anchor="ctr">
+                    <a:lnL>
+                      <a:noFill/>
+                    </a:lnL>
+                    <a:lnR>
+                      <a:noFill/>
+                    </a:lnR>
+                    <a:lnT>
+                      <a:noFill/>
+                    </a:lnT>
+                    <a:lnB>
+                      <a:noFill/>
+                    </a:lnB>
+                  </a:tcPr>
+                </a:tc>
+                <a:tc>
+                  <a:txBody>
+                    <a:bodyPr/>
+                    <a:lstStyle/>
+                    <a:p>
+                      <a:pPr algn="ctr" fontAlgn="ctr"/>
+                      <a:r>
+                        <a:rPr lang="pt-BR" sz="1400" b="0" i="0" u="none" strike="noStrike">
+                          <a:solidFill>
+                            <a:srgbClr val="000000"/>
+                          </a:solidFill>
+                          <a:effectLst/>
+                          <a:latin typeface="Calibri" panose="020F0502020204030204" pitchFamily="34" charset="0"/>
+                        </a:rPr>
+                        <a:t>   6.370.071.781 </a:t>
+                      </a:r>
+                    </a:p>
+                  </a:txBody>
+                  <a:tcPr marL="7611" marR="7611" marT="7611" marB="0" anchor="ctr">
+                    <a:lnL>
+                      <a:noFill/>
+                    </a:lnL>
+                    <a:lnR>
+                      <a:noFill/>
+                    </a:lnR>
+                    <a:lnT>
+                      <a:noFill/>
+                    </a:lnT>
+                    <a:lnB>
+                      <a:noFill/>
+                    </a:lnB>
+                  </a:tcPr>
+                </a:tc>
+                <a:tc>
+                  <a:txBody>
+                    <a:bodyPr/>
+                    <a:lstStyle/>
+                    <a:p>
+                      <a:pPr algn="ctr" fontAlgn="ctr"/>
+                      <a:r>
+                        <a:rPr lang="pt-BR" sz="1400" b="0" i="0" u="none" strike="noStrike">
+                          <a:solidFill>
+                            <a:srgbClr val="000000"/>
+                          </a:solidFill>
+                          <a:effectLst/>
+                          <a:latin typeface="Calibri" panose="020F0502020204030204" pitchFamily="34" charset="0"/>
+                        </a:rPr>
+                        <a:t>0,67%</a:t>
+                      </a:r>
+                    </a:p>
+                  </a:txBody>
+                  <a:tcPr marL="7611" marR="7611" marT="7611" marB="0" anchor="ctr">
+                    <a:lnL>
+                      <a:noFill/>
+                    </a:lnL>
+                    <a:lnR>
+                      <a:noFill/>
+                    </a:lnR>
+                    <a:lnT>
+                      <a:noFill/>
+                    </a:lnT>
+                    <a:lnB>
+                      <a:noFill/>
+                    </a:lnB>
+                  </a:tcPr>
+                </a:tc>
+                <a:extLst>
+                  <a:ext uri="{0D108BD9-81ED-4DB2-BD59-A6C34878D82A}">
+                    <a16:rowId xmlns:a16="http://schemas.microsoft.com/office/drawing/2014/main" val="3638957662"/>
+                  </a:ext>
+                </a:extLst>
+              </a:tr>
+              <a:tr h="508282">
+                <a:tc>
+                  <a:txBody>
+                    <a:bodyPr/>
+                    <a:lstStyle/>
+                    <a:p>
+                      <a:pPr algn="ctr" fontAlgn="ctr"/>
+                      <a:r>
+                        <a:rPr lang="pt-BR" sz="1400" b="1" i="0" u="none" strike="noStrike">
+                          <a:solidFill>
+                            <a:srgbClr val="000000"/>
+                          </a:solidFill>
+                          <a:effectLst/>
+                          <a:latin typeface="Calibri" panose="020F0502020204030204" pitchFamily="34" charset="0"/>
+                        </a:rPr>
+                        <a:t>Light GBM x Cenário Vigente</a:t>
+                      </a:r>
+                    </a:p>
+                  </a:txBody>
+                  <a:tcPr marL="7611" marR="7611" marT="7611" marB="0" anchor="ctr">
+                    <a:lnL>
+                      <a:noFill/>
+                    </a:lnL>
+                    <a:lnR>
+                      <a:noFill/>
+                    </a:lnR>
+                    <a:lnT>
+                      <a:noFill/>
+                    </a:lnT>
+                    <a:lnB>
+                      <a:noFill/>
+                    </a:lnB>
+                  </a:tcPr>
+                </a:tc>
+                <a:tc>
+                  <a:txBody>
+                    <a:bodyPr/>
+                    <a:lstStyle/>
+                    <a:p>
+                      <a:pPr algn="ctr" fontAlgn="ctr"/>
+                      <a:r>
+                        <a:rPr lang="pt-BR" sz="1400" b="0" i="0" u="none" strike="noStrike">
+                          <a:solidFill>
+                            <a:srgbClr val="000000"/>
+                          </a:solidFill>
+                          <a:effectLst/>
+                          <a:latin typeface="Calibri" panose="020F0502020204030204" pitchFamily="34" charset="0"/>
+                        </a:rPr>
+                        <a:t>                          -   </a:t>
+                      </a:r>
+                    </a:p>
+                  </a:txBody>
+                  <a:tcPr marL="7611" marR="7611" marT="7611" marB="0" anchor="ctr">
+                    <a:lnL>
+                      <a:noFill/>
+                    </a:lnL>
+                    <a:lnR>
+                      <a:noFill/>
+                    </a:lnR>
+                    <a:lnT>
+                      <a:noFill/>
+                    </a:lnT>
+                    <a:lnB>
+                      <a:noFill/>
+                    </a:lnB>
+                  </a:tcPr>
+                </a:tc>
+                <a:tc>
+                  <a:txBody>
+                    <a:bodyPr/>
+                    <a:lstStyle/>
+                    <a:p>
+                      <a:pPr algn="ctr" fontAlgn="ctr"/>
+                      <a:r>
+                        <a:rPr lang="pt-BR" sz="1400" b="0" i="0" u="none" strike="noStrike">
+                          <a:solidFill>
+                            <a:srgbClr val="000000"/>
+                          </a:solidFill>
+                          <a:effectLst/>
+                          <a:latin typeface="Calibri" panose="020F0502020204030204" pitchFamily="34" charset="0"/>
+                        </a:rPr>
+                        <a:t>-                                6.458 </a:t>
+                      </a:r>
+                    </a:p>
+                  </a:txBody>
+                  <a:tcPr marL="7611" marR="7611" marT="7611" marB="0" anchor="ctr">
+                    <a:lnL>
+                      <a:noFill/>
+                    </a:lnL>
+                    <a:lnR>
+                      <a:noFill/>
+                    </a:lnR>
+                    <a:lnT>
+                      <a:noFill/>
+                    </a:lnT>
+                    <a:lnB>
+                      <a:noFill/>
+                    </a:lnB>
+                  </a:tcPr>
+                </a:tc>
+                <a:tc>
+                  <a:txBody>
+                    <a:bodyPr/>
+                    <a:lstStyle/>
+                    <a:p>
+                      <a:pPr algn="ctr" fontAlgn="ctr"/>
+                      <a:r>
+                        <a:rPr lang="pt-BR" sz="1400" b="0" i="0" u="none" strike="noStrike">
+                          <a:solidFill>
+                            <a:srgbClr val="000000"/>
+                          </a:solidFill>
+                          <a:effectLst/>
+                          <a:latin typeface="Calibri" panose="020F0502020204030204" pitchFamily="34" charset="0"/>
+                        </a:rPr>
+                        <a:t>-10,0%</a:t>
+                      </a:r>
+                    </a:p>
+                  </a:txBody>
+                  <a:tcPr marL="7611" marR="7611" marT="7611" marB="0" anchor="ctr">
+                    <a:lnL>
+                      <a:noFill/>
+                    </a:lnL>
+                    <a:lnR>
+                      <a:noFill/>
+                    </a:lnR>
+                    <a:lnT>
+                      <a:noFill/>
+                    </a:lnT>
+                    <a:lnB>
+                      <a:noFill/>
+                    </a:lnB>
+                  </a:tcPr>
+                </a:tc>
+                <a:tc>
+                  <a:txBody>
+                    <a:bodyPr/>
+                    <a:lstStyle/>
+                    <a:p>
+                      <a:pPr algn="ctr" fontAlgn="ctr"/>
+                      <a:r>
+                        <a:rPr lang="pt-BR" sz="1400" b="0" i="0" u="none" strike="noStrike">
+                          <a:solidFill>
+                            <a:srgbClr val="000000"/>
+                          </a:solidFill>
+                          <a:effectLst/>
+                          <a:latin typeface="Calibri" panose="020F0502020204030204" pitchFamily="34" charset="0"/>
+                        </a:rPr>
+                        <a:t>-              1.648 </a:t>
+                      </a:r>
+                    </a:p>
+                  </a:txBody>
+                  <a:tcPr marL="7611" marR="7611" marT="7611" marB="0" anchor="ctr">
+                    <a:lnL>
+                      <a:noFill/>
+                    </a:lnL>
+                    <a:lnR>
+                      <a:noFill/>
+                    </a:lnR>
+                    <a:lnT>
+                      <a:noFill/>
+                    </a:lnT>
+                    <a:lnB>
+                      <a:noFill/>
+                    </a:lnB>
+                  </a:tcPr>
+                </a:tc>
+                <a:tc>
+                  <a:txBody>
+                    <a:bodyPr/>
+                    <a:lstStyle/>
+                    <a:p>
+                      <a:pPr algn="ctr" fontAlgn="ctr"/>
+                      <a:r>
+                        <a:rPr lang="pt-BR" sz="1400" b="0" i="0" u="none" strike="noStrike" dirty="0">
+                          <a:solidFill>
+                            <a:srgbClr val="000000"/>
+                          </a:solidFill>
+                          <a:effectLst/>
+                          <a:latin typeface="Calibri" panose="020F0502020204030204" pitchFamily="34" charset="0"/>
+                        </a:rPr>
+                        <a:t>-1,9%</a:t>
+                      </a:r>
+                    </a:p>
+                  </a:txBody>
+                  <a:tcPr marL="7611" marR="7611" marT="7611" marB="0" anchor="ctr">
+                    <a:lnL>
+                      <a:noFill/>
+                    </a:lnL>
+                    <a:lnR>
+                      <a:noFill/>
+                    </a:lnR>
+                    <a:lnT>
+                      <a:noFill/>
+                    </a:lnT>
+                    <a:lnB>
+                      <a:noFill/>
+                    </a:lnB>
+                  </a:tcPr>
+                </a:tc>
+                <a:tc>
+                  <a:txBody>
+                    <a:bodyPr/>
+                    <a:lstStyle/>
+                    <a:p>
+                      <a:pPr algn="ctr" fontAlgn="ctr"/>
+                      <a:r>
+                        <a:rPr lang="pt-BR" sz="1400" b="0" i="0" u="none" strike="noStrike">
+                          <a:solidFill>
+                            <a:srgbClr val="000000"/>
+                          </a:solidFill>
+                          <a:effectLst/>
+                          <a:latin typeface="Calibri" panose="020F0502020204030204" pitchFamily="34" charset="0"/>
+                        </a:rPr>
+                        <a:t>-     945.818.485 </a:t>
+                      </a:r>
+                    </a:p>
+                  </a:txBody>
+                  <a:tcPr marL="7611" marR="7611" marT="7611" marB="0" anchor="ctr">
+                    <a:lnL>
+                      <a:noFill/>
+                    </a:lnL>
+                    <a:lnR>
+                      <a:noFill/>
+                    </a:lnR>
+                    <a:lnT>
+                      <a:noFill/>
+                    </a:lnT>
+                    <a:lnB>
+                      <a:noFill/>
+                    </a:lnB>
+                  </a:tcPr>
+                </a:tc>
+                <a:tc>
+                  <a:txBody>
+                    <a:bodyPr/>
+                    <a:lstStyle/>
+                    <a:p>
+                      <a:pPr algn="ctr" fontAlgn="ctr"/>
+                      <a:r>
+                        <a:rPr lang="pt-BR" sz="1400" b="0" i="0" u="none" strike="noStrike">
+                          <a:solidFill>
+                            <a:srgbClr val="000000"/>
+                          </a:solidFill>
+                          <a:effectLst/>
+                          <a:latin typeface="Calibri" panose="020F0502020204030204" pitchFamily="34" charset="0"/>
+                        </a:rPr>
+                        <a:t>-     987.967.935 </a:t>
+                      </a:r>
+                    </a:p>
+                  </a:txBody>
+                  <a:tcPr marL="7611" marR="7611" marT="7611" marB="0" anchor="ctr">
+                    <a:lnL>
+                      <a:noFill/>
+                    </a:lnL>
+                    <a:lnR>
+                      <a:noFill/>
+                    </a:lnR>
+                    <a:lnT>
+                      <a:noFill/>
+                    </a:lnT>
+                    <a:lnB>
+                      <a:noFill/>
+                    </a:lnB>
+                  </a:tcPr>
+                </a:tc>
+                <a:tc>
+                  <a:txBody>
+                    <a:bodyPr/>
+                    <a:lstStyle/>
+                    <a:p>
+                      <a:pPr algn="ctr" fontAlgn="ctr"/>
+                      <a:r>
+                        <a:rPr lang="pt-BR" sz="1400" b="1" i="0" u="sng" strike="noStrike">
+                          <a:solidFill>
+                            <a:srgbClr val="00B050"/>
+                          </a:solidFill>
+                          <a:effectLst/>
+                          <a:latin typeface="Calibri" panose="020F0502020204030204" pitchFamily="34" charset="0"/>
+                        </a:rPr>
+                        <a:t>        42.149.450 </a:t>
+                      </a:r>
+                    </a:p>
+                  </a:txBody>
+                  <a:tcPr marL="7611" marR="7611" marT="7611" marB="0" anchor="ctr">
+                    <a:lnL>
+                      <a:noFill/>
+                    </a:lnL>
+                    <a:lnR>
+                      <a:noFill/>
+                    </a:lnR>
+                    <a:lnT>
+                      <a:noFill/>
+                    </a:lnT>
+                    <a:lnB>
+                      <a:noFill/>
+                    </a:lnB>
+                    <a:solidFill>
+                      <a:srgbClr val="C6E0B4"/>
+                    </a:solidFill>
+                  </a:tcPr>
+                </a:tc>
+                <a:tc>
+                  <a:txBody>
+                    <a:bodyPr/>
+                    <a:lstStyle/>
+                    <a:p>
+                      <a:pPr algn="ctr" fontAlgn="ctr"/>
+                      <a:r>
+                        <a:rPr lang="pt-BR" sz="1400" b="1" i="0" u="sng" strike="noStrike" dirty="0">
+                          <a:solidFill>
+                            <a:srgbClr val="00B050"/>
+                          </a:solidFill>
+                          <a:effectLst/>
+                          <a:latin typeface="Calibri" panose="020F0502020204030204" pitchFamily="34" charset="0"/>
+                        </a:rPr>
+                        <a:t>0,67%</a:t>
+                      </a:r>
+                    </a:p>
+                  </a:txBody>
+                  <a:tcPr marL="7611" marR="7611" marT="7611" marB="0" anchor="ctr">
+                    <a:lnL>
+                      <a:noFill/>
+                    </a:lnL>
+                    <a:lnR>
+                      <a:noFill/>
+                    </a:lnR>
+                    <a:lnT>
+                      <a:noFill/>
+                    </a:lnT>
+                    <a:lnB>
+                      <a:noFill/>
+                    </a:lnB>
+                    <a:solidFill>
+                      <a:srgbClr val="C6E0B4"/>
+                    </a:solidFill>
+                  </a:tcPr>
+                </a:tc>
+                <a:extLst>
+                  <a:ext uri="{0D108BD9-81ED-4DB2-BD59-A6C34878D82A}">
+                    <a16:rowId xmlns:a16="http://schemas.microsoft.com/office/drawing/2014/main" val="3549864818"/>
                   </a:ext>
                 </a:extLst>
               </a:tr>

--- a/Projeto_Reducao_Inadimplencia_Pod_Bank.pptx
+++ b/Projeto_Reducao_Inadimplencia_Pod_Bank.pptx
@@ -161,14 +161,14 @@
   <c:roundedCorners val="0"/>
   <mc:AlternateContent xmlns:mc="http://schemas.openxmlformats.org/markup-compatibility/2006">
     <mc:Choice xmlns:c14="http://schemas.microsoft.com/office/drawing/2007/8/2/chart" Requires="c14">
-      <c14:style val="102"/>
+      <c14:style val="103"/>
     </mc:Choice>
     <mc:Fallback>
-      <c:style val="2"/>
+      <c:style val="3"/>
     </mc:Fallback>
   </mc:AlternateContent>
   <c:chart>
-    <c:autoTitleDeleted val="1"/>
+    <c:autoTitleDeleted val="0"/>
     <c:plotArea>
       <c:layout/>
       <c:doughnutChart>
@@ -181,36 +181,59 @@
             <c:bubble3D val="0"/>
             <c:spPr>
               <a:solidFill>
-                <a:schemeClr val="accent1"/>
+                <a:schemeClr val="accent1">
+                  <a:shade val="76000"/>
+                </a:schemeClr>
               </a:solidFill>
               <a:ln w="19050">
-                <a:solidFill>
-                  <a:schemeClr val="lt1"/>
-                </a:solidFill>
+                <a:noFill/>
               </a:ln>
               <a:effectLst/>
             </c:spPr>
             <c:extLst>
               <c:ext xmlns:c16="http://schemas.microsoft.com/office/drawing/2014/chart" uri="{C3380CC4-5D6E-409C-BE32-E72D297353CC}">
-                <c16:uniqueId val="{00000001-9FA1-4FC7-9105-C4418812BDA9}"/>
+                <c16:uniqueId val="{00000001-78CE-4B2B-8F6E-19E88A065FDB}"/>
+              </c:ext>
+            </c:extLst>
+          </c:dPt>
+          <c:dPt>
+            <c:idx val="1"/>
+            <c:bubble3D val="0"/>
+            <c:spPr>
+              <a:solidFill>
+                <a:schemeClr val="accent2">
+                  <a:lumMod val="75000"/>
+                </a:schemeClr>
+              </a:solidFill>
+              <a:ln w="19050">
+                <a:noFill/>
+              </a:ln>
+              <a:effectLst/>
+            </c:spPr>
+            <c:extLst>
+              <c:ext xmlns:c16="http://schemas.microsoft.com/office/drawing/2014/chart" uri="{C3380CC4-5D6E-409C-BE32-E72D297353CC}">
+                <c16:uniqueId val="{00000003-78CE-4B2B-8F6E-19E88A065FDB}"/>
               </c:ext>
             </c:extLst>
           </c:dPt>
           <c:val>
             <c:numRef>
-              <c:f>#REF!</c:f>
+              <c:f>'Cortando apenas 10% do vol'!$E$40:$E$41</c:f>
               <c:numCache>
-                <c:formatCode>General</c:formatCode>
-                <c:ptCount val="1"/>
+                <c:formatCode>0%</c:formatCode>
+                <c:ptCount val="2"/>
                 <c:pt idx="0">
-                  <c:v>1</c:v>
+                  <c:v>0.91</c:v>
+                </c:pt>
+                <c:pt idx="1">
+                  <c:v>0.09</c:v>
                 </c:pt>
               </c:numCache>
             </c:numRef>
           </c:val>
           <c:extLst>
             <c:ext xmlns:c16="http://schemas.microsoft.com/office/drawing/2014/chart" uri="{C3380CC4-5D6E-409C-BE32-E72D297353CC}">
-              <c16:uniqueId val="{00000004-9FA1-4FC7-9105-C4418812BDA9}"/>
+              <c16:uniqueId val="{00000004-78CE-4B2B-8F6E-19E88A065FDB}"/>
             </c:ext>
           </c:extLst>
         </c:ser>
@@ -223,8 +246,8 @@
           <c:showBubbleSize val="0"/>
           <c:showLeaderLines val="1"/>
         </c:dLbls>
-        <c:firstSliceAng val="56"/>
-        <c:holeSize val="65"/>
+        <c:firstSliceAng val="66"/>
+        <c:holeSize val="75"/>
       </c:doughnutChart>
       <c:spPr>
         <a:noFill/>
@@ -1250,13 +1273,13 @@
                 <c:formatCode>0.00%</c:formatCode>
                 <c:ptCount val="3"/>
                 <c:pt idx="0">
-                  <c:v>0.75330900000000001</c:v>
+                  <c:v>0.78142699999999998</c:v>
                 </c:pt>
                 <c:pt idx="1">
-                  <c:v>0.50661800000000001</c:v>
+                  <c:v>0.56285300000000005</c:v>
                 </c:pt>
                 <c:pt idx="2">
-                  <c:v>0.37703300000000001</c:v>
+                  <c:v>0.41842000000000001</c:v>
                 </c:pt>
               </c:numCache>
             </c:numRef>
@@ -1371,13 +1394,13 @@
                 <c:formatCode>0.00%</c:formatCode>
                 <c:ptCount val="3"/>
                 <c:pt idx="0">
-                  <c:v>0.74231899999999995</c:v>
+                  <c:v>0.74530600000000002</c:v>
                 </c:pt>
                 <c:pt idx="1">
-                  <c:v>0.48463899999999999</c:v>
+                  <c:v>0.49061199999999999</c:v>
                 </c:pt>
                 <c:pt idx="2">
-                  <c:v>0.36247200000000002</c:v>
+                  <c:v>0.36687599999999998</c:v>
                 </c:pt>
               </c:numCache>
             </c:numRef>
@@ -1668,34 +1691,34 @@
                 <c:formatCode>0%</c:formatCode>
                 <c:ptCount val="10"/>
                 <c:pt idx="0">
-                  <c:v>0.261017</c:v>
+                  <c:v>0.28444399999999997</c:v>
                 </c:pt>
                 <c:pt idx="1">
-                  <c:v>0.15124799999999999</c:v>
+                  <c:v>0.15702199999999999</c:v>
                 </c:pt>
                 <c:pt idx="2">
-                  <c:v>0.106318</c:v>
+                  <c:v>0.10817599999999999</c:v>
                 </c:pt>
                 <c:pt idx="3">
-                  <c:v>8.0296999999999993E-2</c:v>
+                  <c:v>7.9439999999999997E-2</c:v>
                 </c:pt>
                 <c:pt idx="4">
-                  <c:v>6.3915E-2</c:v>
+                  <c:v>6.1654E-2</c:v>
                 </c:pt>
                 <c:pt idx="5">
-                  <c:v>4.9180000000000001E-2</c:v>
+                  <c:v>4.4601000000000002E-2</c:v>
                 </c:pt>
                 <c:pt idx="6">
-                  <c:v>3.6435000000000002E-2</c:v>
+                  <c:v>3.2717999999999997E-2</c:v>
                 </c:pt>
                 <c:pt idx="7">
-                  <c:v>3.0395999999999999E-2</c:v>
+                  <c:v>2.2498000000000001E-2</c:v>
                 </c:pt>
                 <c:pt idx="8">
-                  <c:v>1.772E-2</c:v>
+                  <c:v>1.3937E-2</c:v>
                 </c:pt>
                 <c:pt idx="9">
-                  <c:v>1.2278000000000001E-2</c:v>
+                  <c:v>4.3140000000000001E-3</c:v>
                 </c:pt>
               </c:numCache>
             </c:numRef>
@@ -1791,34 +1814,34 @@
                 <c:formatCode>0%</c:formatCode>
                 <c:ptCount val="10"/>
                 <c:pt idx="0">
-                  <c:v>0.25580700000000001</c:v>
+                  <c:v>0.26060699999999998</c:v>
                 </c:pt>
                 <c:pt idx="1">
-                  <c:v>0.14756900000000001</c:v>
+                  <c:v>0.14385300000000001</c:v>
                 </c:pt>
                 <c:pt idx="2">
-                  <c:v>0.105296</c:v>
+                  <c:v>0.106535</c:v>
                 </c:pt>
                 <c:pt idx="3">
-                  <c:v>7.8673999999999994E-2</c:v>
+                  <c:v>7.7435000000000004E-2</c:v>
                 </c:pt>
                 <c:pt idx="4">
-                  <c:v>6.4726000000000006E-2</c:v>
+                  <c:v>6.8132999999999999E-2</c:v>
                 </c:pt>
                 <c:pt idx="5">
-                  <c:v>4.8932000000000003E-2</c:v>
+                  <c:v>4.8002000000000003E-2</c:v>
                 </c:pt>
                 <c:pt idx="6">
-                  <c:v>3.8098E-2</c:v>
+                  <c:v>3.6859000000000003E-2</c:v>
                 </c:pt>
                 <c:pt idx="7">
-                  <c:v>3.0505000000000001E-2</c:v>
+                  <c:v>2.8646999999999999E-2</c:v>
                 </c:pt>
                 <c:pt idx="8">
-                  <c:v>2.2914E-2</c:v>
+                  <c:v>2.2608E-2</c:v>
                 </c:pt>
                 <c:pt idx="9">
-                  <c:v>1.6570999999999999E-2</c:v>
+                  <c:v>1.6414000000000002E-2</c:v>
                 </c:pt>
               </c:numCache>
             </c:numRef>
@@ -2238,13 +2261,13 @@
                 <c:formatCode>0.00%</c:formatCode>
                 <c:ptCount val="3"/>
                 <c:pt idx="0">
-                  <c:v>0.74231899999999995</c:v>
+                  <c:v>0.74530600000000002</c:v>
                 </c:pt>
                 <c:pt idx="1">
-                  <c:v>0.48463899999999999</c:v>
+                  <c:v>0.49061199999999999</c:v>
                 </c:pt>
                 <c:pt idx="2">
-                  <c:v>0.36247200000000002</c:v>
+                  <c:v>0.36687599999999998</c:v>
                 </c:pt>
               </c:numCache>
             </c:numRef>
@@ -2662,34 +2685,34 @@
                 <c:formatCode>0%</c:formatCode>
                 <c:ptCount val="10"/>
                 <c:pt idx="0">
-                  <c:v>0.25580700000000001</c:v>
+                  <c:v>0.26060699999999998</c:v>
                 </c:pt>
                 <c:pt idx="1">
-                  <c:v>0.14756900000000001</c:v>
+                  <c:v>0.14385300000000001</c:v>
                 </c:pt>
                 <c:pt idx="2">
-                  <c:v>0.105296</c:v>
+                  <c:v>0.106535</c:v>
                 </c:pt>
                 <c:pt idx="3">
-                  <c:v>7.8673999999999994E-2</c:v>
+                  <c:v>7.7435000000000004E-2</c:v>
                 </c:pt>
                 <c:pt idx="4">
-                  <c:v>6.4726000000000006E-2</c:v>
+                  <c:v>6.8132999999999999E-2</c:v>
                 </c:pt>
                 <c:pt idx="5">
-                  <c:v>4.8932000000000003E-2</c:v>
+                  <c:v>4.8002000000000003E-2</c:v>
                 </c:pt>
                 <c:pt idx="6">
-                  <c:v>3.8098E-2</c:v>
+                  <c:v>3.6859000000000003E-2</c:v>
                 </c:pt>
                 <c:pt idx="7">
-                  <c:v>3.0505000000000001E-2</c:v>
+                  <c:v>2.8646999999999999E-2</c:v>
                 </c:pt>
                 <c:pt idx="8">
-                  <c:v>2.2914E-2</c:v>
+                  <c:v>2.2608E-2</c:v>
                 </c:pt>
                 <c:pt idx="9">
-                  <c:v>1.6570999999999999E-2</c:v>
+                  <c:v>1.6414000000000002E-2</c:v>
                 </c:pt>
               </c:numCache>
             </c:numRef>
@@ -2919,7 +2942,7 @@
               <a:effectLst/>
             </c:spPr>
             <c:txPr>
-              <a:bodyPr rot="-5400000" spcFirstLastPara="1" vertOverflow="ellipsis" vert="horz" wrap="square" lIns="38100" tIns="19050" rIns="38100" bIns="19050" anchor="ctr" anchorCtr="1">
+              <a:bodyPr rot="-5400000" spcFirstLastPara="1" vertOverflow="ellipsis" wrap="square" lIns="38100" tIns="19050" rIns="38100" bIns="19050" anchor="ctr" anchorCtr="1">
                 <a:spAutoFit/>
               </a:bodyPr>
               <a:lstStyle/>
@@ -3044,7 +3067,7 @@
               <a:effectLst/>
             </c:spPr>
             <c:txPr>
-              <a:bodyPr rot="-5400000" spcFirstLastPara="1" vertOverflow="ellipsis" vert="horz" wrap="square" lIns="38100" tIns="19050" rIns="38100" bIns="19050" anchor="ctr" anchorCtr="1">
+              <a:bodyPr rot="-5400000" spcFirstLastPara="1" vertOverflow="ellipsis" wrap="square" lIns="38100" tIns="19050" rIns="38100" bIns="19050" anchor="ctr" anchorCtr="1">
                 <a:spAutoFit/>
               </a:bodyPr>
               <a:lstStyle/>
@@ -3096,34 +3119,34 @@
                 <c:formatCode>0%</c:formatCode>
                 <c:ptCount val="10"/>
                 <c:pt idx="0">
-                  <c:v>0.3161722108335297</c:v>
+                  <c:v>0.32210475263742644</c:v>
                 </c:pt>
                 <c:pt idx="1">
-                  <c:v>0.49856447132872</c:v>
+                  <c:v>0.49990402503284065</c:v>
                 </c:pt>
                 <c:pt idx="2">
-                  <c:v>0.62870816994497114</c:v>
+                  <c:v>0.63157903691751083</c:v>
                 </c:pt>
                 <c:pt idx="3">
-                  <c:v>0.72593256480437374</c:v>
+                  <c:v>0.72727224280198766</c:v>
                 </c:pt>
                 <c:pt idx="4">
-                  <c:v>0.8059325746493391</c:v>
+                  <c:v>0.81148319305062167</c:v>
                 </c:pt>
                 <c:pt idx="5">
-                  <c:v>0.86641152409367128</c:v>
+                  <c:v>0.87081265210621783</c:v>
                 </c:pt>
                 <c:pt idx="6">
-                  <c:v>0.91349258003786526</c:v>
+                  <c:v>0.91636254395997818</c:v>
                 </c:pt>
                 <c:pt idx="7">
-                  <c:v>0.95119613502845124</c:v>
+                  <c:v>0.95176963144728421</c:v>
                 </c:pt>
                 <c:pt idx="8">
-                  <c:v>0.97952175499891758</c:v>
+                  <c:v>0.97971264237034816</c:v>
                 </c:pt>
                 <c:pt idx="9">
-                  <c:v>1</c:v>
+                  <c:v>1.0000000000000002</c:v>
                 </c:pt>
               </c:numCache>
             </c:numRef>
@@ -3298,42 +3321,8 @@
 </file>
 
 <file path=ppt/charts/colors1.xml><?xml version="1.0" encoding="utf-8"?>
-<cs:colorStyle xmlns:cs="http://schemas.microsoft.com/office/drawing/2012/chartStyle" xmlns:a="http://schemas.openxmlformats.org/drawingml/2006/main" meth="cycle" id="10">
+<cs:colorStyle xmlns:cs="http://schemas.microsoft.com/office/drawing/2012/chartStyle" xmlns:a="http://schemas.openxmlformats.org/drawingml/2006/main" meth="withinLinear" id="14">
   <a:schemeClr val="accent1"/>
-  <a:schemeClr val="accent2"/>
-  <a:schemeClr val="accent3"/>
-  <a:schemeClr val="accent4"/>
-  <a:schemeClr val="accent5"/>
-  <a:schemeClr val="accent6"/>
-  <cs:variation/>
-  <cs:variation>
-    <a:lumMod val="60000"/>
-  </cs:variation>
-  <cs:variation>
-    <a:lumMod val="80000"/>
-    <a:lumOff val="20000"/>
-  </cs:variation>
-  <cs:variation>
-    <a:lumMod val="80000"/>
-  </cs:variation>
-  <cs:variation>
-    <a:lumMod val="60000"/>
-    <a:lumOff val="40000"/>
-  </cs:variation>
-  <cs:variation>
-    <a:lumMod val="50000"/>
-  </cs:variation>
-  <cs:variation>
-    <a:lumMod val="70000"/>
-    <a:lumOff val="30000"/>
-  </cs:variation>
-  <cs:variation>
-    <a:lumMod val="70000"/>
-  </cs:variation>
-  <cs:variation>
-    <a:lumMod val="50000"/>
-    <a:lumOff val="50000"/>
-  </cs:variation>
 </cs:colorStyle>
 </file>
 
@@ -7566,7 +7555,7 @@
           <a:p>
             <a:fld id="{F595F01A-CCEC-4684-8B3C-DD9794627A0F}" type="datetimeFigureOut">
               <a:rPr lang="pt-BR" smtClean="0"/>
-              <a:t>28/07/2025</a:t>
+              <a:t>30/07/2025</a:t>
             </a:fld>
             <a:endParaRPr lang="pt-BR"/>
           </a:p>
@@ -7764,7 +7753,7 @@
           <a:p>
             <a:fld id="{F595F01A-CCEC-4684-8B3C-DD9794627A0F}" type="datetimeFigureOut">
               <a:rPr lang="pt-BR" smtClean="0"/>
-              <a:t>28/07/2025</a:t>
+              <a:t>30/07/2025</a:t>
             </a:fld>
             <a:endParaRPr lang="pt-BR"/>
           </a:p>
@@ -7972,7 +7961,7 @@
           <a:p>
             <a:fld id="{F595F01A-CCEC-4684-8B3C-DD9794627A0F}" type="datetimeFigureOut">
               <a:rPr lang="pt-BR" smtClean="0"/>
-              <a:t>28/07/2025</a:t>
+              <a:t>30/07/2025</a:t>
             </a:fld>
             <a:endParaRPr lang="pt-BR"/>
           </a:p>
@@ -8170,7 +8159,7 @@
           <a:p>
             <a:fld id="{F595F01A-CCEC-4684-8B3C-DD9794627A0F}" type="datetimeFigureOut">
               <a:rPr lang="pt-BR" smtClean="0"/>
-              <a:t>28/07/2025</a:t>
+              <a:t>30/07/2025</a:t>
             </a:fld>
             <a:endParaRPr lang="pt-BR"/>
           </a:p>
@@ -8445,7 +8434,7 @@
           <a:p>
             <a:fld id="{F595F01A-CCEC-4684-8B3C-DD9794627A0F}" type="datetimeFigureOut">
               <a:rPr lang="pt-BR" smtClean="0"/>
-              <a:t>28/07/2025</a:t>
+              <a:t>30/07/2025</a:t>
             </a:fld>
             <a:endParaRPr lang="pt-BR"/>
           </a:p>
@@ -8710,7 +8699,7 @@
           <a:p>
             <a:fld id="{F595F01A-CCEC-4684-8B3C-DD9794627A0F}" type="datetimeFigureOut">
               <a:rPr lang="pt-BR" smtClean="0"/>
-              <a:t>28/07/2025</a:t>
+              <a:t>30/07/2025</a:t>
             </a:fld>
             <a:endParaRPr lang="pt-BR"/>
           </a:p>
@@ -9122,7 +9111,7 @@
           <a:p>
             <a:fld id="{F595F01A-CCEC-4684-8B3C-DD9794627A0F}" type="datetimeFigureOut">
               <a:rPr lang="pt-BR" smtClean="0"/>
-              <a:t>28/07/2025</a:t>
+              <a:t>30/07/2025</a:t>
             </a:fld>
             <a:endParaRPr lang="pt-BR"/>
           </a:p>
@@ -9263,7 +9252,7 @@
           <a:p>
             <a:fld id="{F595F01A-CCEC-4684-8B3C-DD9794627A0F}" type="datetimeFigureOut">
               <a:rPr lang="pt-BR" smtClean="0"/>
-              <a:t>28/07/2025</a:t>
+              <a:t>30/07/2025</a:t>
             </a:fld>
             <a:endParaRPr lang="pt-BR"/>
           </a:p>
@@ -9376,7 +9365,7 @@
           <a:p>
             <a:fld id="{F595F01A-CCEC-4684-8B3C-DD9794627A0F}" type="datetimeFigureOut">
               <a:rPr lang="pt-BR" smtClean="0"/>
-              <a:t>28/07/2025</a:t>
+              <a:t>30/07/2025</a:t>
             </a:fld>
             <a:endParaRPr lang="pt-BR"/>
           </a:p>
@@ -9687,7 +9676,7 @@
           <a:p>
             <a:fld id="{F595F01A-CCEC-4684-8B3C-DD9794627A0F}" type="datetimeFigureOut">
               <a:rPr lang="pt-BR" smtClean="0"/>
-              <a:t>28/07/2025</a:t>
+              <a:t>30/07/2025</a:t>
             </a:fld>
             <a:endParaRPr lang="pt-BR"/>
           </a:p>
@@ -9975,7 +9964,7 @@
           <a:p>
             <a:fld id="{F595F01A-CCEC-4684-8B3C-DD9794627A0F}" type="datetimeFigureOut">
               <a:rPr lang="pt-BR" smtClean="0"/>
-              <a:t>28/07/2025</a:t>
+              <a:t>30/07/2025</a:t>
             </a:fld>
             <a:endParaRPr lang="pt-BR"/>
           </a:p>
@@ -10216,7 +10205,7 @@
           <a:p>
             <a:fld id="{F595F01A-CCEC-4684-8B3C-DD9794627A0F}" type="datetimeFigureOut">
               <a:rPr lang="pt-BR" smtClean="0"/>
-              <a:t>28/07/2025</a:t>
+              <a:t>30/07/2025</a:t>
             </a:fld>
             <a:endParaRPr lang="pt-BR"/>
           </a:p>
@@ -12165,7 +12154,7 @@
           <p:nvPr>
             <p:extLst>
               <p:ext uri="{D42A27DB-BD31-4B8C-83A1-F6EECF244321}">
-                <p14:modId xmlns:p14="http://schemas.microsoft.com/office/powerpoint/2010/main" val="861038794"/>
+                <p14:modId xmlns:p14="http://schemas.microsoft.com/office/powerpoint/2010/main" val="1021989307"/>
               </p:ext>
             </p:extLst>
           </p:nvPr>
@@ -12233,7 +12222,7 @@
           <p:nvPr>
             <p:extLst>
               <p:ext uri="{D42A27DB-BD31-4B8C-83A1-F6EECF244321}">
-                <p14:modId xmlns:p14="http://schemas.microsoft.com/office/powerpoint/2010/main" val="1572930685"/>
+                <p14:modId xmlns:p14="http://schemas.microsoft.com/office/powerpoint/2010/main" val="3189723775"/>
               </p:ext>
             </p:extLst>
           </p:nvPr>
@@ -12953,7 +12942,7 @@
           <p:nvPr>
             <p:extLst>
               <p:ext uri="{D42A27DB-BD31-4B8C-83A1-F6EECF244321}">
-                <p14:modId xmlns:p14="http://schemas.microsoft.com/office/powerpoint/2010/main" val="2012707487"/>
+                <p14:modId xmlns:p14="http://schemas.microsoft.com/office/powerpoint/2010/main" val="985365471"/>
               </p:ext>
             </p:extLst>
           </p:nvPr>
@@ -13021,7 +13010,7 @@
           <p:nvPr>
             <p:extLst>
               <p:ext uri="{D42A27DB-BD31-4B8C-83A1-F6EECF244321}">
-                <p14:modId xmlns:p14="http://schemas.microsoft.com/office/powerpoint/2010/main" val="808823603"/>
+                <p14:modId xmlns:p14="http://schemas.microsoft.com/office/powerpoint/2010/main" val="1676275649"/>
               </p:ext>
             </p:extLst>
           </p:nvPr>
@@ -13748,7 +13737,7 @@
           <p:nvPr>
             <p:extLst>
               <p:ext uri="{D42A27DB-BD31-4B8C-83A1-F6EECF244321}">
-                <p14:modId xmlns:p14="http://schemas.microsoft.com/office/powerpoint/2010/main" val="1948230467"/>
+                <p14:modId xmlns:p14="http://schemas.microsoft.com/office/powerpoint/2010/main" val="3582467909"/>
               </p:ext>
             </p:extLst>
           </p:nvPr>
@@ -14436,7 +14425,7 @@
           <p:nvPr>
             <p:extLst>
               <p:ext uri="{D42A27DB-BD31-4B8C-83A1-F6EECF244321}">
-                <p14:modId xmlns:p14="http://schemas.microsoft.com/office/powerpoint/2010/main" val="1911435642"/>
+                <p14:modId xmlns:p14="http://schemas.microsoft.com/office/powerpoint/2010/main" val="3093502929"/>
               </p:ext>
             </p:extLst>
           </p:nvPr>
@@ -15016,7 +15005,7 @@
                     <a:p>
                       <a:pPr algn="ctr" fontAlgn="ctr"/>
                       <a:r>
-                        <a:rPr lang="pt-BR" sz="1400" b="0" i="0" u="none" strike="noStrike">
+                        <a:rPr lang="pt-BR" sz="1400" b="0" i="0" u="none" strike="noStrike" dirty="0">
                           <a:solidFill>
                             <a:srgbClr val="000000"/>
                           </a:solidFill>
@@ -15368,7 +15357,7 @@
                     <a:p>
                       <a:pPr algn="ctr" fontAlgn="ctr"/>
                       <a:r>
-                        <a:rPr lang="pt-BR" sz="1400" b="0" i="0" u="none" strike="noStrike">
+                        <a:rPr lang="pt-BR" sz="1400" b="0" i="0" u="none" strike="noStrike" dirty="0">
                           <a:solidFill>
                             <a:srgbClr val="000000"/>
                           </a:solidFill>
@@ -15379,7 +15368,7 @@
                       </a:r>
                     </a:p>
                   </a:txBody>
-                  <a:tcPr marL="7611" marR="7611" marT="7611" marB="0" anchor="ctr">
+                  <a:tcPr marL="7620" marR="7620" marT="30480" marB="30480" anchor="ctr">
                     <a:lnL>
                       <a:noFill/>
                     </a:lnL>
@@ -15412,7 +15401,7 @@
                       </a:r>
                     </a:p>
                   </a:txBody>
-                  <a:tcPr marL="7611" marR="7611" marT="7611" marB="0" anchor="ctr">
+                  <a:tcPr marL="7620" marR="7620" marT="7620" marB="0" anchor="ctr">
                     <a:lnL>
                       <a:noFill/>
                     </a:lnL>
@@ -15448,7 +15437,7 @@
                       </a:r>
                     </a:p>
                   </a:txBody>
-                  <a:tcPr marL="7611" marR="7611" marT="7611" marB="0" anchor="ctr">
+                  <a:tcPr marL="7620" marR="7620" marT="7620" marB="0" anchor="ctr">
                     <a:lnL>
                       <a:noFill/>
                     </a:lnL>
@@ -15481,7 +15470,7 @@
                       </a:r>
                     </a:p>
                   </a:txBody>
-                  <a:tcPr marL="7611" marR="7611" marT="7611" marB="0" anchor="ctr">
+                  <a:tcPr marL="7620" marR="7620" marT="7620" marB="0" anchor="ctr">
                     <a:lnL>
                       <a:noFill/>
                     </a:lnL>
@@ -15517,7 +15506,7 @@
                       </a:r>
                     </a:p>
                   </a:txBody>
-                  <a:tcPr marL="7611" marR="7611" marT="7611" marB="0" anchor="ctr">
+                  <a:tcPr marL="7620" marR="7620" marT="7620" marB="0" anchor="ctr">
                     <a:lnL>
                       <a:noFill/>
                     </a:lnL>
@@ -15550,7 +15539,7 @@
                       </a:r>
                     </a:p>
                   </a:txBody>
-                  <a:tcPr marL="7611" marR="7611" marT="7611" marB="0" anchor="ctr">
+                  <a:tcPr marL="7620" marR="7620" marT="7620" marB="0" anchor="ctr">
                     <a:lnL>
                       <a:noFill/>
                     </a:lnL>
@@ -15583,7 +15572,7 @@
                       </a:r>
                     </a:p>
                   </a:txBody>
-                  <a:tcPr marL="7611" marR="7611" marT="7611" marB="0" anchor="ctr">
+                  <a:tcPr marL="7620" marR="7620" marT="7620" marB="0" anchor="ctr">
                     <a:lnL>
                       <a:noFill/>
                     </a:lnL>
@@ -15616,7 +15605,7 @@
                       </a:r>
                     </a:p>
                   </a:txBody>
-                  <a:tcPr marL="7611" marR="7611" marT="7611" marB="0" anchor="ctr">
+                  <a:tcPr marL="7620" marR="7620" marT="7620" marB="0" anchor="ctr">
                     <a:lnL>
                       <a:noFill/>
                     </a:lnL>
@@ -15649,7 +15638,7 @@
                       </a:r>
                     </a:p>
                   </a:txBody>
-                  <a:tcPr marL="7611" marR="7611" marT="7611" marB="0" anchor="ctr">
+                  <a:tcPr marL="7620" marR="7620" marT="7620" marB="0" anchor="ctr">
                     <a:lnL>
                       <a:noFill/>
                     </a:lnL>
@@ -15722,7 +15711,7 @@
                       </a:r>
                     </a:p>
                   </a:txBody>
-                  <a:tcPr marL="7611" marR="7611" marT="7611" marB="0" anchor="ctr">
+                  <a:tcPr marL="7620" marR="7620" marT="7620" marB="0" anchor="ctr">
                     <a:lnL>
                       <a:noFill/>
                     </a:lnL>
@@ -15755,7 +15744,7 @@
                       </a:r>
                     </a:p>
                   </a:txBody>
-                  <a:tcPr marL="7611" marR="7611" marT="7611" marB="0" anchor="ctr">
+                  <a:tcPr marL="7620" marR="7620" marT="7620" marB="0" anchor="ctr">
                     <a:lnL>
                       <a:noFill/>
                     </a:lnL>
@@ -15780,7 +15769,7 @@
                     <a:p>
                       <a:pPr algn="ctr" fontAlgn="ctr"/>
                       <a:r>
-                        <a:rPr lang="pt-BR" sz="1400" b="0" i="0" u="none" strike="noStrike">
+                        <a:rPr lang="pt-BR" sz="1400" b="0" i="0" u="none" strike="noStrike" dirty="0">
                           <a:solidFill>
                             <a:srgbClr val="000000"/>
                           </a:solidFill>
@@ -15791,7 +15780,7 @@
                       </a:r>
                     </a:p>
                   </a:txBody>
-                  <a:tcPr marL="7611" marR="7611" marT="7611" marB="0" anchor="ctr">
+                  <a:tcPr marL="7620" marR="7620" marT="7620" marB="0" anchor="ctr">
                     <a:lnL>
                       <a:noFill/>
                     </a:lnL>
@@ -15820,11 +15809,11 @@
                           <a:effectLst/>
                           <a:latin typeface="Calibri" panose="020F0502020204030204" pitchFamily="34" charset="0"/>
                         </a:rPr>
-                        <a:t>               3.573 </a:t>
+                        <a:t>               3.542 </a:t>
                       </a:r>
                     </a:p>
                   </a:txBody>
-                  <a:tcPr marL="7611" marR="7611" marT="7611" marB="0" anchor="ctr">
+                  <a:tcPr marL="7620" marR="7620" marT="7620" marB="0" anchor="ctr">
                     <a:lnL>
                       <a:noFill/>
                     </a:lnL>
@@ -15860,7 +15849,40 @@
                       </a:r>
                     </a:p>
                   </a:txBody>
-                  <a:tcPr marL="7611" marR="7611" marT="7611" marB="0" anchor="ctr">
+                  <a:tcPr marL="7620" marR="7620" marT="7620" marB="0" anchor="ctr">
+                    <a:lnL>
+                      <a:noFill/>
+                    </a:lnL>
+                    <a:lnR>
+                      <a:noFill/>
+                    </a:lnR>
+                    <a:lnT>
+                      <a:noFill/>
+                    </a:lnT>
+                    <a:lnB>
+                      <a:noFill/>
+                    </a:lnB>
+                  </a:tcPr>
+                </a:tc>
+                <a:tc>
+                  <a:txBody>
+                    <a:bodyPr/>
+                    <a:lstStyle/>
+                    <a:p>
+                      <a:pPr algn="ctr" fontAlgn="ctr"/>
+                      <a:r>
+                        <a:rPr lang="pt-BR" sz="1400" b="0" i="0" u="none" strike="noStrike" dirty="0">
+                          <a:solidFill>
+                            <a:srgbClr val="000000"/>
+                          </a:solidFill>
+                          <a:effectLst/>
+                          <a:latin typeface="Calibri" panose="020F0502020204030204" pitchFamily="34" charset="0"/>
+                        </a:rPr>
+                        <a:t>   8.512.073.447 </a:t>
+                      </a:r>
+                    </a:p>
+                  </a:txBody>
+                  <a:tcPr marL="7620" marR="7620" marT="7620" marB="0" anchor="ctr">
                     <a:lnL>
                       <a:noFill/>
                     </a:lnL>
@@ -15889,11 +15911,11 @@
                           <a:effectLst/>
                           <a:latin typeface="Calibri" panose="020F0502020204030204" pitchFamily="34" charset="0"/>
                         </a:rPr>
-                        <a:t>   8.512.073.447 </a:t>
+                        <a:t>   2.123.419.804 </a:t>
                       </a:r>
                     </a:p>
                   </a:txBody>
-                  <a:tcPr marL="7611" marR="7611" marT="7611" marB="0" anchor="ctr">
+                  <a:tcPr marL="7620" marR="7620" marT="7620" marB="0" anchor="ctr">
                     <a:lnL>
                       <a:noFill/>
                     </a:lnL>
@@ -15922,11 +15944,11 @@
                           <a:effectLst/>
                           <a:latin typeface="Calibri" panose="020F0502020204030204" pitchFamily="34" charset="0"/>
                         </a:rPr>
-                        <a:t>   2.142.001.667 </a:t>
+                        <a:t>   6.388.653.643 </a:t>
                       </a:r>
                     </a:p>
                   </a:txBody>
-                  <a:tcPr marL="7611" marR="7611" marT="7611" marB="0" anchor="ctr">
+                  <a:tcPr marL="7620" marR="7620" marT="7620" marB="0" anchor="ctr">
                     <a:lnL>
                       <a:noFill/>
                     </a:lnL>
@@ -15948,51 +15970,18 @@
                     <a:p>
                       <a:pPr algn="ctr" fontAlgn="ctr"/>
                       <a:r>
-                        <a:rPr lang="pt-BR" sz="1400" b="0" i="0" u="none" strike="noStrike">
+                        <a:rPr lang="pt-BR" sz="1400" b="0" i="0" u="none" strike="noStrike" dirty="0">
                           <a:solidFill>
                             <a:srgbClr val="000000"/>
                           </a:solidFill>
                           <a:effectLst/>
                           <a:latin typeface="Calibri" panose="020F0502020204030204" pitchFamily="34" charset="0"/>
                         </a:rPr>
-                        <a:t>   6.370.071.781 </a:t>
+                        <a:t>0,96%</a:t>
                       </a:r>
                     </a:p>
                   </a:txBody>
-                  <a:tcPr marL="7611" marR="7611" marT="7611" marB="0" anchor="ctr">
-                    <a:lnL>
-                      <a:noFill/>
-                    </a:lnL>
-                    <a:lnR>
-                      <a:noFill/>
-                    </a:lnR>
-                    <a:lnT>
-                      <a:noFill/>
-                    </a:lnT>
-                    <a:lnB>
-                      <a:noFill/>
-                    </a:lnB>
-                  </a:tcPr>
-                </a:tc>
-                <a:tc>
-                  <a:txBody>
-                    <a:bodyPr/>
-                    <a:lstStyle/>
-                    <a:p>
-                      <a:pPr algn="ctr" fontAlgn="ctr"/>
-                      <a:r>
-                        <a:rPr lang="pt-BR" sz="1400" b="0" i="0" u="none" strike="noStrike">
-                          <a:solidFill>
-                            <a:srgbClr val="000000"/>
-                          </a:solidFill>
-                          <a:effectLst/>
-                          <a:latin typeface="Calibri" panose="020F0502020204030204" pitchFamily="34" charset="0"/>
-                        </a:rPr>
-                        <a:t>0,67%</a:t>
-                      </a:r>
-                    </a:p>
-                  </a:txBody>
-                  <a:tcPr marL="7611" marR="7611" marT="7611" marB="0" anchor="ctr">
+                  <a:tcPr marL="7620" marR="7620" marT="7620" marB="0" anchor="ctr">
                     <a:lnL>
                       <a:noFill/>
                     </a:lnL>
@@ -16054,18 +16043,117 @@
                     <a:p>
                       <a:pPr algn="ctr" fontAlgn="ctr"/>
                       <a:r>
-                        <a:rPr lang="pt-BR" sz="1400" b="0" i="0" u="none" strike="noStrike">
+                        <a:rPr lang="pt-BR" sz="1400" b="0" i="0" u="none" strike="noStrike" dirty="0">
                           <a:solidFill>
                             <a:srgbClr val="000000"/>
                           </a:solidFill>
                           <a:effectLst/>
                           <a:latin typeface="Calibri" panose="020F0502020204030204" pitchFamily="34" charset="0"/>
                         </a:rPr>
-                        <a:t>                          -   </a:t>
+                        <a:t>-   </a:t>
                       </a:r>
                     </a:p>
                   </a:txBody>
-                  <a:tcPr marL="7611" marR="7611" marT="7611" marB="0" anchor="ctr">
+                  <a:tcPr marL="7620" marR="7620" marT="7620" marB="0" anchor="ctr">
+                    <a:lnL>
+                      <a:noFill/>
+                    </a:lnL>
+                    <a:lnR>
+                      <a:noFill/>
+                    </a:lnR>
+                    <a:lnT>
+                      <a:noFill/>
+                    </a:lnT>
+                    <a:lnB>
+                      <a:noFill/>
+                    </a:lnB>
+                  </a:tcPr>
+                </a:tc>
+                <a:tc>
+                  <a:txBody>
+                    <a:bodyPr/>
+                    <a:lstStyle/>
+                    <a:p>
+                      <a:pPr algn="ctr" fontAlgn="ctr"/>
+                      <a:r>
+                        <a:rPr lang="pt-BR" sz="1400" b="0" i="0" u="none" strike="noStrike" dirty="0">
+                          <a:solidFill>
+                            <a:srgbClr val="000000"/>
+                          </a:solidFill>
+                          <a:effectLst/>
+                          <a:latin typeface="Calibri" panose="020F0502020204030204" pitchFamily="34" charset="0"/>
+                        </a:rPr>
+                        <a:t>-   6.458 </a:t>
+                      </a:r>
+                    </a:p>
+                  </a:txBody>
+                  <a:tcPr marL="7620" marR="7620" marT="7620" marB="0" anchor="ctr">
+                    <a:lnL>
+                      <a:noFill/>
+                    </a:lnL>
+                    <a:lnR>
+                      <a:noFill/>
+                    </a:lnR>
+                    <a:lnT>
+                      <a:noFill/>
+                    </a:lnT>
+                    <a:lnB>
+                      <a:noFill/>
+                    </a:lnB>
+                  </a:tcPr>
+                </a:tc>
+                <a:tc>
+                  <a:txBody>
+                    <a:bodyPr/>
+                    <a:lstStyle/>
+                    <a:p>
+                      <a:pPr algn="ctr" fontAlgn="ctr"/>
+                      <a:r>
+                        <a:rPr lang="pt-BR" sz="1400" b="0" i="0" u="none" strike="noStrike" dirty="0">
+                          <a:solidFill>
+                            <a:srgbClr val="000000"/>
+                          </a:solidFill>
+                          <a:effectLst/>
+                          <a:latin typeface="Calibri" panose="020F0502020204030204" pitchFamily="34" charset="0"/>
+                        </a:rPr>
+                        <a:t>-10,0%</a:t>
+                      </a:r>
+                    </a:p>
+                  </a:txBody>
+                  <a:tcPr marL="7620" marR="7620" marT="7620" marB="0" anchor="ctr">
+                    <a:lnL>
+                      <a:noFill/>
+                    </a:lnL>
+                    <a:lnR>
+                      <a:noFill/>
+                    </a:lnR>
+                    <a:lnT>
+                      <a:noFill/>
+                    </a:lnT>
+                    <a:lnB>
+                      <a:noFill/>
+                    </a:lnB>
+                  </a:tcPr>
+                </a:tc>
+                <a:tc>
+                  <a:txBody>
+                    <a:bodyPr/>
+                    <a:lstStyle/>
+                    <a:p>
+                      <a:pPr algn="ctr" fontAlgn="ctr"/>
+                      <a:r>
+                        <a:rPr lang="pt-BR" sz="1400" b="0" i="0" u="none" strike="noStrike" dirty="0">
+                          <a:solidFill>
+                            <a:srgbClr val="000000"/>
+                          </a:solidFill>
+                          <a:effectLst/>
+                          <a:latin typeface="Calibri" panose="020F0502020204030204" pitchFamily="34" charset="0"/>
+                        </a:rPr>
+                        <a:t>-  1.679 </a:t>
+                      </a:r>
+                    </a:p>
+                  </a:txBody>
+                  <a:tcPr marL="7620" marR="7620" marT="7620" marB="0" anchor="ctr">
                     <a:lnL>
                       <a:noFill/>
                     </a:lnL>
@@ -16094,77 +16182,11 @@
                           <a:effectLst/>
                           <a:latin typeface="Calibri" panose="020F0502020204030204" pitchFamily="34" charset="0"/>
                         </a:rPr>
-                        <a:t>-                                6.458 </a:t>
+                        <a:t>-2,0%</a:t>
                       </a:r>
                     </a:p>
                   </a:txBody>
-                  <a:tcPr marL="7611" marR="7611" marT="7611" marB="0" anchor="ctr">
-                    <a:lnL>
-                      <a:noFill/>
-                    </a:lnL>
-                    <a:lnR>
-                      <a:noFill/>
-                    </a:lnR>
-                    <a:lnT>
-                      <a:noFill/>
-                    </a:lnT>
-                    <a:lnB>
-                      <a:noFill/>
-                    </a:lnB>
-                  </a:tcPr>
-                </a:tc>
-                <a:tc>
-                  <a:txBody>
-                    <a:bodyPr/>
-                    <a:lstStyle/>
-                    <a:p>
-                      <a:pPr algn="ctr" fontAlgn="ctr"/>
-                      <a:r>
-                        <a:rPr lang="pt-BR" sz="1400" b="0" i="0" u="none" strike="noStrike">
-                          <a:solidFill>
-                            <a:srgbClr val="000000"/>
-                          </a:solidFill>
-                          <a:effectLst/>
-                          <a:latin typeface="Calibri" panose="020F0502020204030204" pitchFamily="34" charset="0"/>
-                        </a:rPr>
-                        <a:t>-10,0%</a:t>
-                      </a:r>
-                    </a:p>
-                  </a:txBody>
-                  <a:tcPr marL="7611" marR="7611" marT="7611" marB="0" anchor="ctr">
-                    <a:lnL>
-                      <a:noFill/>
-                    </a:lnL>
-                    <a:lnR>
-                      <a:noFill/>
-                    </a:lnR>
-                    <a:lnT>
-                      <a:noFill/>
-                    </a:lnT>
-                    <a:lnB>
-                      <a:noFill/>
-                    </a:lnB>
-                  </a:tcPr>
-                </a:tc>
-                <a:tc>
-                  <a:txBody>
-                    <a:bodyPr/>
-                    <a:lstStyle/>
-                    <a:p>
-                      <a:pPr algn="ctr" fontAlgn="ctr"/>
-                      <a:r>
-                        <a:rPr lang="pt-BR" sz="1400" b="0" i="0" u="none" strike="noStrike">
-                          <a:solidFill>
-                            <a:srgbClr val="000000"/>
-                          </a:solidFill>
-                          <a:effectLst/>
-                          <a:latin typeface="Calibri" panose="020F0502020204030204" pitchFamily="34" charset="0"/>
-                        </a:rPr>
-                        <a:t>-              1.648 </a:t>
-                      </a:r>
-                    </a:p>
-                  </a:txBody>
-                  <a:tcPr marL="7611" marR="7611" marT="7611" marB="0" anchor="ctr">
+                  <a:tcPr marL="7620" marR="7620" marT="7620" marB="0" anchor="ctr">
                     <a:lnL>
                       <a:noFill/>
                     </a:lnL>
@@ -16193,11 +16215,11 @@
                           <a:effectLst/>
                           <a:latin typeface="Calibri" panose="020F0502020204030204" pitchFamily="34" charset="0"/>
                         </a:rPr>
-                        <a:t>-1,9%</a:t>
+                        <a:t>-     945.818.485 </a:t>
                       </a:r>
                     </a:p>
                   </a:txBody>
-                  <a:tcPr marL="7611" marR="7611" marT="7611" marB="0" anchor="ctr">
+                  <a:tcPr marL="7620" marR="7620" marT="7620" marB="0" anchor="ctr">
                     <a:lnL>
                       <a:noFill/>
                     </a:lnL>
@@ -16219,18 +16241,18 @@
                     <a:p>
                       <a:pPr algn="ctr" fontAlgn="ctr"/>
                       <a:r>
-                        <a:rPr lang="pt-BR" sz="1400" b="0" i="0" u="none" strike="noStrike">
+                        <a:rPr lang="pt-BR" sz="1400" b="0" i="0" u="none" strike="noStrike" dirty="0">
                           <a:solidFill>
                             <a:srgbClr val="000000"/>
                           </a:solidFill>
                           <a:effectLst/>
                           <a:latin typeface="Calibri" panose="020F0502020204030204" pitchFamily="34" charset="0"/>
                         </a:rPr>
-                        <a:t>-     945.818.485 </a:t>
+                        <a:t>- 1.006.549.797 </a:t>
                       </a:r>
                     </a:p>
                   </a:txBody>
-                  <a:tcPr marL="7611" marR="7611" marT="7611" marB="0" anchor="ctr">
+                  <a:tcPr marL="7620" marR="7620" marT="7620" marB="0" anchor="ctr">
                     <a:lnL>
                       <a:noFill/>
                     </a:lnL>
@@ -16252,51 +16274,18 @@
                     <a:p>
                       <a:pPr algn="ctr" fontAlgn="ctr"/>
                       <a:r>
-                        <a:rPr lang="pt-BR" sz="1400" b="0" i="0" u="none" strike="noStrike">
-                          <a:solidFill>
-                            <a:srgbClr val="000000"/>
-                          </a:solidFill>
-                          <a:effectLst/>
-                          <a:latin typeface="Calibri" panose="020F0502020204030204" pitchFamily="34" charset="0"/>
-                        </a:rPr>
-                        <a:t>-     987.967.935 </a:t>
-                      </a:r>
-                    </a:p>
-                  </a:txBody>
-                  <a:tcPr marL="7611" marR="7611" marT="7611" marB="0" anchor="ctr">
-                    <a:lnL>
-                      <a:noFill/>
-                    </a:lnL>
-                    <a:lnR>
-                      <a:noFill/>
-                    </a:lnR>
-                    <a:lnT>
-                      <a:noFill/>
-                    </a:lnT>
-                    <a:lnB>
-                      <a:noFill/>
-                    </a:lnB>
-                  </a:tcPr>
-                </a:tc>
-                <a:tc>
-                  <a:txBody>
-                    <a:bodyPr/>
-                    <a:lstStyle/>
-                    <a:p>
-                      <a:pPr algn="ctr" fontAlgn="ctr"/>
-                      <a:r>
-                        <a:rPr lang="pt-BR" sz="1400" b="1" i="0" u="sng" strike="noStrike">
+                        <a:rPr lang="pt-BR" sz="1400" b="1" i="0" u="sng" strike="noStrike" dirty="0">
                           <a:solidFill>
                             <a:srgbClr val="00B050"/>
                           </a:solidFill>
                           <a:effectLst/>
                           <a:latin typeface="Calibri" panose="020F0502020204030204" pitchFamily="34" charset="0"/>
                         </a:rPr>
-                        <a:t>        42.149.450 </a:t>
+                        <a:t>        60.731.313 </a:t>
                       </a:r>
                     </a:p>
                   </a:txBody>
-                  <a:tcPr marL="7611" marR="7611" marT="7611" marB="0" anchor="ctr">
+                  <a:tcPr marL="7620" marR="7620" marT="7620" marB="0" anchor="ctr">
                     <a:lnL>
                       <a:noFill/>
                     </a:lnL>
@@ -16328,11 +16317,11 @@
                           <a:effectLst/>
                           <a:latin typeface="Calibri" panose="020F0502020204030204" pitchFamily="34" charset="0"/>
                         </a:rPr>
-                        <a:t>0,67%</a:t>
+                        <a:t>0,96%</a:t>
                       </a:r>
                     </a:p>
                   </a:txBody>
-                  <a:tcPr marL="7611" marR="7611" marT="7611" marB="0" anchor="ctr">
+                  <a:tcPr marL="7620" marR="7620" marT="7620" marB="0" anchor="ctr">
                     <a:lnL>
                       <a:noFill/>
                     </a:lnL>
@@ -17185,7 +17174,7 @@
         <p:spPr>
           <a:xfrm>
             <a:off x="994800" y="2015171"/>
-            <a:ext cx="10528340" cy="4401205"/>
+            <a:ext cx="10528340" cy="3170099"/>
           </a:xfrm>
           <a:prstGeom prst="rect">
             <a:avLst/>
@@ -17318,66 +17307,6 @@
             </a:endParaRPr>
           </a:p>
           <a:p>
-            <a:r>
-              <a:rPr lang="pt-BR" sz="2000" b="1" dirty="0">
-                <a:latin typeface="Segoe UI" panose="020B0502040204020203" pitchFamily="34" charset="0"/>
-                <a:ea typeface="roboto" panose="020B0604020202020204" pitchFamily="2" charset="0"/>
-                <a:cs typeface="Segoe UI" panose="020B0502040204020203" pitchFamily="34" charset="0"/>
-              </a:rPr>
-              <a:t>Versão 2:</a:t>
-            </a:r>
-            <a:endParaRPr lang="pt-BR" sz="2000" dirty="0">
-              <a:latin typeface="Segoe UI" panose="020B0502040204020203" pitchFamily="34" charset="0"/>
-              <a:ea typeface="roboto" panose="020B0604020202020204" pitchFamily="2" charset="0"/>
-              <a:cs typeface="Segoe UI" panose="020B0502040204020203" pitchFamily="34" charset="0"/>
-            </a:endParaRPr>
-          </a:p>
-          <a:p>
-            <a:pPr marL="342900" indent="-342900">
-              <a:buFont typeface="Arial" panose="020B0604020202020204" pitchFamily="34" charset="0"/>
-              <a:buChar char="•"/>
-            </a:pPr>
-            <a:r>
-              <a:rPr lang="pt-BR" sz="2000" dirty="0">
-                <a:latin typeface="Segoe UI" panose="020B0502040204020203" pitchFamily="34" charset="0"/>
-                <a:ea typeface="roboto" panose="020B0604020202020204" pitchFamily="2" charset="0"/>
-                <a:cs typeface="Segoe UI" panose="020B0502040204020203" pitchFamily="34" charset="0"/>
-              </a:rPr>
-              <a:t>Implantação do modelo de forma automática, usando recursos AWS como por exemplo AWS </a:t>
-            </a:r>
-            <a:r>
-              <a:rPr lang="pt-BR" sz="2000" dirty="0" err="1">
-                <a:latin typeface="Segoe UI" panose="020B0502040204020203" pitchFamily="34" charset="0"/>
-                <a:ea typeface="roboto" panose="020B0604020202020204" pitchFamily="2" charset="0"/>
-                <a:cs typeface="Segoe UI" panose="020B0502040204020203" pitchFamily="34" charset="0"/>
-              </a:rPr>
-              <a:t>SageMaker</a:t>
-            </a:r>
-            <a:r>
-              <a:rPr lang="pt-BR" sz="2000" dirty="0">
-                <a:latin typeface="Segoe UI" panose="020B0502040204020203" pitchFamily="34" charset="0"/>
-                <a:ea typeface="roboto" panose="020B0604020202020204" pitchFamily="2" charset="0"/>
-                <a:cs typeface="Segoe UI" panose="020B0502040204020203" pitchFamily="34" charset="0"/>
-              </a:rPr>
-              <a:t>.</a:t>
-            </a:r>
-          </a:p>
-          <a:p>
-            <a:pPr marL="342900" indent="-342900">
-              <a:buFont typeface="Arial" panose="020B0604020202020204" pitchFamily="34" charset="0"/>
-              <a:buChar char="•"/>
-            </a:pPr>
-            <a:endParaRPr lang="pt-BR" sz="2000" dirty="0">
-              <a:latin typeface="Segoe UI" panose="020B0502040204020203" pitchFamily="34" charset="0"/>
-              <a:ea typeface="roboto" panose="020B0604020202020204" pitchFamily="2" charset="0"/>
-              <a:cs typeface="Segoe UI" panose="020B0502040204020203" pitchFamily="34" charset="0"/>
-            </a:endParaRPr>
-          </a:p>
-          <a:p>
-            <a:pPr marL="342900" indent="-342900">
-              <a:buFont typeface="Arial" panose="020B0604020202020204" pitchFamily="34" charset="0"/>
-              <a:buChar char="•"/>
-            </a:pPr>
             <a:endParaRPr lang="pt-BR" sz="2000" i="1" dirty="0">
               <a:latin typeface="Segoe UI" panose="020B0502040204020203" pitchFamily="34" charset="0"/>
               <a:ea typeface="roboto" panose="020B0604020202020204" pitchFamily="2" charset="0"/>
@@ -19777,36 +19706,6 @@
           </a:p>
         </p:txBody>
       </p:sp>
-      <p:graphicFrame>
-        <p:nvGraphicFramePr>
-          <p:cNvPr id="16" name="Gráfico 15">
-            <a:extLst>
-              <a:ext uri="{FF2B5EF4-FFF2-40B4-BE49-F238E27FC236}">
-                <a16:creationId xmlns:a16="http://schemas.microsoft.com/office/drawing/2014/main" id="{D9CF557B-8317-49C8-A1C0-8FE544309EBE}"/>
-              </a:ext>
-            </a:extLst>
-          </p:cNvPr>
-          <p:cNvGraphicFramePr>
-            <a:graphicFrameLocks/>
-          </p:cNvGraphicFramePr>
-          <p:nvPr>
-            <p:extLst>
-              <p:ext uri="{D42A27DB-BD31-4B8C-83A1-F6EECF244321}">
-                <p14:modId xmlns:p14="http://schemas.microsoft.com/office/powerpoint/2010/main" val="390980193"/>
-              </p:ext>
-            </p:extLst>
-          </p:nvPr>
-        </p:nvGraphicFramePr>
-        <p:xfrm>
-          <a:off x="668862" y="4284343"/>
-          <a:ext cx="2949390" cy="1743636"/>
-        </p:xfrm>
-        <a:graphic>
-          <a:graphicData uri="http://schemas.openxmlformats.org/drawingml/2006/chart">
-            <c:chart xmlns:c="http://schemas.openxmlformats.org/drawingml/2006/chart" xmlns:r="http://schemas.openxmlformats.org/officeDocument/2006/relationships" r:id="rId4"/>
-          </a:graphicData>
-        </a:graphic>
-      </p:graphicFrame>
       <p:sp>
         <p:nvSpPr>
           <p:cNvPr id="17" name="CaixaDeTexto 16">
@@ -20291,6 +20190,36 @@
           </a:p>
         </p:txBody>
       </p:sp>
+      <p:graphicFrame>
+        <p:nvGraphicFramePr>
+          <p:cNvPr id="25" name="Gráfico 24">
+            <a:extLst>
+              <a:ext uri="{FF2B5EF4-FFF2-40B4-BE49-F238E27FC236}">
+                <a16:creationId xmlns:a16="http://schemas.microsoft.com/office/drawing/2014/main" id="{8BA619A9-0A84-4DCF-BCCA-70BC49C38DA0}"/>
+              </a:ext>
+            </a:extLst>
+          </p:cNvPr>
+          <p:cNvGraphicFramePr>
+            <a:graphicFrameLocks/>
+          </p:cNvGraphicFramePr>
+          <p:nvPr>
+            <p:extLst>
+              <p:ext uri="{D42A27DB-BD31-4B8C-83A1-F6EECF244321}">
+                <p14:modId xmlns:p14="http://schemas.microsoft.com/office/powerpoint/2010/main" val="3946593918"/>
+              </p:ext>
+            </p:extLst>
+          </p:nvPr>
+        </p:nvGraphicFramePr>
+        <p:xfrm>
+          <a:off x="1123805" y="4339929"/>
+          <a:ext cx="1980736" cy="1739409"/>
+        </p:xfrm>
+        <a:graphic>
+          <a:graphicData uri="http://schemas.openxmlformats.org/drawingml/2006/chart">
+            <c:chart xmlns:c="http://schemas.openxmlformats.org/drawingml/2006/chart" xmlns:r="http://schemas.openxmlformats.org/officeDocument/2006/relationships" r:id="rId4"/>
+          </a:graphicData>
+        </a:graphic>
+      </p:graphicFrame>
     </p:spTree>
     <p:extLst>
       <p:ext uri="{BB962C8B-B14F-4D97-AF65-F5344CB8AC3E}">

--- a/Projeto_Reducao_Inadimplencia_Pod_Bank.pptx
+++ b/Projeto_Reducao_Inadimplencia_Pod_Bank.pptx
@@ -621,12 +621,7 @@
         <c:majorGridlines>
           <c:spPr>
             <a:ln w="9525" cap="flat" cmpd="sng" algn="ctr">
-              <a:solidFill>
-                <a:schemeClr val="tx1">
-                  <a:lumMod val="15000"/>
-                  <a:lumOff val="85000"/>
-                </a:schemeClr>
-              </a:solidFill>
+              <a:noFill/>
               <a:round/>
             </a:ln>
             <a:effectLst/>
@@ -1055,12 +1050,7 @@
         <c:majorGridlines>
           <c:spPr>
             <a:ln w="9525" cap="flat" cmpd="sng" algn="ctr">
-              <a:solidFill>
-                <a:schemeClr val="tx1">
-                  <a:lumMod val="15000"/>
-                  <a:lumOff val="85000"/>
-                </a:schemeClr>
-              </a:solidFill>
+              <a:noFill/>
               <a:round/>
             </a:ln>
             <a:effectLst/>
@@ -1482,12 +1472,7 @@
         <c:majorGridlines>
           <c:spPr>
             <a:ln w="9525" cap="flat" cmpd="sng" algn="ctr">
-              <a:solidFill>
-                <a:schemeClr val="tx1">
-                  <a:lumMod val="15000"/>
-                  <a:lumOff val="85000"/>
-                </a:schemeClr>
-              </a:solidFill>
+              <a:noFill/>
               <a:round/>
             </a:ln>
             <a:effectLst/>
@@ -1922,12 +1907,7 @@
         <c:majorGridlines>
           <c:spPr>
             <a:ln w="9525" cap="flat" cmpd="sng" algn="ctr">
-              <a:solidFill>
-                <a:schemeClr val="tx1">
-                  <a:lumMod val="15000"/>
-                  <a:lumOff val="85000"/>
-                </a:schemeClr>
-              </a:solidFill>
+              <a:noFill/>
               <a:round/>
             </a:ln>
             <a:effectLst/>
@@ -11374,7 +11354,7 @@
           <p:nvPr>
             <p:extLst>
               <p:ext uri="{D42A27DB-BD31-4B8C-83A1-F6EECF244321}">
-                <p14:modId xmlns:p14="http://schemas.microsoft.com/office/powerpoint/2010/main" val="3261319690"/>
+                <p14:modId xmlns:p14="http://schemas.microsoft.com/office/powerpoint/2010/main" val="370041024"/>
               </p:ext>
             </p:extLst>
           </p:nvPr>
@@ -11442,7 +11422,7 @@
           <p:nvPr>
             <p:extLst>
               <p:ext uri="{D42A27DB-BD31-4B8C-83A1-F6EECF244321}">
-                <p14:modId xmlns:p14="http://schemas.microsoft.com/office/powerpoint/2010/main" val="2219859164"/>
+                <p14:modId xmlns:p14="http://schemas.microsoft.com/office/powerpoint/2010/main" val="1541182205"/>
               </p:ext>
             </p:extLst>
           </p:nvPr>
@@ -12154,7 +12134,7 @@
           <p:nvPr>
             <p:extLst>
               <p:ext uri="{D42A27DB-BD31-4B8C-83A1-F6EECF244321}">
-                <p14:modId xmlns:p14="http://schemas.microsoft.com/office/powerpoint/2010/main" val="1021989307"/>
+                <p14:modId xmlns:p14="http://schemas.microsoft.com/office/powerpoint/2010/main" val="1493556413"/>
               </p:ext>
             </p:extLst>
           </p:nvPr>
@@ -12222,7 +12202,7 @@
           <p:nvPr>
             <p:extLst>
               <p:ext uri="{D42A27DB-BD31-4B8C-83A1-F6EECF244321}">
-                <p14:modId xmlns:p14="http://schemas.microsoft.com/office/powerpoint/2010/main" val="3189723775"/>
+                <p14:modId xmlns:p14="http://schemas.microsoft.com/office/powerpoint/2010/main" val="2845815750"/>
               </p:ext>
             </p:extLst>
           </p:nvPr>

--- a/Projeto_Reducao_Inadimplencia_Pod_Bank.pptx
+++ b/Projeto_Reducao_Inadimplencia_Pod_Bank.pptx
@@ -7535,7 +7535,7 @@
           <a:p>
             <a:fld id="{F595F01A-CCEC-4684-8B3C-DD9794627A0F}" type="datetimeFigureOut">
               <a:rPr lang="pt-BR" smtClean="0"/>
-              <a:t>30/07/2025</a:t>
+              <a:t>01/08/2025</a:t>
             </a:fld>
             <a:endParaRPr lang="pt-BR"/>
           </a:p>
@@ -7733,7 +7733,7 @@
           <a:p>
             <a:fld id="{F595F01A-CCEC-4684-8B3C-DD9794627A0F}" type="datetimeFigureOut">
               <a:rPr lang="pt-BR" smtClean="0"/>
-              <a:t>30/07/2025</a:t>
+              <a:t>01/08/2025</a:t>
             </a:fld>
             <a:endParaRPr lang="pt-BR"/>
           </a:p>
@@ -7941,7 +7941,7 @@
           <a:p>
             <a:fld id="{F595F01A-CCEC-4684-8B3C-DD9794627A0F}" type="datetimeFigureOut">
               <a:rPr lang="pt-BR" smtClean="0"/>
-              <a:t>30/07/2025</a:t>
+              <a:t>01/08/2025</a:t>
             </a:fld>
             <a:endParaRPr lang="pt-BR"/>
           </a:p>
@@ -8139,7 +8139,7 @@
           <a:p>
             <a:fld id="{F595F01A-CCEC-4684-8B3C-DD9794627A0F}" type="datetimeFigureOut">
               <a:rPr lang="pt-BR" smtClean="0"/>
-              <a:t>30/07/2025</a:t>
+              <a:t>01/08/2025</a:t>
             </a:fld>
             <a:endParaRPr lang="pt-BR"/>
           </a:p>
@@ -8414,7 +8414,7 @@
           <a:p>
             <a:fld id="{F595F01A-CCEC-4684-8B3C-DD9794627A0F}" type="datetimeFigureOut">
               <a:rPr lang="pt-BR" smtClean="0"/>
-              <a:t>30/07/2025</a:t>
+              <a:t>01/08/2025</a:t>
             </a:fld>
             <a:endParaRPr lang="pt-BR"/>
           </a:p>
@@ -8679,7 +8679,7 @@
           <a:p>
             <a:fld id="{F595F01A-CCEC-4684-8B3C-DD9794627A0F}" type="datetimeFigureOut">
               <a:rPr lang="pt-BR" smtClean="0"/>
-              <a:t>30/07/2025</a:t>
+              <a:t>01/08/2025</a:t>
             </a:fld>
             <a:endParaRPr lang="pt-BR"/>
           </a:p>
@@ -9091,7 +9091,7 @@
           <a:p>
             <a:fld id="{F595F01A-CCEC-4684-8B3C-DD9794627A0F}" type="datetimeFigureOut">
               <a:rPr lang="pt-BR" smtClean="0"/>
-              <a:t>30/07/2025</a:t>
+              <a:t>01/08/2025</a:t>
             </a:fld>
             <a:endParaRPr lang="pt-BR"/>
           </a:p>
@@ -9232,7 +9232,7 @@
           <a:p>
             <a:fld id="{F595F01A-CCEC-4684-8B3C-DD9794627A0F}" type="datetimeFigureOut">
               <a:rPr lang="pt-BR" smtClean="0"/>
-              <a:t>30/07/2025</a:t>
+              <a:t>01/08/2025</a:t>
             </a:fld>
             <a:endParaRPr lang="pt-BR"/>
           </a:p>
@@ -9345,7 +9345,7 @@
           <a:p>
             <a:fld id="{F595F01A-CCEC-4684-8B3C-DD9794627A0F}" type="datetimeFigureOut">
               <a:rPr lang="pt-BR" smtClean="0"/>
-              <a:t>30/07/2025</a:t>
+              <a:t>01/08/2025</a:t>
             </a:fld>
             <a:endParaRPr lang="pt-BR"/>
           </a:p>
@@ -9656,7 +9656,7 @@
           <a:p>
             <a:fld id="{F595F01A-CCEC-4684-8B3C-DD9794627A0F}" type="datetimeFigureOut">
               <a:rPr lang="pt-BR" smtClean="0"/>
-              <a:t>30/07/2025</a:t>
+              <a:t>01/08/2025</a:t>
             </a:fld>
             <a:endParaRPr lang="pt-BR"/>
           </a:p>
@@ -9944,7 +9944,7 @@
           <a:p>
             <a:fld id="{F595F01A-CCEC-4684-8B3C-DD9794627A0F}" type="datetimeFigureOut">
               <a:rPr lang="pt-BR" smtClean="0"/>
-              <a:t>30/07/2025</a:t>
+              <a:t>01/08/2025</a:t>
             </a:fld>
             <a:endParaRPr lang="pt-BR"/>
           </a:p>
@@ -10185,7 +10185,7 @@
           <a:p>
             <a:fld id="{F595F01A-CCEC-4684-8B3C-DD9794627A0F}" type="datetimeFigureOut">
               <a:rPr lang="pt-BR" smtClean="0"/>
-              <a:t>30/07/2025</a:t>
+              <a:t>01/08/2025</a:t>
             </a:fld>
             <a:endParaRPr lang="pt-BR"/>
           </a:p>
@@ -20875,7 +20875,7 @@
                 <a:ea typeface="roboto" panose="020B0604020202020204" pitchFamily="2" charset="0"/>
                 <a:cs typeface="Segoe UI" panose="020B0502040204020203" pitchFamily="34" charset="0"/>
               </a:rPr>
-              <a:t>215.257</a:t>
+              <a:t>44</a:t>
             </a:r>
           </a:p>
         </p:txBody>
